--- a/spweb.pptx
+++ b/spweb.pptx
@@ -4,14 +4,18 @@
   <p:sldMasterIdLst>
     <p:sldMasterId id="2147483648" r:id="rId1"/>
   </p:sldMasterIdLst>
+  <p:notesMasterIdLst>
+    <p:notesMasterId r:id="rId10"/>
+  </p:notesMasterIdLst>
   <p:sldIdLst>
     <p:sldId id="256" r:id="rId2"/>
     <p:sldId id="257" r:id="rId3"/>
-    <p:sldId id="259" r:id="rId4"/>
-    <p:sldId id="258" r:id="rId5"/>
-    <p:sldId id="260" r:id="rId6"/>
-    <p:sldId id="261" r:id="rId7"/>
-    <p:sldId id="262" r:id="rId8"/>
+    <p:sldId id="263" r:id="rId4"/>
+    <p:sldId id="259" r:id="rId5"/>
+    <p:sldId id="258" r:id="rId6"/>
+    <p:sldId id="260" r:id="rId7"/>
+    <p:sldId id="261" r:id="rId8"/>
+    <p:sldId id="262" r:id="rId9"/>
   </p:sldIdLst>
   <p:sldSz cx="9144000" cy="6858000" type="screen4x3"/>
   <p:notesSz cx="6858000" cy="9144000"/>
@@ -113,6 +117,440 @@
 </p:presentation>
 </file>
 
+<file path=ppt/notesMasters/notesMaster1.xml><?xml version="1.0" encoding="utf-8"?>
+<p:notesMaster xmlns:a="http://schemas.openxmlformats.org/drawingml/2006/main" xmlns:r="http://schemas.openxmlformats.org/officeDocument/2006/relationships" xmlns:p="http://schemas.openxmlformats.org/presentationml/2006/main">
+  <p:cSld>
+    <p:bg>
+      <p:bgRef idx="1001">
+        <a:schemeClr val="bg1"/>
+      </p:bgRef>
+    </p:bg>
+    <p:spTree>
+      <p:nvGrpSpPr>
+        <p:cNvPr id="1" name=""/>
+        <p:cNvGrpSpPr/>
+        <p:nvPr/>
+      </p:nvGrpSpPr>
+      <p:grpSpPr>
+        <a:xfrm>
+          <a:off x="0" y="0"/>
+          <a:ext cx="0" cy="0"/>
+          <a:chOff x="0" y="0"/>
+          <a:chExt cx="0" cy="0"/>
+        </a:xfrm>
+      </p:grpSpPr>
+      <p:sp>
+        <p:nvSpPr>
+          <p:cNvPr id="2" name="Header Placeholder 1"/>
+          <p:cNvSpPr>
+            <a:spLocks noGrp="1"/>
+          </p:cNvSpPr>
+          <p:nvPr>
+            <p:ph type="hdr" sz="quarter"/>
+          </p:nvPr>
+        </p:nvSpPr>
+        <p:spPr>
+          <a:xfrm>
+            <a:off x="0" y="0"/>
+            <a:ext cx="2971800" cy="457200"/>
+          </a:xfrm>
+          <a:prstGeom prst="rect">
+            <a:avLst/>
+          </a:prstGeom>
+        </p:spPr>
+        <p:txBody>
+          <a:bodyPr vert="horz" lIns="91440" tIns="45720" rIns="91440" bIns="45720" rtlCol="0"/>
+          <a:lstStyle>
+            <a:lvl1pPr algn="l">
+              <a:defRPr sz="1200"/>
+            </a:lvl1pPr>
+          </a:lstStyle>
+          <a:p>
+            <a:endParaRPr lang="en-US"/>
+          </a:p>
+        </p:txBody>
+      </p:sp>
+      <p:sp>
+        <p:nvSpPr>
+          <p:cNvPr id="3" name="Date Placeholder 2"/>
+          <p:cNvSpPr>
+            <a:spLocks noGrp="1"/>
+          </p:cNvSpPr>
+          <p:nvPr>
+            <p:ph type="dt" idx="1"/>
+          </p:nvPr>
+        </p:nvSpPr>
+        <p:spPr>
+          <a:xfrm>
+            <a:off x="3884613" y="0"/>
+            <a:ext cx="2971800" cy="457200"/>
+          </a:xfrm>
+          <a:prstGeom prst="rect">
+            <a:avLst/>
+          </a:prstGeom>
+        </p:spPr>
+        <p:txBody>
+          <a:bodyPr vert="horz" lIns="91440" tIns="45720" rIns="91440" bIns="45720" rtlCol="0"/>
+          <a:lstStyle>
+            <a:lvl1pPr algn="r">
+              <a:defRPr sz="1200"/>
+            </a:lvl1pPr>
+          </a:lstStyle>
+          <a:p>
+            <a:fld id="{603278F2-9C20-A140-A666-4AD0FD86CB65}" type="datetimeFigureOut">
+              <a:rPr lang="en-US" smtClean="0"/>
+              <a:t>3/4/14</a:t>
+            </a:fld>
+            <a:endParaRPr lang="en-US"/>
+          </a:p>
+        </p:txBody>
+      </p:sp>
+      <p:sp>
+        <p:nvSpPr>
+          <p:cNvPr id="4" name="Slide Image Placeholder 3"/>
+          <p:cNvSpPr>
+            <a:spLocks noGrp="1" noRot="1" noChangeAspect="1"/>
+          </p:cNvSpPr>
+          <p:nvPr>
+            <p:ph type="sldImg" idx="2"/>
+          </p:nvPr>
+        </p:nvSpPr>
+        <p:spPr>
+          <a:xfrm>
+            <a:off x="1143000" y="685800"/>
+            <a:ext cx="4572000" cy="3429000"/>
+          </a:xfrm>
+          <a:prstGeom prst="rect">
+            <a:avLst/>
+          </a:prstGeom>
+          <a:noFill/>
+          <a:ln w="12700">
+            <a:solidFill>
+              <a:prstClr val="black"/>
+            </a:solidFill>
+          </a:ln>
+        </p:spPr>
+        <p:txBody>
+          <a:bodyPr vert="horz" lIns="91440" tIns="45720" rIns="91440" bIns="45720" rtlCol="0" anchor="ctr"/>
+          <a:lstStyle/>
+          <a:p>
+            <a:endParaRPr lang="en-US"/>
+          </a:p>
+        </p:txBody>
+      </p:sp>
+      <p:sp>
+        <p:nvSpPr>
+          <p:cNvPr id="5" name="Notes Placeholder 4"/>
+          <p:cNvSpPr>
+            <a:spLocks noGrp="1"/>
+          </p:cNvSpPr>
+          <p:nvPr>
+            <p:ph type="body" sz="quarter" idx="3"/>
+          </p:nvPr>
+        </p:nvSpPr>
+        <p:spPr>
+          <a:xfrm>
+            <a:off x="685800" y="4343400"/>
+            <a:ext cx="5486400" cy="4114800"/>
+          </a:xfrm>
+          <a:prstGeom prst="rect">
+            <a:avLst/>
+          </a:prstGeom>
+        </p:spPr>
+        <p:txBody>
+          <a:bodyPr vert="horz" lIns="91440" tIns="45720" rIns="91440" bIns="45720" rtlCol="0"/>
+          <a:lstStyle/>
+          <a:p>
+            <a:pPr lvl="0"/>
+            <a:r>
+              <a:rPr lang="en-US" altLang="zh-CN" smtClean="0"/>
+              <a:t>Click to edit Master text styles</a:t>
+            </a:r>
+          </a:p>
+          <a:p>
+            <a:pPr lvl="1"/>
+            <a:r>
+              <a:rPr lang="en-US" altLang="zh-CN" smtClean="0"/>
+              <a:t>Second level</a:t>
+            </a:r>
+          </a:p>
+          <a:p>
+            <a:pPr lvl="2"/>
+            <a:r>
+              <a:rPr lang="en-US" altLang="zh-CN" smtClean="0"/>
+              <a:t>Third level</a:t>
+            </a:r>
+          </a:p>
+          <a:p>
+            <a:pPr lvl="3"/>
+            <a:r>
+              <a:rPr lang="en-US" altLang="zh-CN" smtClean="0"/>
+              <a:t>Fourth level</a:t>
+            </a:r>
+          </a:p>
+          <a:p>
+            <a:pPr lvl="4"/>
+            <a:r>
+              <a:rPr lang="en-US" altLang="zh-CN" smtClean="0"/>
+              <a:t>Fifth level</a:t>
+            </a:r>
+            <a:endParaRPr lang="en-US"/>
+          </a:p>
+        </p:txBody>
+      </p:sp>
+      <p:sp>
+        <p:nvSpPr>
+          <p:cNvPr id="6" name="Footer Placeholder 5"/>
+          <p:cNvSpPr>
+            <a:spLocks noGrp="1"/>
+          </p:cNvSpPr>
+          <p:nvPr>
+            <p:ph type="ftr" sz="quarter" idx="4"/>
+          </p:nvPr>
+        </p:nvSpPr>
+        <p:spPr>
+          <a:xfrm>
+            <a:off x="0" y="8685213"/>
+            <a:ext cx="2971800" cy="457200"/>
+          </a:xfrm>
+          <a:prstGeom prst="rect">
+            <a:avLst/>
+          </a:prstGeom>
+        </p:spPr>
+        <p:txBody>
+          <a:bodyPr vert="horz" lIns="91440" tIns="45720" rIns="91440" bIns="45720" rtlCol="0" anchor="b"/>
+          <a:lstStyle>
+            <a:lvl1pPr algn="l">
+              <a:defRPr sz="1200"/>
+            </a:lvl1pPr>
+          </a:lstStyle>
+          <a:p>
+            <a:endParaRPr lang="en-US"/>
+          </a:p>
+        </p:txBody>
+      </p:sp>
+      <p:sp>
+        <p:nvSpPr>
+          <p:cNvPr id="7" name="Slide Number Placeholder 6"/>
+          <p:cNvSpPr>
+            <a:spLocks noGrp="1"/>
+          </p:cNvSpPr>
+          <p:nvPr>
+            <p:ph type="sldNum" sz="quarter" idx="5"/>
+          </p:nvPr>
+        </p:nvSpPr>
+        <p:spPr>
+          <a:xfrm>
+            <a:off x="3884613" y="8685213"/>
+            <a:ext cx="2971800" cy="457200"/>
+          </a:xfrm>
+          <a:prstGeom prst="rect">
+            <a:avLst/>
+          </a:prstGeom>
+        </p:spPr>
+        <p:txBody>
+          <a:bodyPr vert="horz" lIns="91440" tIns="45720" rIns="91440" bIns="45720" rtlCol="0" anchor="b"/>
+          <a:lstStyle>
+            <a:lvl1pPr algn="r">
+              <a:defRPr sz="1200"/>
+            </a:lvl1pPr>
+          </a:lstStyle>
+          <a:p>
+            <a:fld id="{D620FD75-887F-2C46-AA66-A2BBD0B9807E}" type="slidenum">
+              <a:rPr lang="en-US" smtClean="0"/>
+              <a:t>‹#›</a:t>
+            </a:fld>
+            <a:endParaRPr lang="en-US"/>
+          </a:p>
+        </p:txBody>
+      </p:sp>
+    </p:spTree>
+    <p:extLst>
+      <p:ext uri="{BB962C8B-B14F-4D97-AF65-F5344CB8AC3E}">
+        <p14:creationId xmlns:p14="http://schemas.microsoft.com/office/powerpoint/2010/main" val="3146697730"/>
+      </p:ext>
+    </p:extLst>
+  </p:cSld>
+  <p:clrMap bg1="lt1" tx1="dk1" bg2="lt2" tx2="dk2" accent1="accent1" accent2="accent2" accent3="accent3" accent4="accent4" accent5="accent5" accent6="accent6" hlink="hlink" folHlink="folHlink"/>
+  <p:notesStyle>
+    <a:lvl1pPr marL="0" algn="l" defTabSz="457200" rtl="0" eaLnBrk="1" latinLnBrk="0" hangingPunct="1">
+      <a:defRPr sz="1200" kern="1200">
+        <a:solidFill>
+          <a:schemeClr val="tx1"/>
+        </a:solidFill>
+        <a:latin typeface="+mn-lt"/>
+        <a:ea typeface="+mn-ea"/>
+        <a:cs typeface="+mn-cs"/>
+      </a:defRPr>
+    </a:lvl1pPr>
+    <a:lvl2pPr marL="457200" algn="l" defTabSz="457200" rtl="0" eaLnBrk="1" latinLnBrk="0" hangingPunct="1">
+      <a:defRPr sz="1200" kern="1200">
+        <a:solidFill>
+          <a:schemeClr val="tx1"/>
+        </a:solidFill>
+        <a:latin typeface="+mn-lt"/>
+        <a:ea typeface="+mn-ea"/>
+        <a:cs typeface="+mn-cs"/>
+      </a:defRPr>
+    </a:lvl2pPr>
+    <a:lvl3pPr marL="914400" algn="l" defTabSz="457200" rtl="0" eaLnBrk="1" latinLnBrk="0" hangingPunct="1">
+      <a:defRPr sz="1200" kern="1200">
+        <a:solidFill>
+          <a:schemeClr val="tx1"/>
+        </a:solidFill>
+        <a:latin typeface="+mn-lt"/>
+        <a:ea typeface="+mn-ea"/>
+        <a:cs typeface="+mn-cs"/>
+      </a:defRPr>
+    </a:lvl3pPr>
+    <a:lvl4pPr marL="1371600" algn="l" defTabSz="457200" rtl="0" eaLnBrk="1" latinLnBrk="0" hangingPunct="1">
+      <a:defRPr sz="1200" kern="1200">
+        <a:solidFill>
+          <a:schemeClr val="tx1"/>
+        </a:solidFill>
+        <a:latin typeface="+mn-lt"/>
+        <a:ea typeface="+mn-ea"/>
+        <a:cs typeface="+mn-cs"/>
+      </a:defRPr>
+    </a:lvl4pPr>
+    <a:lvl5pPr marL="1828800" algn="l" defTabSz="457200" rtl="0" eaLnBrk="1" latinLnBrk="0" hangingPunct="1">
+      <a:defRPr sz="1200" kern="1200">
+        <a:solidFill>
+          <a:schemeClr val="tx1"/>
+        </a:solidFill>
+        <a:latin typeface="+mn-lt"/>
+        <a:ea typeface="+mn-ea"/>
+        <a:cs typeface="+mn-cs"/>
+      </a:defRPr>
+    </a:lvl5pPr>
+    <a:lvl6pPr marL="2286000" algn="l" defTabSz="457200" rtl="0" eaLnBrk="1" latinLnBrk="0" hangingPunct="1">
+      <a:defRPr sz="1200" kern="1200">
+        <a:solidFill>
+          <a:schemeClr val="tx1"/>
+        </a:solidFill>
+        <a:latin typeface="+mn-lt"/>
+        <a:ea typeface="+mn-ea"/>
+        <a:cs typeface="+mn-cs"/>
+      </a:defRPr>
+    </a:lvl6pPr>
+    <a:lvl7pPr marL="2743200" algn="l" defTabSz="457200" rtl="0" eaLnBrk="1" latinLnBrk="0" hangingPunct="1">
+      <a:defRPr sz="1200" kern="1200">
+        <a:solidFill>
+          <a:schemeClr val="tx1"/>
+        </a:solidFill>
+        <a:latin typeface="+mn-lt"/>
+        <a:ea typeface="+mn-ea"/>
+        <a:cs typeface="+mn-cs"/>
+      </a:defRPr>
+    </a:lvl7pPr>
+    <a:lvl8pPr marL="3200400" algn="l" defTabSz="457200" rtl="0" eaLnBrk="1" latinLnBrk="0" hangingPunct="1">
+      <a:defRPr sz="1200" kern="1200">
+        <a:solidFill>
+          <a:schemeClr val="tx1"/>
+        </a:solidFill>
+        <a:latin typeface="+mn-lt"/>
+        <a:ea typeface="+mn-ea"/>
+        <a:cs typeface="+mn-cs"/>
+      </a:defRPr>
+    </a:lvl8pPr>
+    <a:lvl9pPr marL="3657600" algn="l" defTabSz="457200" rtl="0" eaLnBrk="1" latinLnBrk="0" hangingPunct="1">
+      <a:defRPr sz="1200" kern="1200">
+        <a:solidFill>
+          <a:schemeClr val="tx1"/>
+        </a:solidFill>
+        <a:latin typeface="+mn-lt"/>
+        <a:ea typeface="+mn-ea"/>
+        <a:cs typeface="+mn-cs"/>
+      </a:defRPr>
+    </a:lvl9pPr>
+  </p:notesStyle>
+</p:notesMaster>
+</file>
+
+<file path=ppt/notesSlides/notesSlide1.xml><?xml version="1.0" encoding="utf-8"?>
+<p:notes xmlns:a="http://schemas.openxmlformats.org/drawingml/2006/main" xmlns:r="http://schemas.openxmlformats.org/officeDocument/2006/relationships" xmlns:p="http://schemas.openxmlformats.org/presentationml/2006/main">
+  <p:cSld>
+    <p:spTree>
+      <p:nvGrpSpPr>
+        <p:cNvPr id="1" name=""/>
+        <p:cNvGrpSpPr/>
+        <p:nvPr/>
+      </p:nvGrpSpPr>
+      <p:grpSpPr>
+        <a:xfrm>
+          <a:off x="0" y="0"/>
+          <a:ext cx="0" cy="0"/>
+          <a:chOff x="0" y="0"/>
+          <a:chExt cx="0" cy="0"/>
+        </a:xfrm>
+      </p:grpSpPr>
+      <p:sp>
+        <p:nvSpPr>
+          <p:cNvPr id="2" name="Slide Image Placeholder 1"/>
+          <p:cNvSpPr>
+            <a:spLocks noGrp="1" noRot="1" noChangeAspect="1"/>
+          </p:cNvSpPr>
+          <p:nvPr>
+            <p:ph type="sldImg"/>
+          </p:nvPr>
+        </p:nvSpPr>
+        <p:spPr/>
+      </p:sp>
+      <p:sp>
+        <p:nvSpPr>
+          <p:cNvPr id="3" name="Notes Placeholder 2"/>
+          <p:cNvSpPr>
+            <a:spLocks noGrp="1"/>
+          </p:cNvSpPr>
+          <p:nvPr>
+            <p:ph type="body" idx="1"/>
+          </p:nvPr>
+        </p:nvSpPr>
+        <p:spPr/>
+        <p:txBody>
+          <a:bodyPr/>
+          <a:lstStyle/>
+          <a:p>
+            <a:endParaRPr lang="en-US" dirty="0"/>
+          </a:p>
+        </p:txBody>
+      </p:sp>
+      <p:sp>
+        <p:nvSpPr>
+          <p:cNvPr id="4" name="Slide Number Placeholder 3"/>
+          <p:cNvSpPr>
+            <a:spLocks noGrp="1"/>
+          </p:cNvSpPr>
+          <p:nvPr>
+            <p:ph type="sldNum" sz="quarter" idx="10"/>
+          </p:nvPr>
+        </p:nvSpPr>
+        <p:spPr/>
+        <p:txBody>
+          <a:bodyPr/>
+          <a:lstStyle/>
+          <a:p>
+            <a:fld id="{D620FD75-887F-2C46-AA66-A2BBD0B9807E}" type="slidenum">
+              <a:rPr lang="en-US" smtClean="0"/>
+              <a:t>2</a:t>
+            </a:fld>
+            <a:endParaRPr lang="en-US"/>
+          </a:p>
+        </p:txBody>
+      </p:sp>
+    </p:spTree>
+    <p:extLst>
+      <p:ext uri="{BB962C8B-B14F-4D97-AF65-F5344CB8AC3E}">
+        <p14:creationId xmlns:p14="http://schemas.microsoft.com/office/powerpoint/2010/main" val="2078996221"/>
+      </p:ext>
+    </p:extLst>
+  </p:cSld>
+  <p:clrMapOvr>
+    <a:masterClrMapping/>
+  </p:clrMapOvr>
+</p:notes>
+</file>
+
 <file path=ppt/slideLayouts/slideLayout1.xml><?xml version="1.0" encoding="utf-8"?>
 <p:sldLayout xmlns:a="http://schemas.openxmlformats.org/drawingml/2006/main" xmlns:r="http://schemas.openxmlformats.org/officeDocument/2006/relationships" xmlns:p="http://schemas.openxmlformats.org/presentationml/2006/main" type="title" preserve="1">
   <p:cSld name="Title Slide">
@@ -294,7 +732,7 @@
           <a:p>
             <a:fld id="{9C2834C0-69BC-BF45-B020-B398A7196B8A}" type="datetimeFigureOut">
               <a:rPr lang="en-US" smtClean="0"/>
-              <a:t>2/26/14</a:t>
+              <a:t>3/4/14</a:t>
             </a:fld>
             <a:endParaRPr lang="en-US"/>
           </a:p>
@@ -464,7 +902,7 @@
           <a:p>
             <a:fld id="{9C2834C0-69BC-BF45-B020-B398A7196B8A}" type="datetimeFigureOut">
               <a:rPr lang="en-US" smtClean="0"/>
-              <a:t>2/26/14</a:t>
+              <a:t>3/4/14</a:t>
             </a:fld>
             <a:endParaRPr lang="en-US"/>
           </a:p>
@@ -644,7 +1082,7 @@
           <a:p>
             <a:fld id="{9C2834C0-69BC-BF45-B020-B398A7196B8A}" type="datetimeFigureOut">
               <a:rPr lang="en-US" smtClean="0"/>
-              <a:t>2/26/14</a:t>
+              <a:t>3/4/14</a:t>
             </a:fld>
             <a:endParaRPr lang="en-US"/>
           </a:p>
@@ -814,7 +1252,7 @@
           <a:p>
             <a:fld id="{9C2834C0-69BC-BF45-B020-B398A7196B8A}" type="datetimeFigureOut">
               <a:rPr lang="en-US" smtClean="0"/>
-              <a:t>2/26/14</a:t>
+              <a:t>3/4/14</a:t>
             </a:fld>
             <a:endParaRPr lang="en-US"/>
           </a:p>
@@ -1060,7 +1498,7 @@
           <a:p>
             <a:fld id="{9C2834C0-69BC-BF45-B020-B398A7196B8A}" type="datetimeFigureOut">
               <a:rPr lang="en-US" smtClean="0"/>
-              <a:t>2/26/14</a:t>
+              <a:t>3/4/14</a:t>
             </a:fld>
             <a:endParaRPr lang="en-US"/>
           </a:p>
@@ -1348,7 +1786,7 @@
           <a:p>
             <a:fld id="{9C2834C0-69BC-BF45-B020-B398A7196B8A}" type="datetimeFigureOut">
               <a:rPr lang="en-US" smtClean="0"/>
-              <a:t>2/26/14</a:t>
+              <a:t>3/4/14</a:t>
             </a:fld>
             <a:endParaRPr lang="en-US"/>
           </a:p>
@@ -1770,7 +2208,7 @@
           <a:p>
             <a:fld id="{9C2834C0-69BC-BF45-B020-B398A7196B8A}" type="datetimeFigureOut">
               <a:rPr lang="en-US" smtClean="0"/>
-              <a:t>2/26/14</a:t>
+              <a:t>3/4/14</a:t>
             </a:fld>
             <a:endParaRPr lang="en-US"/>
           </a:p>
@@ -1888,7 +2326,7 @@
           <a:p>
             <a:fld id="{9C2834C0-69BC-BF45-B020-B398A7196B8A}" type="datetimeFigureOut">
               <a:rPr lang="en-US" smtClean="0"/>
-              <a:t>2/26/14</a:t>
+              <a:t>3/4/14</a:t>
             </a:fld>
             <a:endParaRPr lang="en-US"/>
           </a:p>
@@ -1983,7 +2421,7 @@
           <a:p>
             <a:fld id="{9C2834C0-69BC-BF45-B020-B398A7196B8A}" type="datetimeFigureOut">
               <a:rPr lang="en-US" smtClean="0"/>
-              <a:t>2/26/14</a:t>
+              <a:t>3/4/14</a:t>
             </a:fld>
             <a:endParaRPr lang="en-US"/>
           </a:p>
@@ -2260,7 +2698,7 @@
           <a:p>
             <a:fld id="{9C2834C0-69BC-BF45-B020-B398A7196B8A}" type="datetimeFigureOut">
               <a:rPr lang="en-US" smtClean="0"/>
-              <a:t>2/26/14</a:t>
+              <a:t>3/4/14</a:t>
             </a:fld>
             <a:endParaRPr lang="en-US"/>
           </a:p>
@@ -2513,7 +2951,7 @@
           <a:p>
             <a:fld id="{9C2834C0-69BC-BF45-B020-B398A7196B8A}" type="datetimeFigureOut">
               <a:rPr lang="en-US" smtClean="0"/>
-              <a:t>2/26/14</a:t>
+              <a:t>3/4/14</a:t>
             </a:fld>
             <a:endParaRPr lang="en-US"/>
           </a:p>
@@ -2726,7 +3164,7 @@
           <a:p>
             <a:fld id="{9C2834C0-69BC-BF45-B020-B398A7196B8A}" type="datetimeFigureOut">
               <a:rPr lang="en-US" smtClean="0"/>
-              <a:t>2/26/14</a:t>
+              <a:t>3/4/14</a:t>
             </a:fld>
             <a:endParaRPr lang="en-US"/>
           </a:p>
@@ -3163,6 +3601,13 @@
   <p:clrMapOvr>
     <a:masterClrMapping/>
   </p:clrMapOvr>
+  <p:timing>
+    <p:tnLst>
+      <p:par>
+        <p:cTn xmlns:p14="http://schemas.microsoft.com/office/powerpoint/2010/main" id="1" dur="indefinite" restart="never" nodeType="tmRoot"/>
+      </p:par>
+    </p:tnLst>
+  </p:timing>
 </p:sld>
 </file>
 
@@ -3200,319 +3645,62 @@
           <a:p>
             <a:r>
               <a:rPr lang="en-US" dirty="0" smtClean="0"/>
-              <a:t>The free components</a:t>
+              <a:t>H</a:t>
+            </a:r>
+            <a:r>
+              <a:rPr lang="en-US" altLang="zh-CN" dirty="0" smtClean="0"/>
+              <a:t>igh</a:t>
+            </a:r>
+            <a:r>
+              <a:rPr lang="zh-CN" altLang="en-US" dirty="0" smtClean="0"/>
+              <a:t> </a:t>
+            </a:r>
+            <a:r>
+              <a:rPr lang="en-US" altLang="zh-CN" dirty="0" smtClean="0"/>
+              <a:t>level</a:t>
+            </a:r>
+            <a:r>
+              <a:rPr lang="zh-CN" altLang="en-US" dirty="0" smtClean="0"/>
+              <a:t> </a:t>
+            </a:r>
+            <a:r>
+              <a:rPr lang="en-US" altLang="zh-CN" dirty="0" smtClean="0"/>
+              <a:t>architecture</a:t>
             </a:r>
             <a:endParaRPr lang="en-US" dirty="0"/>
           </a:p>
         </p:txBody>
       </p:sp>
-      <p:sp>
-        <p:nvSpPr>
-          <p:cNvPr id="3" name="Content Placeholder 2"/>
-          <p:cNvSpPr>
-            <a:spLocks noGrp="1"/>
-          </p:cNvSpPr>
+      <p:pic>
+        <p:nvPicPr>
+          <p:cNvPr id="4" name="Content Placeholder 3" descr="Screen Shot 2014-03-04 at 1.32.18 PM.png"/>
+          <p:cNvPicPr>
+            <a:picLocks noGrp="1" noChangeAspect="1"/>
+          </p:cNvPicPr>
           <p:nvPr>
             <p:ph idx="1"/>
           </p:nvPr>
-        </p:nvSpPr>
-        <p:spPr>
-          <a:xfrm>
-            <a:off x="457200" y="1600200"/>
-            <a:ext cx="8229600" cy="4978903"/>
-          </a:xfrm>
-        </p:spPr>
-        <p:txBody>
-          <a:bodyPr>
-            <a:normAutofit/>
-          </a:bodyPr>
-          <a:lstStyle/>
-          <a:p>
-            <a:r>
-              <a:rPr lang="en-US" sz="2000" dirty="0" err="1" smtClean="0">
-                <a:solidFill>
-                  <a:srgbClr val="008000"/>
-                </a:solidFill>
-              </a:rPr>
-              <a:t>CherryPy</a:t>
-            </a:r>
-            <a:r>
-              <a:rPr lang="en-US" sz="2000" dirty="0" smtClean="0">
-                <a:solidFill>
-                  <a:srgbClr val="008000"/>
-                </a:solidFill>
-              </a:rPr>
-              <a:t> framework</a:t>
-            </a:r>
-          </a:p>
-          <a:p>
-            <a:pPr lvl="1"/>
-            <a:r>
-              <a:rPr lang="en-US" sz="1600" dirty="0" smtClean="0">
-                <a:solidFill>
-                  <a:srgbClr val="008000"/>
-                </a:solidFill>
-              </a:rPr>
-              <a:t>$SPLUNK_HOME/</a:t>
-            </a:r>
-            <a:r>
-              <a:rPr lang="en-US" sz="1600" dirty="0">
-                <a:solidFill>
-                  <a:srgbClr val="008000"/>
-                </a:solidFill>
-              </a:rPr>
-              <a:t>lib/python2.7/site-</a:t>
-            </a:r>
-            <a:r>
-              <a:rPr lang="en-US" sz="1600" dirty="0" smtClean="0">
-                <a:solidFill>
-                  <a:srgbClr val="008000"/>
-                </a:solidFill>
-              </a:rPr>
-              <a:t>packages/</a:t>
-            </a:r>
-            <a:r>
-              <a:rPr lang="en-US" sz="1600" dirty="0" err="1" smtClean="0">
-                <a:solidFill>
-                  <a:srgbClr val="008000"/>
-                </a:solidFill>
-              </a:rPr>
-              <a:t>cherrypy</a:t>
-            </a:r>
-            <a:endParaRPr lang="en-US" sz="1600" dirty="0" smtClean="0">
-              <a:solidFill>
-                <a:srgbClr val="008000"/>
-              </a:solidFill>
-            </a:endParaRPr>
-          </a:p>
-          <a:p>
-            <a:r>
-              <a:rPr lang="en-US" sz="2000" dirty="0" err="1" smtClean="0">
-                <a:solidFill>
-                  <a:srgbClr val="008000"/>
-                </a:solidFill>
-              </a:rPr>
-              <a:t>Django</a:t>
-            </a:r>
-            <a:r>
-              <a:rPr lang="en-US" sz="2000" dirty="0" smtClean="0">
-                <a:solidFill>
-                  <a:srgbClr val="008000"/>
-                </a:solidFill>
-              </a:rPr>
-              <a:t> framework</a:t>
-            </a:r>
-          </a:p>
-          <a:p>
-            <a:pPr lvl="1"/>
-            <a:r>
-              <a:rPr lang="en-US" sz="1600" dirty="0" smtClean="0">
-                <a:solidFill>
-                  <a:srgbClr val="008000"/>
-                </a:solidFill>
-              </a:rPr>
-              <a:t>$SPLUNK_HOME/lib/python2.7/site-packages/</a:t>
-            </a:r>
-            <a:r>
-              <a:rPr lang="en-US" sz="1600" dirty="0" err="1" smtClean="0">
-                <a:solidFill>
-                  <a:srgbClr val="008000"/>
-                </a:solidFill>
-              </a:rPr>
-              <a:t>django</a:t>
-            </a:r>
-            <a:endParaRPr lang="en-US" sz="1600" dirty="0" smtClean="0">
-              <a:solidFill>
-                <a:srgbClr val="008000"/>
-              </a:solidFill>
-            </a:endParaRPr>
-          </a:p>
-          <a:p>
-            <a:r>
-              <a:rPr lang="en-US" sz="2000" dirty="0" err="1" smtClean="0">
-                <a:solidFill>
-                  <a:srgbClr val="008000"/>
-                </a:solidFill>
-              </a:rPr>
-              <a:t>Mako</a:t>
-            </a:r>
-            <a:r>
-              <a:rPr lang="en-US" sz="2000" dirty="0" smtClean="0">
-                <a:solidFill>
-                  <a:srgbClr val="008000"/>
-                </a:solidFill>
-              </a:rPr>
-              <a:t> lib</a:t>
-            </a:r>
-          </a:p>
-          <a:p>
-            <a:pPr lvl="1"/>
-            <a:r>
-              <a:rPr lang="en-US" sz="1600" dirty="0" smtClean="0">
-                <a:solidFill>
-                  <a:srgbClr val="008000"/>
-                </a:solidFill>
-              </a:rPr>
-              <a:t>$SPLUNK_HOME/lib/python2.7/site-packages/</a:t>
-            </a:r>
-            <a:r>
-              <a:rPr lang="en-US" sz="1600" dirty="0" err="1" smtClean="0">
-                <a:solidFill>
-                  <a:srgbClr val="008000"/>
-                </a:solidFill>
-              </a:rPr>
-              <a:t>mako</a:t>
-            </a:r>
-            <a:endParaRPr lang="en-US" sz="1600" dirty="0" smtClean="0">
-              <a:solidFill>
-                <a:srgbClr val="008000"/>
-              </a:solidFill>
-            </a:endParaRPr>
-          </a:p>
-          <a:p>
-            <a:r>
-              <a:rPr lang="en-US" sz="2000" dirty="0" err="1" smtClean="0">
-                <a:solidFill>
-                  <a:srgbClr val="008000"/>
-                </a:solidFill>
-              </a:rPr>
-              <a:t>OpenSSL</a:t>
-            </a:r>
-            <a:endParaRPr lang="en-US" sz="2000" dirty="0" smtClean="0">
-              <a:solidFill>
-                <a:srgbClr val="008000"/>
-              </a:solidFill>
-            </a:endParaRPr>
-          </a:p>
-          <a:p>
-            <a:pPr lvl="1"/>
-            <a:r>
-              <a:rPr lang="en-US" sz="1600" dirty="0" smtClean="0">
-                <a:solidFill>
-                  <a:srgbClr val="008000"/>
-                </a:solidFill>
-              </a:rPr>
-              <a:t>$SPLUNK_HOME/lib/python2.7/site-packages/</a:t>
-            </a:r>
-            <a:r>
-              <a:rPr lang="en-US" sz="1600" dirty="0" err="1" smtClean="0">
-                <a:solidFill>
-                  <a:srgbClr val="008000"/>
-                </a:solidFill>
-              </a:rPr>
-              <a:t>OpenSSL</a:t>
-            </a:r>
-            <a:endParaRPr lang="en-US" sz="1600" dirty="0" smtClean="0">
-              <a:solidFill>
-                <a:srgbClr val="008000"/>
-              </a:solidFill>
-            </a:endParaRPr>
-          </a:p>
-          <a:p>
-            <a:r>
-              <a:rPr lang="en-US" sz="2000" dirty="0" smtClean="0">
-                <a:solidFill>
-                  <a:srgbClr val="008000"/>
-                </a:solidFill>
-              </a:rPr>
-              <a:t>httplib2</a:t>
-            </a:r>
-            <a:endParaRPr lang="en-US" sz="2000" dirty="0" smtClean="0">
-              <a:solidFill>
-                <a:srgbClr val="008000"/>
-              </a:solidFill>
-            </a:endParaRPr>
-          </a:p>
-          <a:p>
-            <a:pPr lvl="1"/>
-            <a:r>
-              <a:rPr lang="en-US" sz="1600" dirty="0" smtClean="0">
-                <a:solidFill>
-                  <a:srgbClr val="008000"/>
-                </a:solidFill>
-              </a:rPr>
-              <a:t>$SPLUNK_HOME/lib/python2.7/site-packages/httplib2</a:t>
-            </a:r>
-          </a:p>
-          <a:p>
-            <a:r>
-              <a:rPr lang="en-US" sz="2000" dirty="0" err="1" smtClean="0">
-                <a:solidFill>
-                  <a:srgbClr val="008000"/>
-                </a:solidFill>
-              </a:rPr>
-              <a:t>lxml</a:t>
-            </a:r>
-            <a:endParaRPr lang="en-US" sz="2000" dirty="0" smtClean="0">
-              <a:solidFill>
-                <a:srgbClr val="008000"/>
-              </a:solidFill>
-            </a:endParaRPr>
-          </a:p>
-          <a:p>
-            <a:pPr lvl="1"/>
-            <a:r>
-              <a:rPr lang="en-US" sz="1600" dirty="0" smtClean="0">
-                <a:solidFill>
-                  <a:srgbClr val="008000"/>
-                </a:solidFill>
-              </a:rPr>
-              <a:t>$SPLUNK_HOME/lib/python2.7/site-packages/</a:t>
-            </a:r>
-            <a:r>
-              <a:rPr lang="en-US" sz="1600" dirty="0" err="1" smtClean="0">
-                <a:solidFill>
-                  <a:srgbClr val="008000"/>
-                </a:solidFill>
-              </a:rPr>
-              <a:t>lxml</a:t>
-            </a:r>
-            <a:endParaRPr lang="en-US" sz="1600" dirty="0" smtClean="0">
-              <a:solidFill>
-                <a:srgbClr val="008000"/>
-              </a:solidFill>
-            </a:endParaRPr>
-          </a:p>
-          <a:p>
-            <a:r>
-              <a:rPr lang="en-US" sz="2000" dirty="0" smtClean="0">
-                <a:solidFill>
-                  <a:srgbClr val="008000"/>
-                </a:solidFill>
-              </a:rPr>
-              <a:t>And others</a:t>
-            </a:r>
-          </a:p>
-          <a:p>
-            <a:pPr lvl="1"/>
-            <a:r>
-              <a:rPr lang="en-US" sz="1600" dirty="0" smtClean="0">
-                <a:solidFill>
-                  <a:srgbClr val="008000"/>
-                </a:solidFill>
-              </a:rPr>
-              <a:t>$SPLUNK_HOME/lib/python2.7/site-packages/{babel, beaker, </a:t>
-            </a:r>
-            <a:r>
-              <a:rPr lang="en-US" sz="1600" dirty="0" err="1" smtClean="0">
-                <a:solidFill>
-                  <a:srgbClr val="008000"/>
-                </a:solidFill>
-              </a:rPr>
-              <a:t>reportlab</a:t>
-            </a:r>
-            <a:r>
-              <a:rPr lang="en-US" sz="1600" dirty="0" smtClean="0">
-                <a:solidFill>
-                  <a:srgbClr val="008000"/>
-                </a:solidFill>
-              </a:rPr>
-              <a:t>}</a:t>
-            </a:r>
-            <a:endParaRPr lang="en-US" sz="1600" dirty="0" smtClean="0"/>
-          </a:p>
-        </p:txBody>
-      </p:sp>
+        </p:nvPicPr>
+        <p:blipFill>
+          <a:blip r:embed="rId3">
+            <a:extLst>
+              <a:ext uri="{28A0092B-C50C-407E-A947-70E740481C1C}">
+                <a14:useLocalDpi xmlns:a14="http://schemas.microsoft.com/office/drawing/2010/main" val="0"/>
+              </a:ext>
+            </a:extLst>
+          </a:blip>
+          <a:srcRect t="-43992" b="-43992"/>
+          <a:stretch>
+            <a:fillRect/>
+          </a:stretch>
+        </p:blipFill>
+        <p:spPr>
+          <a:xfrm>
+            <a:off x="1" y="1323623"/>
+            <a:ext cx="9148664" cy="5534377"/>
+          </a:xfrm>
+        </p:spPr>
+      </p:pic>
     </p:spTree>
     <p:extLst>
       <p:ext uri="{BB962C8B-B14F-4D97-AF65-F5344CB8AC3E}">
@@ -3523,6 +3711,13 @@
   <p:clrMapOvr>
     <a:masterClrMapping/>
   </p:clrMapOvr>
+  <p:timing>
+    <p:tnLst>
+      <p:par>
+        <p:cTn xmlns:p14="http://schemas.microsoft.com/office/powerpoint/2010/main" id="1" dur="indefinite" restart="never" nodeType="tmRoot"/>
+      </p:par>
+    </p:tnLst>
+  </p:timing>
 </p:sld>
 </file>
 
@@ -3560,15 +3755,7 @@
           <a:p>
             <a:r>
               <a:rPr lang="en-US" dirty="0" smtClean="0"/>
-              <a:t>The </a:t>
-            </a:r>
-            <a:r>
-              <a:rPr lang="en-US" dirty="0" err="1" smtClean="0"/>
-              <a:t>inhouse</a:t>
-            </a:r>
-            <a:r>
-              <a:rPr lang="en-US" dirty="0" smtClean="0"/>
-              <a:t> components</a:t>
+              <a:t>The free components</a:t>
             </a:r>
             <a:endParaRPr lang="en-US" dirty="0"/>
           </a:p>
@@ -3597,115 +3784,63 @@
           <a:lstStyle/>
           <a:p>
             <a:r>
-              <a:rPr lang="en-US" sz="2000" dirty="0" smtClean="0"/>
-              <a:t>App controllers</a:t>
+              <a:rPr lang="en-US" sz="2000" dirty="0" err="1" smtClean="0">
+                <a:solidFill>
+                  <a:srgbClr val="008000"/>
+                </a:solidFill>
+              </a:rPr>
+              <a:t>CherryPy</a:t>
+            </a:r>
+            <a:r>
+              <a:rPr lang="en-US" sz="2000" dirty="0" smtClean="0">
+                <a:solidFill>
+                  <a:srgbClr val="008000"/>
+                </a:solidFill>
+              </a:rPr>
+              <a:t> framework</a:t>
             </a:r>
           </a:p>
           <a:p>
             <a:pPr lvl="1"/>
-            <a:r>
-              <a:rPr lang="en-US" sz="1600" dirty="0" smtClean="0"/>
-              <a:t>$SPLUNK_HOME/</a:t>
-            </a:r>
-            <a:r>
-              <a:rPr lang="en-US" sz="1600" dirty="0"/>
-              <a:t>lib/python2.7/site-packages/</a:t>
-            </a:r>
-            <a:r>
-              <a:rPr lang="en-US" sz="1600" dirty="0" err="1" smtClean="0"/>
-              <a:t>splunk</a:t>
-            </a:r>
-            <a:r>
-              <a:rPr lang="en-US" sz="1600" dirty="0" smtClean="0"/>
-              <a:t>/</a:t>
-            </a:r>
-            <a:r>
-              <a:rPr lang="en-US" sz="1600" dirty="0" err="1" smtClean="0"/>
-              <a:t>appserver</a:t>
-            </a:r>
-            <a:endParaRPr lang="en-US" sz="1600" dirty="0" smtClean="0"/>
-          </a:p>
-          <a:p>
-            <a:r>
-              <a:rPr lang="en-US" sz="2000" dirty="0" err="1"/>
-              <a:t>c</a:t>
-            </a:r>
-            <a:r>
-              <a:rPr lang="en-US" sz="2000" dirty="0" err="1" smtClean="0"/>
-              <a:t>lilib</a:t>
-            </a:r>
-            <a:endParaRPr lang="en-US" sz="2000" dirty="0" smtClean="0"/>
-          </a:p>
-          <a:p>
-            <a:pPr lvl="1"/>
-            <a:r>
-              <a:rPr lang="en-US" sz="1600" dirty="0" smtClean="0"/>
-              <a:t>$SPLUNK_HOME/lib/python2.7/site-packages/</a:t>
-            </a:r>
-            <a:r>
-              <a:rPr lang="en-US" sz="1600" dirty="0" err="1" smtClean="0"/>
-              <a:t>splunk</a:t>
-            </a:r>
-            <a:r>
-              <a:rPr lang="en-US" sz="1600" dirty="0" smtClean="0"/>
-              <a:t>/</a:t>
-            </a:r>
-            <a:r>
-              <a:rPr lang="en-US" sz="1600" dirty="0" err="1" smtClean="0"/>
-              <a:t>clilib</a:t>
-            </a:r>
-            <a:endParaRPr lang="en-US" sz="1600" dirty="0" smtClean="0"/>
-          </a:p>
-          <a:p>
-            <a:r>
-              <a:rPr lang="en-US" sz="2000" dirty="0" smtClean="0"/>
-              <a:t>rest (python &lt;--&gt; </a:t>
-            </a:r>
-            <a:r>
-              <a:rPr lang="en-US" sz="2000" dirty="0" err="1" smtClean="0"/>
-              <a:t>splunkd</a:t>
-            </a:r>
-            <a:r>
-              <a:rPr lang="en-US" sz="2000" dirty="0" smtClean="0"/>
-              <a:t>)</a:t>
-            </a:r>
-          </a:p>
-          <a:p>
-            <a:pPr lvl="1"/>
-            <a:r>
-              <a:rPr lang="en-US" sz="1600" dirty="0" smtClean="0"/>
-              <a:t>$SPLUNK_HOME/lib/python2.7/site-packages/</a:t>
-            </a:r>
-            <a:r>
-              <a:rPr lang="en-US" sz="1600" dirty="0" err="1" smtClean="0"/>
-              <a:t>splunk</a:t>
-            </a:r>
-            <a:r>
-              <a:rPr lang="en-US" sz="1600" dirty="0" smtClean="0"/>
-              <a:t>/rest (</a:t>
-            </a:r>
-            <a:r>
-              <a:rPr lang="en-US" sz="1600" dirty="0" smtClean="0"/>
-              <a:t>Based on </a:t>
-            </a:r>
             <a:r>
               <a:rPr lang="en-US" sz="1600" dirty="0" smtClean="0">
                 <a:solidFill>
                   <a:srgbClr val="008000"/>
                 </a:solidFill>
               </a:rPr>
-              <a:t>httplib2)</a:t>
-            </a:r>
-          </a:p>
-          <a:p>
-            <a:r>
-              <a:rPr lang="en-US" sz="2000" dirty="0" err="1" smtClean="0"/>
-              <a:t>Django</a:t>
-            </a:r>
-            <a:r>
-              <a:rPr lang="en-US" sz="2000" dirty="0" smtClean="0"/>
-              <a:t> templates/tags (bridge </a:t>
-            </a:r>
+              <a:t>$SPLUNK_HOME/</a:t>
+            </a:r>
+            <a:r>
+              <a:rPr lang="en-US" sz="1600" dirty="0">
+                <a:solidFill>
+                  <a:srgbClr val="008000"/>
+                </a:solidFill>
+              </a:rPr>
+              <a:t>lib/python2.7/site-</a:t>
+            </a:r>
+            <a:r>
+              <a:rPr lang="en-US" sz="1600" dirty="0" smtClean="0">
+                <a:solidFill>
+                  <a:srgbClr val="008000"/>
+                </a:solidFill>
+              </a:rPr>
+              <a:t>packages/</a:t>
+            </a:r>
+            <a:r>
+              <a:rPr lang="en-US" sz="1600" dirty="0" err="1" smtClean="0">
+                <a:solidFill>
+                  <a:srgbClr val="008000"/>
+                </a:solidFill>
+              </a:rPr>
+              <a:t>cherrypy</a:t>
+            </a:r>
+            <a:endParaRPr lang="en-US" sz="1600" dirty="0" smtClean="0">
+              <a:solidFill>
+                <a:srgbClr val="008000"/>
+              </a:solidFill>
+            </a:endParaRPr>
+          </a:p>
+          <a:p>
             <a:r>
               <a:rPr lang="en-US" sz="2000" dirty="0" err="1" smtClean="0">
                 <a:solidFill>
@@ -3720,194 +3855,231 @@
                   <a:srgbClr val="008000"/>
                 </a:solidFill>
               </a:rPr>
-              <a:t> CORE </a:t>
-            </a:r>
-            <a:r>
-              <a:rPr lang="en-US" sz="2000" dirty="0" smtClean="0"/>
-              <a:t>and Splunk </a:t>
-            </a:r>
-            <a:r>
-              <a:rPr lang="en-US" sz="2000" dirty="0" err="1" smtClean="0"/>
-              <a:t>Django</a:t>
-            </a:r>
-            <a:r>
-              <a:rPr lang="en-US" sz="2000" dirty="0" smtClean="0"/>
-              <a:t> app)</a:t>
+              <a:t> framework</a:t>
             </a:r>
           </a:p>
           <a:p>
             <a:pPr lvl="1"/>
             <a:r>
-              <a:rPr lang="en-US" sz="1600" dirty="0" smtClean="0"/>
-              <a:t>$SPLUNK_HOME/</a:t>
-            </a:r>
-            <a:r>
-              <a:rPr lang="en-US" sz="1600" dirty="0" err="1"/>
-              <a:t>etc</a:t>
-            </a:r>
-            <a:r>
-              <a:rPr lang="en-US" sz="1600" dirty="0"/>
-              <a:t>/apps/framework/server/</a:t>
-            </a:r>
-            <a:r>
-              <a:rPr lang="en-US" sz="1600" dirty="0" err="1" smtClean="0"/>
-              <a:t>splunkdj</a:t>
+              <a:rPr lang="en-US" sz="1600" dirty="0" smtClean="0">
+                <a:solidFill>
+                  <a:srgbClr val="008000"/>
+                </a:solidFill>
+              </a:rPr>
+              <a:t>$SPLUNK_HOME/lib/python2.7/site-packages/</a:t>
+            </a:r>
+            <a:r>
+              <a:rPr lang="en-US" sz="1600" dirty="0" err="1" smtClean="0">
+                <a:solidFill>
+                  <a:srgbClr val="008000"/>
+                </a:solidFill>
+              </a:rPr>
+              <a:t>django</a:t>
+            </a:r>
+            <a:endParaRPr lang="en-US" sz="1600" dirty="0" smtClean="0">
+              <a:solidFill>
+                <a:srgbClr val="008000"/>
+              </a:solidFill>
+            </a:endParaRPr>
+          </a:p>
+          <a:p>
+            <a:r>
+              <a:rPr lang="en-US" sz="2000" dirty="0" err="1" smtClean="0">
+                <a:solidFill>
+                  <a:srgbClr val="008000"/>
+                </a:solidFill>
+              </a:rPr>
+              <a:t>Mako</a:t>
+            </a:r>
+            <a:r>
+              <a:rPr lang="en-US" sz="2000" dirty="0" smtClean="0">
+                <a:solidFill>
+                  <a:srgbClr val="008000"/>
+                </a:solidFill>
+              </a:rPr>
+              <a:t> lib</a:t>
+            </a:r>
+          </a:p>
+          <a:p>
+            <a:pPr lvl="1"/>
+            <a:r>
+              <a:rPr lang="en-US" sz="1600" dirty="0" smtClean="0">
+                <a:solidFill>
+                  <a:srgbClr val="008000"/>
+                </a:solidFill>
+              </a:rPr>
+              <a:t>$SPLUNK_HOME/lib/python2.7/site-packages/</a:t>
+            </a:r>
+            <a:r>
+              <a:rPr lang="en-US" sz="1600" dirty="0" err="1" smtClean="0">
+                <a:solidFill>
+                  <a:srgbClr val="008000"/>
+                </a:solidFill>
+              </a:rPr>
+              <a:t>mako</a:t>
+            </a:r>
+            <a:endParaRPr lang="en-US" sz="1600" dirty="0" smtClean="0">
+              <a:solidFill>
+                <a:srgbClr val="008000"/>
+              </a:solidFill>
+            </a:endParaRPr>
+          </a:p>
+          <a:p>
+            <a:r>
+              <a:rPr lang="en-US" sz="2000" dirty="0" err="1" smtClean="0">
+                <a:solidFill>
+                  <a:srgbClr val="008000"/>
+                </a:solidFill>
+              </a:rPr>
+              <a:t>OpenSSL</a:t>
+            </a:r>
+            <a:endParaRPr lang="en-US" sz="2000" dirty="0" smtClean="0">
+              <a:solidFill>
+                <a:srgbClr val="008000"/>
+              </a:solidFill>
+            </a:endParaRPr>
+          </a:p>
+          <a:p>
+            <a:pPr lvl="1"/>
+            <a:r>
+              <a:rPr lang="en-US" sz="1600" dirty="0" smtClean="0">
+                <a:solidFill>
+                  <a:srgbClr val="008000"/>
+                </a:solidFill>
+              </a:rPr>
+              <a:t>$SPLUNK_HOME/lib/python2.7/site-packages/</a:t>
+            </a:r>
+            <a:r>
+              <a:rPr lang="en-US" sz="1600" dirty="0" err="1" smtClean="0">
+                <a:solidFill>
+                  <a:srgbClr val="008000"/>
+                </a:solidFill>
+              </a:rPr>
+              <a:t>OpenSSL</a:t>
+            </a:r>
+            <a:endParaRPr lang="en-US" sz="1600" dirty="0" smtClean="0">
+              <a:solidFill>
+                <a:srgbClr val="008000"/>
+              </a:solidFill>
+            </a:endParaRPr>
+          </a:p>
+          <a:p>
+            <a:r>
+              <a:rPr lang="en-US" sz="2000" dirty="0" smtClean="0">
+                <a:solidFill>
+                  <a:srgbClr val="008000"/>
+                </a:solidFill>
+              </a:rPr>
+              <a:t>httplib2</a:t>
+            </a:r>
+          </a:p>
+          <a:p>
+            <a:pPr lvl="1"/>
+            <a:r>
+              <a:rPr lang="en-US" sz="1600" dirty="0" smtClean="0">
+                <a:solidFill>
+                  <a:srgbClr val="008000"/>
+                </a:solidFill>
+              </a:rPr>
+              <a:t>$SPLUNK_HOME/lib/python2.7/site-packages/httplib2</a:t>
+            </a:r>
+          </a:p>
+          <a:p>
+            <a:r>
+              <a:rPr lang="en-US" sz="2000" dirty="0" err="1" smtClean="0">
+                <a:solidFill>
+                  <a:srgbClr val="008000"/>
+                </a:solidFill>
+              </a:rPr>
+              <a:t>lxml</a:t>
+            </a:r>
+            <a:endParaRPr lang="en-US" sz="2000" dirty="0" smtClean="0">
+              <a:solidFill>
+                <a:srgbClr val="008000"/>
+              </a:solidFill>
+            </a:endParaRPr>
+          </a:p>
+          <a:p>
+            <a:pPr lvl="1"/>
+            <a:r>
+              <a:rPr lang="en-US" sz="1600" dirty="0" smtClean="0">
+                <a:solidFill>
+                  <a:srgbClr val="008000"/>
+                </a:solidFill>
+              </a:rPr>
+              <a:t>$SPLUNK_HOME/lib/python2.7/site-packages/</a:t>
+            </a:r>
+            <a:r>
+              <a:rPr lang="en-US" sz="1600" dirty="0" err="1" smtClean="0">
+                <a:solidFill>
+                  <a:srgbClr val="008000"/>
+                </a:solidFill>
+              </a:rPr>
+              <a:t>lxml</a:t>
+            </a:r>
+            <a:endParaRPr lang="en-US" sz="1600" dirty="0" smtClean="0">
+              <a:solidFill>
+                <a:srgbClr val="008000"/>
+              </a:solidFill>
+            </a:endParaRPr>
+          </a:p>
+          <a:p>
+            <a:r>
+              <a:rPr lang="en-US" sz="2000" dirty="0" smtClean="0">
+                <a:solidFill>
+                  <a:srgbClr val="008000"/>
+                </a:solidFill>
+              </a:rPr>
+              <a:t>And others</a:t>
+            </a:r>
+          </a:p>
+          <a:p>
+            <a:pPr lvl="1"/>
+            <a:r>
+              <a:rPr lang="en-US" sz="1600" dirty="0" smtClean="0">
+                <a:solidFill>
+                  <a:srgbClr val="008000"/>
+                </a:solidFill>
+              </a:rPr>
+              <a:t>$SPLUNK_HOME/lib/python2.7/site-packages/{babel, beaker, </a:t>
+            </a:r>
+            <a:r>
+              <a:rPr lang="en-US" sz="1600" dirty="0" err="1" smtClean="0">
+                <a:solidFill>
+                  <a:srgbClr val="008000"/>
+                </a:solidFill>
+              </a:rPr>
+              <a:t>reportlab</a:t>
+            </a:r>
+            <a:r>
+              <a:rPr lang="en-US" sz="1600" dirty="0" smtClean="0">
+                <a:solidFill>
+                  <a:srgbClr val="008000"/>
+                </a:solidFill>
+              </a:rPr>
+              <a:t>}</a:t>
             </a:r>
             <a:endParaRPr lang="en-US" sz="1600" dirty="0" smtClean="0"/>
-          </a:p>
-          <a:p>
-            <a:r>
-              <a:rPr lang="en-US" sz="2000" dirty="0" smtClean="0"/>
-              <a:t>JS UI modules (</a:t>
-            </a:r>
-            <a:r>
-              <a:rPr lang="en-US" sz="2000" dirty="0" err="1" smtClean="0"/>
-              <a:t>js</a:t>
-            </a:r>
-            <a:r>
-              <a:rPr lang="en-US" sz="2000" dirty="0" smtClean="0"/>
-              <a:t> + html + </a:t>
-            </a:r>
-            <a:r>
-              <a:rPr lang="en-US" sz="2000" dirty="0" err="1" smtClean="0"/>
-              <a:t>css</a:t>
-            </a:r>
-            <a:r>
-              <a:rPr lang="en-US" sz="2000" dirty="0" smtClean="0"/>
-              <a:t>, namely the JS Stack)</a:t>
-            </a:r>
-            <a:endParaRPr lang="en-US" sz="2000" dirty="0"/>
-          </a:p>
-          <a:p>
-            <a:pPr lvl="1"/>
-            <a:r>
-              <a:rPr lang="en-US" sz="1600" dirty="0" smtClean="0"/>
-              <a:t>$SPLUNK_HOME/</a:t>
-            </a:r>
-            <a:r>
-              <a:rPr lang="en-US" sz="1600" dirty="0"/>
-              <a:t>share/</a:t>
-            </a:r>
-            <a:r>
-              <a:rPr lang="en-US" sz="1600" dirty="0" err="1"/>
-              <a:t>splunk</a:t>
-            </a:r>
-            <a:r>
-              <a:rPr lang="en-US" sz="1600" dirty="0"/>
-              <a:t>/</a:t>
-            </a:r>
-            <a:r>
-              <a:rPr lang="en-US" sz="1600" dirty="0" err="1"/>
-              <a:t>search_mrsparkle</a:t>
-            </a:r>
-            <a:r>
-              <a:rPr lang="en-US" sz="1600" dirty="0"/>
-              <a:t>/</a:t>
-            </a:r>
-            <a:r>
-              <a:rPr lang="en-US" sz="1600" dirty="0" smtClean="0"/>
-              <a:t>modules</a:t>
-            </a:r>
-            <a:endParaRPr lang="en-US" sz="1600" dirty="0"/>
-          </a:p>
-          <a:p>
-            <a:r>
-              <a:rPr lang="en-US" sz="2000" dirty="0" smtClean="0"/>
-              <a:t>Static asserts (</a:t>
-            </a:r>
-            <a:r>
-              <a:rPr lang="en-US" sz="2000" dirty="0" err="1" smtClean="0"/>
-              <a:t>js</a:t>
-            </a:r>
-            <a:r>
-              <a:rPr lang="en-US" sz="2000" dirty="0" smtClean="0"/>
-              <a:t> + html + </a:t>
-            </a:r>
-            <a:r>
-              <a:rPr lang="en-US" sz="2000" dirty="0" err="1" smtClean="0"/>
-              <a:t>img</a:t>
-            </a:r>
-            <a:r>
-              <a:rPr lang="en-US" sz="2000" dirty="0" smtClean="0"/>
-              <a:t>)</a:t>
-            </a:r>
-          </a:p>
-          <a:p>
-            <a:pPr lvl="1"/>
-            <a:r>
-              <a:rPr lang="en-US" sz="1600" dirty="0" smtClean="0"/>
-              <a:t>$SPLUNK_HOME/share</a:t>
-            </a:r>
-            <a:r>
-              <a:rPr lang="en-US" sz="1600" dirty="0"/>
-              <a:t>/</a:t>
-            </a:r>
-            <a:r>
-              <a:rPr lang="en-US" sz="1600" dirty="0" err="1"/>
-              <a:t>splunk</a:t>
-            </a:r>
-            <a:r>
-              <a:rPr lang="en-US" sz="1600" dirty="0"/>
-              <a:t>/</a:t>
-            </a:r>
-            <a:r>
-              <a:rPr lang="en-US" sz="1600" dirty="0" err="1"/>
-              <a:t>search_mrsparkle</a:t>
-            </a:r>
-            <a:r>
-              <a:rPr lang="en-US" sz="1600" dirty="0"/>
-              <a:t>/</a:t>
-            </a:r>
-            <a:r>
-              <a:rPr lang="en-US" sz="1600" dirty="0" smtClean="0"/>
-              <a:t>exposed</a:t>
-            </a:r>
-          </a:p>
-          <a:p>
-            <a:r>
-              <a:rPr lang="en-US" sz="2000" dirty="0" err="1" smtClean="0"/>
-              <a:t>Mako</a:t>
-            </a:r>
-            <a:r>
-              <a:rPr lang="en-US" sz="2000" dirty="0" smtClean="0"/>
-              <a:t> templates</a:t>
-            </a:r>
-          </a:p>
-          <a:p>
-            <a:pPr lvl="1"/>
-            <a:r>
-              <a:rPr lang="en-US" sz="1600" dirty="0" smtClean="0"/>
-              <a:t>$SPLUNK_HOME/share/</a:t>
-            </a:r>
-            <a:r>
-              <a:rPr lang="en-US" sz="1600" dirty="0" err="1" smtClean="0"/>
-              <a:t>splunk</a:t>
-            </a:r>
-            <a:r>
-              <a:rPr lang="en-US" sz="1600" dirty="0" smtClean="0"/>
-              <a:t>/</a:t>
-            </a:r>
-            <a:r>
-              <a:rPr lang="en-US" sz="1600" dirty="0" err="1" smtClean="0"/>
-              <a:t>search_mrsparkle</a:t>
-            </a:r>
-            <a:r>
-              <a:rPr lang="en-US" sz="1600" dirty="0" smtClean="0"/>
-              <a:t>/templates</a:t>
-            </a:r>
           </a:p>
         </p:txBody>
       </p:sp>
     </p:spTree>
     <p:extLst>
       <p:ext uri="{BB962C8B-B14F-4D97-AF65-F5344CB8AC3E}">
-        <p14:creationId xmlns:p14="http://schemas.microsoft.com/office/powerpoint/2010/main" val="3244766460"/>
+        <p14:creationId xmlns:p14="http://schemas.microsoft.com/office/powerpoint/2010/main" val="3679288625"/>
       </p:ext>
     </p:extLst>
   </p:cSld>
   <p:clrMapOvr>
     <a:masterClrMapping/>
   </p:clrMapOvr>
+  <p:timing>
+    <p:tnLst>
+      <p:par>
+        <p:cTn xmlns:p14="http://schemas.microsoft.com/office/powerpoint/2010/main" id="1" dur="indefinite" restart="never" nodeType="tmRoot"/>
+      </p:par>
+    </p:tnLst>
+  </p:timing>
 </p:sld>
 </file>
 
@@ -3945,7 +4117,15 @@
           <a:p>
             <a:r>
               <a:rPr lang="en-US" dirty="0" smtClean="0"/>
-              <a:t>Dispatcher &amp; Handler</a:t>
+              <a:t>The </a:t>
+            </a:r>
+            <a:r>
+              <a:rPr lang="en-US" dirty="0" err="1" smtClean="0"/>
+              <a:t>inhouse</a:t>
+            </a:r>
+            <a:r>
+              <a:rPr lang="en-US" dirty="0" smtClean="0"/>
+              <a:t> components</a:t>
             </a:r>
             <a:endParaRPr lang="en-US" dirty="0"/>
           </a:p>
@@ -3961,7 +4141,12 @@
             <p:ph idx="1"/>
           </p:nvPr>
         </p:nvSpPr>
-        <p:spPr/>
+        <p:spPr>
+          <a:xfrm>
+            <a:off x="457200" y="1600200"/>
+            <a:ext cx="8229600" cy="4978903"/>
+          </a:xfrm>
+        </p:spPr>
         <p:txBody>
           <a:bodyPr>
             <a:normAutofit/>
@@ -3970,7 +4155,7 @@
           <a:p>
             <a:r>
               <a:rPr lang="en-US" sz="2000" dirty="0" smtClean="0"/>
-              <a:t>The central dispatcher (I18NDispatcher)</a:t>
+              <a:t>App controllers</a:t>
             </a:r>
           </a:p>
           <a:p>
@@ -3980,12 +4165,181 @@
               <a:t>$SPLUNK_HOME/</a:t>
             </a:r>
             <a:r>
+              <a:rPr lang="en-US" sz="1600" dirty="0"/>
+              <a:t>lib/python2.7/site-packages/</a:t>
+            </a:r>
+            <a:r>
+              <a:rPr lang="en-US" sz="1600" dirty="0" err="1" smtClean="0"/>
+              <a:t>splunk</a:t>
+            </a:r>
+            <a:r>
               <a:rPr lang="en-US" sz="1600" dirty="0" smtClean="0"/>
-              <a:t>lib</a:t>
+              <a:t>/</a:t>
+            </a:r>
+            <a:r>
+              <a:rPr lang="en-US" sz="1600" dirty="0" err="1" smtClean="0"/>
+              <a:t>appserver</a:t>
+            </a:r>
+            <a:endParaRPr lang="en-US" sz="1600" dirty="0" smtClean="0"/>
+          </a:p>
+          <a:p>
+            <a:r>
+              <a:rPr lang="en-US" sz="2000" dirty="0" err="1"/>
+              <a:t>c</a:t>
+            </a:r>
+            <a:r>
+              <a:rPr lang="en-US" sz="2000" dirty="0" err="1" smtClean="0"/>
+              <a:t>lilib</a:t>
+            </a:r>
+            <a:endParaRPr lang="en-US" sz="2000" dirty="0" smtClean="0"/>
+          </a:p>
+          <a:p>
+            <a:pPr lvl="1"/>
+            <a:r>
+              <a:rPr lang="en-US" sz="1600" dirty="0" smtClean="0"/>
+              <a:t>$SPLUNK_HOME/lib/python2.7/site-packages/</a:t>
+            </a:r>
+            <a:r>
+              <a:rPr lang="en-US" sz="1600" dirty="0" err="1" smtClean="0"/>
+              <a:t>splunk</a:t>
+            </a:r>
+            <a:r>
+              <a:rPr lang="en-US" sz="1600" dirty="0" smtClean="0"/>
+              <a:t>/</a:t>
+            </a:r>
+            <a:r>
+              <a:rPr lang="en-US" sz="1600" dirty="0" err="1" smtClean="0"/>
+              <a:t>clilib</a:t>
+            </a:r>
+            <a:endParaRPr lang="en-US" sz="1600" dirty="0" smtClean="0"/>
+          </a:p>
+          <a:p>
+            <a:r>
+              <a:rPr lang="en-US" sz="2000" dirty="0" smtClean="0"/>
+              <a:t>rest (python &lt;--&gt; </a:t>
+            </a:r>
+            <a:r>
+              <a:rPr lang="en-US" sz="2000" dirty="0" err="1" smtClean="0"/>
+              <a:t>splunkd</a:t>
+            </a:r>
+            <a:r>
+              <a:rPr lang="en-US" sz="2000" dirty="0" smtClean="0"/>
+              <a:t>)</a:t>
+            </a:r>
+          </a:p>
+          <a:p>
+            <a:pPr lvl="1"/>
+            <a:r>
+              <a:rPr lang="en-US" sz="1600" dirty="0" smtClean="0"/>
+              <a:t>$SPLUNK_HOME/lib/python2.7/site-packages/</a:t>
+            </a:r>
+            <a:r>
+              <a:rPr lang="en-US" sz="1600" dirty="0" err="1" smtClean="0"/>
+              <a:t>splunk</a:t>
+            </a:r>
+            <a:r>
+              <a:rPr lang="en-US" sz="1600" dirty="0" smtClean="0"/>
+              <a:t>/rest (Based on </a:t>
+            </a:r>
+            <a:r>
+              <a:rPr lang="en-US" sz="1600" dirty="0" smtClean="0">
+                <a:solidFill>
+                  <a:srgbClr val="008000"/>
+                </a:solidFill>
+              </a:rPr>
+              <a:t>httplib2)</a:t>
+            </a:r>
+          </a:p>
+          <a:p>
+            <a:r>
+              <a:rPr lang="en-US" sz="2000" dirty="0" err="1" smtClean="0"/>
+              <a:t>Django</a:t>
+            </a:r>
+            <a:r>
+              <a:rPr lang="en-US" sz="2000" dirty="0" smtClean="0"/>
+              <a:t> templates/tags (bridge </a:t>
+            </a:r>
+            <a:r>
+              <a:rPr lang="en-US" sz="2000" dirty="0" err="1" smtClean="0">
+                <a:solidFill>
+                  <a:srgbClr val="008000"/>
+                </a:solidFill>
+              </a:rPr>
+              <a:t>Django</a:t>
+            </a:r>
+            <a:r>
+              <a:rPr lang="en-US" sz="2000" dirty="0" smtClean="0">
+                <a:solidFill>
+                  <a:srgbClr val="008000"/>
+                </a:solidFill>
+              </a:rPr>
+              <a:t> CORE </a:t>
+            </a:r>
+            <a:r>
+              <a:rPr lang="en-US" sz="2000" dirty="0" smtClean="0"/>
+              <a:t>and Splunk </a:t>
+            </a:r>
+            <a:r>
+              <a:rPr lang="en-US" sz="2000" dirty="0" err="1" smtClean="0"/>
+              <a:t>Django</a:t>
+            </a:r>
+            <a:r>
+              <a:rPr lang="en-US" sz="2000" dirty="0" smtClean="0"/>
+              <a:t> app)</a:t>
+            </a:r>
+          </a:p>
+          <a:p>
+            <a:pPr lvl="1"/>
+            <a:r>
+              <a:rPr lang="en-US" sz="1600" dirty="0" smtClean="0"/>
+              <a:t>$SPLUNK_HOME/</a:t>
+            </a:r>
+            <a:r>
+              <a:rPr lang="en-US" sz="1600" dirty="0" err="1"/>
+              <a:t>etc</a:t>
             </a:r>
             <a:r>
               <a:rPr lang="en-US" sz="1600" dirty="0"/>
-              <a:t>/python2.7/site-packages/</a:t>
+              <a:t>/apps/framework/server/</a:t>
+            </a:r>
+            <a:r>
+              <a:rPr lang="en-US" sz="1600" dirty="0" err="1" smtClean="0"/>
+              <a:t>splunkdj</a:t>
+            </a:r>
+            <a:endParaRPr lang="en-US" sz="1600" dirty="0" smtClean="0"/>
+          </a:p>
+          <a:p>
+            <a:r>
+              <a:rPr lang="en-US" sz="2000" dirty="0" smtClean="0"/>
+              <a:t>JS UI modules (</a:t>
+            </a:r>
+            <a:r>
+              <a:rPr lang="en-US" sz="2000" dirty="0" err="1" smtClean="0"/>
+              <a:t>js</a:t>
+            </a:r>
+            <a:r>
+              <a:rPr lang="en-US" sz="2000" dirty="0" smtClean="0"/>
+              <a:t> + html + </a:t>
+            </a:r>
+            <a:r>
+              <a:rPr lang="en-US" sz="2000" dirty="0" err="1" smtClean="0"/>
+              <a:t>css</a:t>
+            </a:r>
+            <a:r>
+              <a:rPr lang="en-US" sz="2000" dirty="0" smtClean="0"/>
+              <a:t>, namely the JS Stack)</a:t>
+            </a:r>
+            <a:endParaRPr lang="en-US" sz="2000" dirty="0"/>
+          </a:p>
+          <a:p>
+            <a:pPr lvl="1"/>
+            <a:r>
+              <a:rPr lang="en-US" sz="1600" dirty="0" smtClean="0"/>
+              <a:t>$SPLUNK_HOME/</a:t>
+            </a:r>
+            <a:r>
+              <a:rPr lang="en-US" sz="1600" dirty="0"/>
+              <a:t>share/</a:t>
             </a:r>
             <a:r>
               <a:rPr lang="en-US" sz="1600" dirty="0" err="1"/>
@@ -3997,136 +4351,102 @@
             </a:r>
             <a:r>
               <a:rPr lang="en-US" sz="1600" dirty="0" err="1"/>
-              <a:t>appserver</a:t>
+              <a:t>search_mrsparkle</a:t>
             </a:r>
             <a:r>
               <a:rPr lang="en-US" sz="1600" dirty="0"/>
               <a:t>/</a:t>
             </a:r>
             <a:r>
+              <a:rPr lang="en-US" sz="1600" dirty="0" smtClean="0"/>
+              <a:t>modules</a:t>
+            </a:r>
+            <a:endParaRPr lang="en-US" sz="1600" dirty="0"/>
+          </a:p>
+          <a:p>
+            <a:r>
+              <a:rPr lang="en-US" sz="2000" dirty="0" smtClean="0"/>
+              <a:t>Static asserts (</a:t>
+            </a:r>
+            <a:r>
+              <a:rPr lang="en-US" sz="2000" dirty="0" err="1" smtClean="0"/>
+              <a:t>js</a:t>
+            </a:r>
+            <a:r>
+              <a:rPr lang="en-US" sz="2000" dirty="0" smtClean="0"/>
+              <a:t> + html + </a:t>
+            </a:r>
+            <a:r>
+              <a:rPr lang="en-US" sz="2000" dirty="0" err="1" smtClean="0"/>
+              <a:t>img</a:t>
+            </a:r>
+            <a:r>
+              <a:rPr lang="en-US" sz="2000" dirty="0" smtClean="0"/>
+              <a:t>)</a:t>
+            </a:r>
+          </a:p>
+          <a:p>
+            <a:pPr lvl="1"/>
+            <a:r>
+              <a:rPr lang="en-US" sz="1600" dirty="0" smtClean="0"/>
+              <a:t>$SPLUNK_HOME/share</a:t>
+            </a:r>
+            <a:r>
+              <a:rPr lang="en-US" sz="1600" dirty="0"/>
+              <a:t>/</a:t>
+            </a:r>
+            <a:r>
               <a:rPr lang="en-US" sz="1600" dirty="0" err="1"/>
-              <a:t>mrsparkle</a:t>
+              <a:t>splunk</a:t>
             </a:r>
             <a:r>
               <a:rPr lang="en-US" sz="1600" dirty="0"/>
-              <a:t>/lib/</a:t>
+              <a:t>/</a:t>
+            </a:r>
+            <a:r>
+              <a:rPr lang="en-US" sz="1600" dirty="0" err="1"/>
+              <a:t>search_mrsparkle</a:t>
+            </a:r>
+            <a:r>
+              <a:rPr lang="en-US" sz="1600" dirty="0"/>
+              <a:t>/</a:t>
             </a:r>
             <a:r>
               <a:rPr lang="en-US" sz="1600" dirty="0" smtClean="0"/>
-              <a:t>i18n.py</a:t>
-            </a:r>
-            <a:endParaRPr lang="en-US" sz="1600" dirty="0" smtClean="0"/>
-          </a:p>
-          <a:p>
-            <a:endParaRPr lang="en-US" sz="2000" dirty="0"/>
-          </a:p>
-          <a:p>
+              <a:t>exposed</a:t>
+            </a:r>
+          </a:p>
+          <a:p>
+            <a:r>
+              <a:rPr lang="en-US" sz="2000" dirty="0" err="1" smtClean="0"/>
+              <a:t>Mako</a:t>
+            </a:r>
             <a:r>
               <a:rPr lang="en-US" sz="2000" dirty="0" smtClean="0"/>
-              <a:t>The routable handlers - </a:t>
-            </a:r>
-            <a:r>
-              <a:rPr lang="en-US" sz="2000" dirty="0" err="1" smtClean="0"/>
-              <a:t>cherrypy.tree.apps</a:t>
-            </a:r>
-            <a:r>
-              <a:rPr lang="en-US" sz="2000" dirty="0" smtClean="0"/>
-              <a:t/>
-            </a:r>
-            <a:br>
-              <a:rPr lang="en-US" sz="2000" dirty="0" smtClean="0"/>
-            </a:br>
-            <a:r>
-              <a:rPr lang="en-US" sz="1800" dirty="0" smtClean="0"/>
-              <a:t>{</a:t>
-            </a:r>
-            <a:br>
-              <a:rPr lang="en-US" sz="1800" dirty="0" smtClean="0"/>
-            </a:br>
+              <a:t> templates</a:t>
+            </a:r>
+          </a:p>
+          <a:p>
+            <a:pPr lvl="1"/>
             <a:r>
               <a:rPr lang="en-US" sz="1600" dirty="0" smtClean="0"/>
-              <a:t>“”: Application(&lt;</a:t>
+              <a:t>$SPLUNK_HOME/share/</a:t>
             </a:r>
             <a:r>
               <a:rPr lang="en-US" sz="1600" dirty="0" err="1" smtClean="0"/>
-              <a:t>controllers.top.</a:t>
-            </a:r>
-            <a:r>
-              <a:rPr lang="en-US" sz="1600" dirty="0" err="1" smtClean="0">
-                <a:solidFill>
-                  <a:srgbClr val="FF0000"/>
-                </a:solidFill>
-              </a:rPr>
-              <a:t>TopController</a:t>
+              <a:t>splunk</a:t>
             </a:r>
             <a:r>
               <a:rPr lang="en-US" sz="1600" dirty="0" smtClean="0"/>
-              <a:t>&gt;)</a:t>
-            </a:r>
-            <a:br>
+              <a:t>/</a:t>
+            </a:r>
+            <a:r>
+              <a:rPr lang="en-US" sz="1600" dirty="0" err="1" smtClean="0"/>
+              <a:t>search_mrsparkle</a:t>
+            </a:r>
+            <a:r>
               <a:rPr lang="en-US" sz="1600" dirty="0" smtClean="0"/>
-            </a:br>
-            <a:r>
-              <a:rPr lang="en-US" sz="1600" dirty="0" smtClean="0"/>
-              <a:t>“/</a:t>
-            </a:r>
-            <a:r>
-              <a:rPr lang="en-US" sz="1600" dirty="0" err="1" smtClean="0"/>
-              <a:t>dj</a:t>
-            </a:r>
-            <a:r>
-              <a:rPr lang="en-US" sz="1600" dirty="0" smtClean="0"/>
-              <a:t>”: </a:t>
-            </a:r>
-            <a:r>
-              <a:rPr lang="en-US" sz="1600" dirty="0" err="1" smtClean="0"/>
-              <a:t>splunkdj.management.commands.runwsgiserver.</a:t>
-            </a:r>
-            <a:r>
-              <a:rPr lang="en-US" sz="1600" dirty="0" err="1" smtClean="0">
-                <a:solidFill>
-                  <a:srgbClr val="FF0000"/>
-                </a:solidFill>
-              </a:rPr>
-              <a:t>LoggingWSGIHandler</a:t>
-            </a:r>
-            <a:r>
-              <a:rPr lang="en-US" sz="1600" dirty="0" smtClean="0"/>
-              <a:t/>
-            </a:r>
-            <a:br>
-              <a:rPr lang="en-US" sz="1600" dirty="0" smtClean="0"/>
-            </a:br>
-            <a:r>
-              <a:rPr lang="en-US" sz="1600" dirty="0" smtClean="0"/>
-              <a:t>“/</a:t>
-            </a:r>
-            <a:r>
-              <a:rPr lang="en-US" sz="1600" dirty="0" err="1" smtClean="0"/>
-              <a:t>dj</a:t>
-            </a:r>
-            <a:r>
-              <a:rPr lang="en-US" sz="1600" dirty="0" smtClean="0"/>
-              <a:t>/static”: splunkdj.management.commands.wsgiserver.mediahandler.</a:t>
-            </a:r>
-            <a:r>
-              <a:rPr lang="en-US" sz="1600" dirty="0" smtClean="0">
-                <a:solidFill>
-                  <a:srgbClr val="FF0000"/>
-                </a:solidFill>
-              </a:rPr>
-              <a:t>MediaHandler</a:t>
-            </a:r>
-            <a:r>
-              <a:rPr lang="en-US" sz="1600" dirty="0" smtClean="0"/>
-              <a:t/>
-            </a:r>
-            <a:br>
-              <a:rPr lang="en-US" sz="1600" dirty="0" smtClean="0"/>
-            </a:br>
-            <a:r>
-              <a:rPr lang="en-US" sz="1800" dirty="0" smtClean="0"/>
-              <a:t>}</a:t>
+              <a:t>/templates</a:t>
             </a:r>
           </a:p>
         </p:txBody>
@@ -4134,13 +4454,20 @@
     </p:spTree>
     <p:extLst>
       <p:ext uri="{BB962C8B-B14F-4D97-AF65-F5344CB8AC3E}">
-        <p14:creationId xmlns:p14="http://schemas.microsoft.com/office/powerpoint/2010/main" val="2713787464"/>
+        <p14:creationId xmlns:p14="http://schemas.microsoft.com/office/powerpoint/2010/main" val="3244766460"/>
       </p:ext>
     </p:extLst>
   </p:cSld>
   <p:clrMapOvr>
     <a:masterClrMapping/>
   </p:clrMapOvr>
+  <p:timing>
+    <p:tnLst>
+      <p:par>
+        <p:cTn xmlns:p14="http://schemas.microsoft.com/office/powerpoint/2010/main" id="1" dur="indefinite" restart="never" nodeType="tmRoot"/>
+      </p:par>
+    </p:tnLst>
+  </p:timing>
 </p:sld>
 </file>
 
@@ -4163,2832 +4490,206 @@
       </p:grpSpPr>
       <p:sp>
         <p:nvSpPr>
-          <p:cNvPr id="5" name="Rectangle 4"/>
-          <p:cNvSpPr/>
-          <p:nvPr/>
-        </p:nvSpPr>
-        <p:spPr>
-          <a:xfrm>
-            <a:off x="4099445" y="1101108"/>
-            <a:ext cx="1195557" cy="354699"/>
-          </a:xfrm>
-          <a:prstGeom prst="rect">
-            <a:avLst/>
-          </a:prstGeom>
-          <a:noFill/>
-        </p:spPr>
-        <p:style>
-          <a:lnRef idx="1">
-            <a:schemeClr val="accent1"/>
-          </a:lnRef>
-          <a:fillRef idx="3">
-            <a:schemeClr val="accent1"/>
-          </a:fillRef>
-          <a:effectRef idx="2">
-            <a:schemeClr val="accent1"/>
-          </a:effectRef>
-          <a:fontRef idx="minor">
-            <a:schemeClr val="lt1"/>
-          </a:fontRef>
-        </p:style>
-        <p:txBody>
-          <a:bodyPr rtlCol="0" anchor="ctr"/>
-          <a:lstStyle/>
-          <a:p>
-            <a:pPr algn="ctr"/>
-            <a:endParaRPr lang="en-US"/>
-          </a:p>
-        </p:txBody>
-      </p:sp>
-      <p:sp>
-        <p:nvSpPr>
-          <p:cNvPr id="7" name="TextBox 6"/>
-          <p:cNvSpPr txBox="1"/>
-          <p:nvPr/>
-        </p:nvSpPr>
-        <p:spPr>
-          <a:xfrm>
-            <a:off x="4099446" y="1101109"/>
-            <a:ext cx="1195556" cy="307777"/>
-          </a:xfrm>
-          <a:prstGeom prst="rect">
-            <a:avLst/>
-          </a:prstGeom>
-          <a:noFill/>
-        </p:spPr>
-        <p:txBody>
-          <a:bodyPr wrap="square" rtlCol="0">
-            <a:spAutoFit/>
+          <p:cNvPr id="2" name="Title 1"/>
+          <p:cNvSpPr>
+            <a:spLocks noGrp="1"/>
+          </p:cNvSpPr>
+          <p:nvPr>
+            <p:ph type="title"/>
+          </p:nvPr>
+        </p:nvSpPr>
+        <p:spPr/>
+        <p:txBody>
+          <a:bodyPr/>
+          <a:lstStyle/>
+          <a:p>
+            <a:r>
+              <a:rPr lang="en-US" dirty="0" smtClean="0"/>
+              <a:t>Dispatcher &amp; Handler</a:t>
+            </a:r>
+            <a:endParaRPr lang="en-US" dirty="0"/>
+          </a:p>
+        </p:txBody>
+      </p:sp>
+      <p:sp>
+        <p:nvSpPr>
+          <p:cNvPr id="3" name="Content Placeholder 2"/>
+          <p:cNvSpPr>
+            <a:spLocks noGrp="1"/>
+          </p:cNvSpPr>
+          <p:nvPr>
+            <p:ph idx="1"/>
+          </p:nvPr>
+        </p:nvSpPr>
+        <p:spPr/>
+        <p:txBody>
+          <a:bodyPr>
+            <a:normAutofit/>
           </a:bodyPr>
           <a:lstStyle/>
           <a:p>
-            <a:pPr algn="ctr"/>
-            <a:r>
-              <a:rPr lang="en-US" sz="1400" dirty="0" err="1" smtClean="0"/>
-              <a:t>TopController</a:t>
-            </a:r>
-            <a:endParaRPr lang="en-US" sz="1400" dirty="0"/>
-          </a:p>
-        </p:txBody>
-      </p:sp>
-      <p:sp>
-        <p:nvSpPr>
-          <p:cNvPr id="8" name="Rectangle 7"/>
-          <p:cNvSpPr/>
-          <p:nvPr/>
-        </p:nvSpPr>
-        <p:spPr>
-          <a:xfrm>
-            <a:off x="5590410" y="1101109"/>
-            <a:ext cx="1718159" cy="354699"/>
-          </a:xfrm>
-          <a:prstGeom prst="rect">
-            <a:avLst/>
-          </a:prstGeom>
-          <a:noFill/>
-        </p:spPr>
-        <p:style>
-          <a:lnRef idx="1">
-            <a:schemeClr val="accent1"/>
-          </a:lnRef>
-          <a:fillRef idx="3">
-            <a:schemeClr val="accent1"/>
-          </a:fillRef>
-          <a:effectRef idx="2">
-            <a:schemeClr val="accent1"/>
-          </a:effectRef>
-          <a:fontRef idx="minor">
-            <a:schemeClr val="lt1"/>
-          </a:fontRef>
-        </p:style>
-        <p:txBody>
-          <a:bodyPr rtlCol="0" anchor="ctr"/>
-          <a:lstStyle/>
-          <a:p>
-            <a:pPr algn="ctr"/>
-            <a:endParaRPr lang="en-US"/>
-          </a:p>
-        </p:txBody>
-      </p:sp>
-      <p:sp>
-        <p:nvSpPr>
-          <p:cNvPr id="10" name="TextBox 9"/>
-          <p:cNvSpPr txBox="1"/>
-          <p:nvPr/>
-        </p:nvSpPr>
-        <p:spPr>
-          <a:xfrm>
-            <a:off x="5590410" y="1101109"/>
-            <a:ext cx="1718159" cy="307777"/>
-          </a:xfrm>
-          <a:prstGeom prst="rect">
-            <a:avLst/>
-          </a:prstGeom>
-          <a:noFill/>
-        </p:spPr>
-        <p:txBody>
-          <a:bodyPr wrap="square" rtlCol="0">
-            <a:spAutoFit/>
-          </a:bodyPr>
-          <a:lstStyle/>
-          <a:p>
-            <a:r>
-              <a:rPr lang="en-US" sz="1400" dirty="0" err="1" smtClean="0"/>
-              <a:t>LoggingWSGIHandler</a:t>
-            </a:r>
-            <a:endParaRPr lang="en-US" sz="1400" dirty="0"/>
-          </a:p>
-        </p:txBody>
-      </p:sp>
-      <p:sp>
-        <p:nvSpPr>
-          <p:cNvPr id="11" name="Rectangle 10"/>
-          <p:cNvSpPr/>
-          <p:nvPr/>
-        </p:nvSpPr>
-        <p:spPr>
-          <a:xfrm>
-            <a:off x="7676294" y="1101108"/>
-            <a:ext cx="1291181" cy="354699"/>
-          </a:xfrm>
-          <a:prstGeom prst="rect">
-            <a:avLst/>
-          </a:prstGeom>
-          <a:noFill/>
-        </p:spPr>
-        <p:style>
-          <a:lnRef idx="1">
-            <a:schemeClr val="accent1"/>
-          </a:lnRef>
-          <a:fillRef idx="3">
-            <a:schemeClr val="accent1"/>
-          </a:fillRef>
-          <a:effectRef idx="2">
-            <a:schemeClr val="accent1"/>
-          </a:effectRef>
-          <a:fontRef idx="minor">
-            <a:schemeClr val="lt1"/>
-          </a:fontRef>
-        </p:style>
-        <p:txBody>
-          <a:bodyPr rtlCol="0" anchor="ctr"/>
-          <a:lstStyle/>
-          <a:p>
-            <a:pPr algn="ctr"/>
-            <a:endParaRPr lang="en-US"/>
-          </a:p>
-        </p:txBody>
-      </p:sp>
-      <p:sp>
-        <p:nvSpPr>
-          <p:cNvPr id="12" name="TextBox 11"/>
-          <p:cNvSpPr txBox="1"/>
-          <p:nvPr/>
-        </p:nvSpPr>
-        <p:spPr>
-          <a:xfrm>
-            <a:off x="7676294" y="1101108"/>
-            <a:ext cx="1291181" cy="307777"/>
-          </a:xfrm>
-          <a:prstGeom prst="rect">
-            <a:avLst/>
-          </a:prstGeom>
-          <a:noFill/>
-        </p:spPr>
-        <p:txBody>
-          <a:bodyPr wrap="square" rtlCol="0">
-            <a:spAutoFit/>
-          </a:bodyPr>
-          <a:lstStyle/>
-          <a:p>
-            <a:pPr algn="ctr"/>
-            <a:r>
-              <a:rPr lang="en-US" sz="1400" dirty="0" err="1" smtClean="0"/>
-              <a:t>MediaHandler</a:t>
-            </a:r>
-            <a:endParaRPr lang="en-US" sz="1400" dirty="0"/>
-          </a:p>
-        </p:txBody>
-      </p:sp>
-      <p:sp>
-        <p:nvSpPr>
-          <p:cNvPr id="16" name="Rectangle 15"/>
-          <p:cNvSpPr/>
-          <p:nvPr/>
-        </p:nvSpPr>
-        <p:spPr>
-          <a:xfrm>
-            <a:off x="5295001" y="166526"/>
-            <a:ext cx="1354484" cy="354699"/>
-          </a:xfrm>
-          <a:prstGeom prst="rect">
-            <a:avLst/>
-          </a:prstGeom>
-          <a:noFill/>
-        </p:spPr>
-        <p:style>
-          <a:lnRef idx="1">
-            <a:schemeClr val="accent1"/>
-          </a:lnRef>
-          <a:fillRef idx="3">
-            <a:schemeClr val="accent1"/>
-          </a:fillRef>
-          <a:effectRef idx="2">
-            <a:schemeClr val="accent1"/>
-          </a:effectRef>
-          <a:fontRef idx="minor">
-            <a:schemeClr val="lt1"/>
-          </a:fontRef>
-        </p:style>
-        <p:txBody>
-          <a:bodyPr rtlCol="0" anchor="ctr"/>
-          <a:lstStyle/>
-          <a:p>
-            <a:pPr algn="ctr"/>
-            <a:endParaRPr lang="en-US"/>
-          </a:p>
-        </p:txBody>
-      </p:sp>
-      <p:sp>
-        <p:nvSpPr>
-          <p:cNvPr id="18" name="TextBox 17"/>
-          <p:cNvSpPr txBox="1"/>
-          <p:nvPr/>
-        </p:nvSpPr>
-        <p:spPr>
-          <a:xfrm>
-            <a:off x="5295000" y="166526"/>
-            <a:ext cx="1354485" cy="307777"/>
-          </a:xfrm>
-          <a:prstGeom prst="rect">
-            <a:avLst/>
-          </a:prstGeom>
-          <a:noFill/>
-        </p:spPr>
-        <p:txBody>
-          <a:bodyPr wrap="square" rtlCol="0">
-            <a:spAutoFit/>
-          </a:bodyPr>
-          <a:lstStyle/>
-          <a:p>
-            <a:pPr algn="ctr"/>
-            <a:r>
-              <a:rPr lang="en-US" sz="1400" dirty="0" smtClean="0"/>
-              <a:t>I18NDispatcher</a:t>
-            </a:r>
-            <a:endParaRPr lang="en-US" sz="1400" dirty="0"/>
-          </a:p>
-        </p:txBody>
-      </p:sp>
-      <p:cxnSp>
-        <p:nvCxnSpPr>
-          <p:cNvPr id="20" name="Straight Arrow Connector 19"/>
-          <p:cNvCxnSpPr>
-            <a:stCxn id="16" idx="2"/>
-            <a:endCxn id="5" idx="0"/>
-          </p:cNvCxnSpPr>
-          <p:nvPr/>
-        </p:nvCxnSpPr>
-        <p:spPr>
-          <a:xfrm flipH="1">
-            <a:off x="4697224" y="521225"/>
-            <a:ext cx="1275019" cy="579883"/>
-          </a:xfrm>
-          <a:prstGeom prst="straightConnector1">
-            <a:avLst/>
-          </a:prstGeom>
-          <a:ln>
-            <a:tailEnd type="arrow"/>
-          </a:ln>
-        </p:spPr>
-        <p:style>
-          <a:lnRef idx="2">
-            <a:schemeClr val="accent1"/>
-          </a:lnRef>
-          <a:fillRef idx="0">
-            <a:schemeClr val="accent1"/>
-          </a:fillRef>
-          <a:effectRef idx="1">
-            <a:schemeClr val="accent1"/>
-          </a:effectRef>
-          <a:fontRef idx="minor">
-            <a:schemeClr val="tx1"/>
-          </a:fontRef>
-        </p:style>
-      </p:cxnSp>
-      <p:cxnSp>
-        <p:nvCxnSpPr>
-          <p:cNvPr id="22" name="Straight Arrow Connector 21"/>
-          <p:cNvCxnSpPr>
-            <a:stCxn id="16" idx="2"/>
-          </p:cNvCxnSpPr>
-          <p:nvPr/>
-        </p:nvCxnSpPr>
-        <p:spPr>
-          <a:xfrm>
-            <a:off x="5972243" y="521225"/>
-            <a:ext cx="291932" cy="579883"/>
-          </a:xfrm>
-          <a:prstGeom prst="straightConnector1">
-            <a:avLst/>
-          </a:prstGeom>
-          <a:ln>
-            <a:tailEnd type="arrow"/>
-          </a:ln>
-        </p:spPr>
-        <p:style>
-          <a:lnRef idx="2">
-            <a:schemeClr val="accent1"/>
-          </a:lnRef>
-          <a:fillRef idx="0">
-            <a:schemeClr val="accent1"/>
-          </a:fillRef>
-          <a:effectRef idx="1">
-            <a:schemeClr val="accent1"/>
-          </a:effectRef>
-          <a:fontRef idx="minor">
-            <a:schemeClr val="tx1"/>
-          </a:fontRef>
-        </p:style>
-      </p:cxnSp>
-      <p:cxnSp>
-        <p:nvCxnSpPr>
-          <p:cNvPr id="24" name="Straight Arrow Connector 23"/>
-          <p:cNvCxnSpPr>
-            <a:stCxn id="16" idx="2"/>
-            <a:endCxn id="12" idx="0"/>
-          </p:cNvCxnSpPr>
-          <p:nvPr/>
-        </p:nvCxnSpPr>
-        <p:spPr>
-          <a:xfrm>
-            <a:off x="5972243" y="521225"/>
-            <a:ext cx="2349642" cy="579883"/>
-          </a:xfrm>
-          <a:prstGeom prst="straightConnector1">
-            <a:avLst/>
-          </a:prstGeom>
-          <a:ln>
-            <a:tailEnd type="arrow"/>
-          </a:ln>
-        </p:spPr>
-        <p:style>
-          <a:lnRef idx="2">
-            <a:schemeClr val="accent1"/>
-          </a:lnRef>
-          <a:fillRef idx="0">
-            <a:schemeClr val="accent1"/>
-          </a:fillRef>
-          <a:effectRef idx="1">
-            <a:schemeClr val="accent1"/>
-          </a:effectRef>
-          <a:fontRef idx="minor">
-            <a:schemeClr val="tx1"/>
-          </a:fontRef>
-        </p:style>
-      </p:cxnSp>
-      <p:sp>
-        <p:nvSpPr>
-          <p:cNvPr id="25" name="TextBox 24"/>
-          <p:cNvSpPr txBox="1"/>
-          <p:nvPr/>
-        </p:nvSpPr>
-        <p:spPr>
-          <a:xfrm>
-            <a:off x="6157166" y="659724"/>
-            <a:ext cx="492319" cy="276999"/>
-          </a:xfrm>
-          <a:prstGeom prst="rect">
-            <a:avLst/>
-          </a:prstGeom>
-          <a:noFill/>
-        </p:spPr>
-        <p:txBody>
-          <a:bodyPr wrap="square" rtlCol="0">
-            <a:spAutoFit/>
-          </a:bodyPr>
-          <a:lstStyle/>
-          <a:p>
-            <a:r>
-              <a:rPr lang="en-US" sz="1200" dirty="0" smtClean="0"/>
+            <a:r>
+              <a:rPr lang="en-US" sz="2000" dirty="0" smtClean="0"/>
+              <a:t>The central dispatcher (I18NDispatcher)</a:t>
+            </a:r>
+          </a:p>
+          <a:p>
+            <a:pPr lvl="1"/>
+            <a:r>
+              <a:rPr lang="en-US" sz="1600" dirty="0" smtClean="0"/>
+              <a:t>$SPLUNK_HOME/lib</a:t>
+            </a:r>
+            <a:r>
+              <a:rPr lang="en-US" sz="1600" dirty="0"/>
+              <a:t>/python2.7/site-packages/</a:t>
+            </a:r>
+            <a:r>
+              <a:rPr lang="en-US" sz="1600" dirty="0" err="1"/>
+              <a:t>splunk</a:t>
+            </a:r>
+            <a:r>
+              <a:rPr lang="en-US" sz="1600" dirty="0"/>
               <a:t>/</a:t>
             </a:r>
             <a:r>
-              <a:rPr lang="en-US" sz="1200" dirty="0" err="1" smtClean="0"/>
-              <a:t>dj</a:t>
-            </a:r>
-            <a:endParaRPr lang="en-US" sz="1200" dirty="0"/>
-          </a:p>
-        </p:txBody>
-      </p:sp>
-      <p:sp>
-        <p:nvSpPr>
-          <p:cNvPr id="27" name="Rectangle 26"/>
-          <p:cNvSpPr/>
-          <p:nvPr/>
-        </p:nvSpPr>
-        <p:spPr>
-          <a:xfrm>
-            <a:off x="2098534" y="1830070"/>
-            <a:ext cx="1688316" cy="354699"/>
-          </a:xfrm>
-          <a:prstGeom prst="rect">
-            <a:avLst/>
-          </a:prstGeom>
-          <a:noFill/>
-        </p:spPr>
-        <p:style>
-          <a:lnRef idx="1">
-            <a:schemeClr val="accent1"/>
-          </a:lnRef>
-          <a:fillRef idx="3">
-            <a:schemeClr val="accent1"/>
-          </a:fillRef>
-          <a:effectRef idx="2">
-            <a:schemeClr val="accent1"/>
-          </a:effectRef>
-          <a:fontRef idx="minor">
-            <a:schemeClr val="lt1"/>
-          </a:fontRef>
-        </p:style>
-        <p:txBody>
-          <a:bodyPr rtlCol="0" anchor="ctr"/>
-          <a:lstStyle/>
-          <a:p>
-            <a:pPr algn="ctr"/>
-            <a:endParaRPr lang="en-US"/>
-          </a:p>
-        </p:txBody>
-      </p:sp>
-      <p:sp>
-        <p:nvSpPr>
-          <p:cNvPr id="28" name="TextBox 27"/>
-          <p:cNvSpPr txBox="1"/>
-          <p:nvPr/>
-        </p:nvSpPr>
-        <p:spPr>
-          <a:xfrm>
-            <a:off x="2098534" y="1830071"/>
-            <a:ext cx="1688316" cy="307777"/>
-          </a:xfrm>
-          <a:prstGeom prst="rect">
-            <a:avLst/>
-          </a:prstGeom>
-          <a:noFill/>
-        </p:spPr>
-        <p:txBody>
-          <a:bodyPr wrap="square" rtlCol="0">
-            <a:spAutoFit/>
-          </a:bodyPr>
-          <a:lstStyle/>
-          <a:p>
-            <a:pPr algn="ctr"/>
-            <a:r>
-              <a:rPr lang="en-US" sz="1400" dirty="0" err="1" smtClean="0"/>
-              <a:t>AccountController</a:t>
-            </a:r>
-            <a:endParaRPr lang="en-US" sz="1400" dirty="0"/>
-          </a:p>
-        </p:txBody>
-      </p:sp>
-      <p:sp>
-        <p:nvSpPr>
-          <p:cNvPr id="29" name="Rectangle 28"/>
-          <p:cNvSpPr/>
-          <p:nvPr/>
-        </p:nvSpPr>
-        <p:spPr>
-          <a:xfrm>
-            <a:off x="2098535" y="2362219"/>
-            <a:ext cx="1688315" cy="354699"/>
-          </a:xfrm>
-          <a:prstGeom prst="rect">
-            <a:avLst/>
-          </a:prstGeom>
-          <a:noFill/>
-        </p:spPr>
-        <p:style>
-          <a:lnRef idx="1">
-            <a:schemeClr val="accent1"/>
-          </a:lnRef>
-          <a:fillRef idx="3">
-            <a:schemeClr val="accent1"/>
-          </a:fillRef>
-          <a:effectRef idx="2">
-            <a:schemeClr val="accent1"/>
-          </a:effectRef>
-          <a:fontRef idx="minor">
-            <a:schemeClr val="lt1"/>
-          </a:fontRef>
-        </p:style>
-        <p:txBody>
-          <a:bodyPr rtlCol="0" anchor="ctr"/>
-          <a:lstStyle/>
-          <a:p>
-            <a:pPr algn="ctr"/>
-            <a:endParaRPr lang="en-US"/>
-          </a:p>
-        </p:txBody>
-      </p:sp>
-      <p:sp>
-        <p:nvSpPr>
-          <p:cNvPr id="30" name="TextBox 29"/>
-          <p:cNvSpPr txBox="1"/>
-          <p:nvPr/>
-        </p:nvSpPr>
-        <p:spPr>
-          <a:xfrm>
-            <a:off x="2098536" y="2362220"/>
-            <a:ext cx="1688314" cy="307777"/>
-          </a:xfrm>
-          <a:prstGeom prst="rect">
-            <a:avLst/>
-          </a:prstGeom>
-          <a:noFill/>
-        </p:spPr>
-        <p:txBody>
-          <a:bodyPr wrap="square" rtlCol="0">
-            <a:spAutoFit/>
-          </a:bodyPr>
-          <a:lstStyle/>
-          <a:p>
-            <a:pPr algn="ctr"/>
-            <a:r>
-              <a:rPr lang="en-US" sz="1400" dirty="0" err="1" smtClean="0"/>
-              <a:t>AdminController</a:t>
-            </a:r>
-            <a:endParaRPr lang="en-US" sz="1400" dirty="0"/>
-          </a:p>
-        </p:txBody>
-      </p:sp>
-      <p:sp>
-        <p:nvSpPr>
-          <p:cNvPr id="31" name="Rectangle 30"/>
-          <p:cNvSpPr/>
-          <p:nvPr/>
-        </p:nvSpPr>
-        <p:spPr>
-          <a:xfrm>
-            <a:off x="2098536" y="2977917"/>
-            <a:ext cx="1688316" cy="354699"/>
-          </a:xfrm>
-          <a:prstGeom prst="rect">
-            <a:avLst/>
-          </a:prstGeom>
-          <a:noFill/>
-        </p:spPr>
-        <p:style>
-          <a:lnRef idx="1">
-            <a:schemeClr val="accent1"/>
-          </a:lnRef>
-          <a:fillRef idx="3">
-            <a:schemeClr val="accent1"/>
-          </a:fillRef>
-          <a:effectRef idx="2">
-            <a:schemeClr val="accent1"/>
-          </a:effectRef>
-          <a:fontRef idx="minor">
-            <a:schemeClr val="lt1"/>
-          </a:fontRef>
-        </p:style>
-        <p:txBody>
-          <a:bodyPr rtlCol="0" anchor="ctr"/>
-          <a:lstStyle/>
-          <a:p>
-            <a:pPr algn="ctr"/>
-            <a:endParaRPr lang="en-US"/>
-          </a:p>
-        </p:txBody>
-      </p:sp>
-      <p:sp>
-        <p:nvSpPr>
-          <p:cNvPr id="32" name="TextBox 31"/>
-          <p:cNvSpPr txBox="1"/>
-          <p:nvPr/>
-        </p:nvSpPr>
-        <p:spPr>
-          <a:xfrm>
-            <a:off x="2098536" y="2977918"/>
-            <a:ext cx="1688316" cy="307777"/>
-          </a:xfrm>
-          <a:prstGeom prst="rect">
-            <a:avLst/>
-          </a:prstGeom>
-          <a:noFill/>
-        </p:spPr>
-        <p:txBody>
-          <a:bodyPr wrap="square" rtlCol="0">
-            <a:spAutoFit/>
-          </a:bodyPr>
-          <a:lstStyle/>
-          <a:p>
-            <a:pPr algn="ctr"/>
-            <a:r>
-              <a:rPr lang="en-US" sz="1400" dirty="0" err="1" smtClean="0"/>
-              <a:t>APIController</a:t>
-            </a:r>
-            <a:endParaRPr lang="en-US" sz="1400" dirty="0"/>
-          </a:p>
-        </p:txBody>
-      </p:sp>
-      <p:sp>
-        <p:nvSpPr>
-          <p:cNvPr id="33" name="Rectangle 32"/>
-          <p:cNvSpPr/>
-          <p:nvPr/>
-        </p:nvSpPr>
-        <p:spPr>
-          <a:xfrm>
-            <a:off x="2098537" y="3510066"/>
-            <a:ext cx="1688315" cy="354699"/>
-          </a:xfrm>
-          <a:prstGeom prst="rect">
-            <a:avLst/>
-          </a:prstGeom>
-          <a:noFill/>
-        </p:spPr>
-        <p:style>
-          <a:lnRef idx="1">
-            <a:schemeClr val="accent1"/>
-          </a:lnRef>
-          <a:fillRef idx="3">
-            <a:schemeClr val="accent1"/>
-          </a:fillRef>
-          <a:effectRef idx="2">
-            <a:schemeClr val="accent1"/>
-          </a:effectRef>
-          <a:fontRef idx="minor">
-            <a:schemeClr val="lt1"/>
-          </a:fontRef>
-        </p:style>
-        <p:txBody>
-          <a:bodyPr rtlCol="0" anchor="ctr"/>
-          <a:lstStyle/>
-          <a:p>
-            <a:pPr algn="ctr"/>
-            <a:endParaRPr lang="en-US"/>
-          </a:p>
-        </p:txBody>
-      </p:sp>
-      <p:sp>
-        <p:nvSpPr>
-          <p:cNvPr id="34" name="TextBox 33"/>
-          <p:cNvSpPr txBox="1"/>
-          <p:nvPr/>
-        </p:nvSpPr>
-        <p:spPr>
-          <a:xfrm>
-            <a:off x="2098538" y="3510067"/>
-            <a:ext cx="1688314" cy="307777"/>
-          </a:xfrm>
-          <a:prstGeom prst="rect">
-            <a:avLst/>
-          </a:prstGeom>
-          <a:noFill/>
-        </p:spPr>
-        <p:txBody>
-          <a:bodyPr wrap="square" rtlCol="0">
-            <a:spAutoFit/>
-          </a:bodyPr>
-          <a:lstStyle/>
-          <a:p>
-            <a:pPr algn="ctr"/>
-            <a:r>
-              <a:rPr lang="en-US" sz="1400" dirty="0" err="1" smtClean="0"/>
-              <a:t>ViewController</a:t>
-            </a:r>
-            <a:endParaRPr lang="en-US" sz="1400" dirty="0"/>
-          </a:p>
-        </p:txBody>
-      </p:sp>
-      <p:sp>
-        <p:nvSpPr>
-          <p:cNvPr id="35" name="Rectangle 34"/>
-          <p:cNvSpPr/>
-          <p:nvPr/>
-        </p:nvSpPr>
-        <p:spPr>
-          <a:xfrm>
-            <a:off x="2098532" y="4025430"/>
-            <a:ext cx="1688316" cy="354699"/>
-          </a:xfrm>
-          <a:prstGeom prst="rect">
-            <a:avLst/>
-          </a:prstGeom>
-          <a:noFill/>
-        </p:spPr>
-        <p:style>
-          <a:lnRef idx="1">
-            <a:schemeClr val="accent1"/>
-          </a:lnRef>
-          <a:fillRef idx="3">
-            <a:schemeClr val="accent1"/>
-          </a:fillRef>
-          <a:effectRef idx="2">
-            <a:schemeClr val="accent1"/>
-          </a:effectRef>
-          <a:fontRef idx="minor">
-            <a:schemeClr val="lt1"/>
-          </a:fontRef>
-        </p:style>
-        <p:txBody>
-          <a:bodyPr rtlCol="0" anchor="ctr"/>
-          <a:lstStyle/>
-          <a:p>
-            <a:pPr algn="ctr"/>
-            <a:endParaRPr lang="en-US"/>
-          </a:p>
-        </p:txBody>
-      </p:sp>
-      <p:sp>
-        <p:nvSpPr>
-          <p:cNvPr id="36" name="TextBox 35"/>
-          <p:cNvSpPr txBox="1"/>
-          <p:nvPr/>
-        </p:nvSpPr>
-        <p:spPr>
-          <a:xfrm>
-            <a:off x="2098532" y="4025431"/>
-            <a:ext cx="1688316" cy="307777"/>
-          </a:xfrm>
-          <a:prstGeom prst="rect">
-            <a:avLst/>
-          </a:prstGeom>
-          <a:noFill/>
-        </p:spPr>
-        <p:txBody>
-          <a:bodyPr wrap="square" rtlCol="0">
-            <a:spAutoFit/>
-          </a:bodyPr>
-          <a:lstStyle/>
-          <a:p>
-            <a:pPr algn="ctr"/>
-            <a:r>
-              <a:rPr lang="en-US" sz="1400" dirty="0" err="1" smtClean="0"/>
-              <a:t>SearchController</a:t>
-            </a:r>
-            <a:endParaRPr lang="en-US" sz="1400" dirty="0"/>
-          </a:p>
-        </p:txBody>
-      </p:sp>
-      <p:sp>
-        <p:nvSpPr>
-          <p:cNvPr id="37" name="Rectangle 36"/>
-          <p:cNvSpPr/>
-          <p:nvPr/>
-        </p:nvSpPr>
-        <p:spPr>
-          <a:xfrm>
-            <a:off x="2098533" y="4557579"/>
-            <a:ext cx="1688315" cy="354699"/>
-          </a:xfrm>
-          <a:prstGeom prst="rect">
-            <a:avLst/>
-          </a:prstGeom>
-          <a:noFill/>
-        </p:spPr>
-        <p:style>
-          <a:lnRef idx="1">
-            <a:schemeClr val="accent1"/>
-          </a:lnRef>
-          <a:fillRef idx="3">
-            <a:schemeClr val="accent1"/>
-          </a:fillRef>
-          <a:effectRef idx="2">
-            <a:schemeClr val="accent1"/>
-          </a:effectRef>
-          <a:fontRef idx="minor">
-            <a:schemeClr val="lt1"/>
-          </a:fontRef>
-        </p:style>
-        <p:txBody>
-          <a:bodyPr rtlCol="0" anchor="ctr"/>
-          <a:lstStyle/>
-          <a:p>
-            <a:pPr algn="ctr"/>
-            <a:endParaRPr lang="en-US"/>
-          </a:p>
-        </p:txBody>
-      </p:sp>
-      <p:sp>
-        <p:nvSpPr>
-          <p:cNvPr id="38" name="TextBox 37"/>
-          <p:cNvSpPr txBox="1"/>
-          <p:nvPr/>
-        </p:nvSpPr>
-        <p:spPr>
-          <a:xfrm>
-            <a:off x="2098534" y="4557580"/>
-            <a:ext cx="1688314" cy="307777"/>
-          </a:xfrm>
-          <a:prstGeom prst="rect">
-            <a:avLst/>
-          </a:prstGeom>
-          <a:noFill/>
-        </p:spPr>
-        <p:txBody>
-          <a:bodyPr wrap="square" rtlCol="0">
-            <a:spAutoFit/>
-          </a:bodyPr>
-          <a:lstStyle/>
-          <a:p>
-            <a:pPr algn="ctr"/>
-            <a:r>
-              <a:rPr lang="en-US" sz="1400" dirty="0" err="1" smtClean="0"/>
-              <a:t>ModuleController</a:t>
-            </a:r>
-            <a:endParaRPr lang="en-US" sz="1400" dirty="0"/>
-          </a:p>
-        </p:txBody>
-      </p:sp>
-      <p:sp>
-        <p:nvSpPr>
-          <p:cNvPr id="39" name="Rectangle 38"/>
-          <p:cNvSpPr/>
-          <p:nvPr/>
-        </p:nvSpPr>
-        <p:spPr>
-          <a:xfrm>
-            <a:off x="5671453" y="5172629"/>
-            <a:ext cx="1346239" cy="354699"/>
-          </a:xfrm>
-          <a:prstGeom prst="rect">
-            <a:avLst/>
-          </a:prstGeom>
-          <a:noFill/>
-        </p:spPr>
-        <p:style>
-          <a:lnRef idx="1">
-            <a:schemeClr val="accent1"/>
-          </a:lnRef>
-          <a:fillRef idx="3">
-            <a:schemeClr val="accent1"/>
-          </a:fillRef>
-          <a:effectRef idx="2">
-            <a:schemeClr val="accent1"/>
-          </a:effectRef>
-          <a:fontRef idx="minor">
-            <a:schemeClr val="lt1"/>
-          </a:fontRef>
-        </p:style>
-        <p:txBody>
-          <a:bodyPr rtlCol="0" anchor="ctr"/>
-          <a:lstStyle/>
-          <a:p>
-            <a:pPr algn="ctr"/>
-            <a:endParaRPr lang="en-US"/>
-          </a:p>
-        </p:txBody>
-      </p:sp>
-      <p:sp>
-        <p:nvSpPr>
-          <p:cNvPr id="40" name="TextBox 39"/>
-          <p:cNvSpPr txBox="1"/>
-          <p:nvPr/>
-        </p:nvSpPr>
-        <p:spPr>
-          <a:xfrm>
-            <a:off x="5671453" y="5172630"/>
-            <a:ext cx="1346239" cy="307777"/>
-          </a:xfrm>
-          <a:prstGeom prst="rect">
-            <a:avLst/>
-          </a:prstGeom>
-          <a:noFill/>
-        </p:spPr>
-        <p:txBody>
-          <a:bodyPr wrap="square" rtlCol="0">
-            <a:spAutoFit/>
-          </a:bodyPr>
-          <a:lstStyle/>
-          <a:p>
-            <a:pPr algn="ctr"/>
-            <a:r>
-              <a:rPr lang="en-US" sz="1400" dirty="0" err="1" smtClean="0"/>
-              <a:t>ProxyController</a:t>
-            </a:r>
-            <a:endParaRPr lang="en-US" sz="1400" dirty="0"/>
-          </a:p>
-        </p:txBody>
-      </p:sp>
-      <p:sp>
-        <p:nvSpPr>
-          <p:cNvPr id="41" name="Rectangle 40"/>
-          <p:cNvSpPr/>
-          <p:nvPr/>
-        </p:nvSpPr>
-        <p:spPr>
-          <a:xfrm>
-            <a:off x="2098531" y="5066366"/>
-            <a:ext cx="1688315" cy="354699"/>
-          </a:xfrm>
-          <a:prstGeom prst="rect">
-            <a:avLst/>
-          </a:prstGeom>
-          <a:noFill/>
-        </p:spPr>
-        <p:style>
-          <a:lnRef idx="1">
-            <a:schemeClr val="accent1"/>
-          </a:lnRef>
-          <a:fillRef idx="3">
-            <a:schemeClr val="accent1"/>
-          </a:fillRef>
-          <a:effectRef idx="2">
-            <a:schemeClr val="accent1"/>
-          </a:effectRef>
-          <a:fontRef idx="minor">
-            <a:schemeClr val="lt1"/>
-          </a:fontRef>
-        </p:style>
-        <p:txBody>
-          <a:bodyPr rtlCol="0" anchor="ctr"/>
-          <a:lstStyle/>
-          <a:p>
-            <a:pPr algn="ctr"/>
-            <a:endParaRPr lang="en-US"/>
-          </a:p>
-        </p:txBody>
-      </p:sp>
-      <p:sp>
-        <p:nvSpPr>
-          <p:cNvPr id="42" name="TextBox 41"/>
-          <p:cNvSpPr txBox="1"/>
-          <p:nvPr/>
-        </p:nvSpPr>
-        <p:spPr>
-          <a:xfrm>
-            <a:off x="2098532" y="5066367"/>
-            <a:ext cx="1688314" cy="307777"/>
-          </a:xfrm>
-          <a:prstGeom prst="rect">
-            <a:avLst/>
-          </a:prstGeom>
-          <a:noFill/>
-        </p:spPr>
-        <p:txBody>
-          <a:bodyPr wrap="square" rtlCol="0">
-            <a:spAutoFit/>
-          </a:bodyPr>
-          <a:lstStyle/>
-          <a:p>
-            <a:pPr algn="ctr"/>
-            <a:r>
-              <a:rPr lang="en-US" sz="1400" dirty="0" err="1" smtClean="0"/>
-              <a:t>TreeController</a:t>
-            </a:r>
-            <a:endParaRPr lang="en-US" sz="1400" dirty="0"/>
-          </a:p>
-        </p:txBody>
-      </p:sp>
-      <p:sp>
-        <p:nvSpPr>
-          <p:cNvPr id="43" name="Rectangle 42"/>
-          <p:cNvSpPr/>
-          <p:nvPr/>
-        </p:nvSpPr>
-        <p:spPr>
-          <a:xfrm>
-            <a:off x="2087084" y="5564446"/>
-            <a:ext cx="1688315" cy="354699"/>
-          </a:xfrm>
-          <a:prstGeom prst="rect">
-            <a:avLst/>
-          </a:prstGeom>
-          <a:noFill/>
-        </p:spPr>
-        <p:style>
-          <a:lnRef idx="1">
-            <a:schemeClr val="accent1"/>
-          </a:lnRef>
-          <a:fillRef idx="3">
-            <a:schemeClr val="accent1"/>
-          </a:fillRef>
-          <a:effectRef idx="2">
-            <a:schemeClr val="accent1"/>
-          </a:effectRef>
-          <a:fontRef idx="minor">
-            <a:schemeClr val="lt1"/>
-          </a:fontRef>
-        </p:style>
-        <p:txBody>
-          <a:bodyPr rtlCol="0" anchor="ctr"/>
-          <a:lstStyle/>
-          <a:p>
-            <a:pPr algn="ctr"/>
-            <a:endParaRPr lang="en-US"/>
-          </a:p>
-        </p:txBody>
-      </p:sp>
-      <p:sp>
-        <p:nvSpPr>
-          <p:cNvPr id="44" name="TextBox 43"/>
-          <p:cNvSpPr txBox="1"/>
-          <p:nvPr/>
-        </p:nvSpPr>
-        <p:spPr>
-          <a:xfrm>
-            <a:off x="2087085" y="5564447"/>
-            <a:ext cx="1688314" cy="307777"/>
-          </a:xfrm>
-          <a:prstGeom prst="rect">
-            <a:avLst/>
-          </a:prstGeom>
-          <a:noFill/>
-        </p:spPr>
-        <p:txBody>
-          <a:bodyPr wrap="square" rtlCol="0">
-            <a:spAutoFit/>
-          </a:bodyPr>
-          <a:lstStyle/>
-          <a:p>
-            <a:pPr algn="ctr"/>
-            <a:r>
-              <a:rPr lang="en-US" sz="1400" dirty="0" smtClean="0"/>
-              <a:t>…</a:t>
-            </a:r>
-            <a:endParaRPr lang="en-US" sz="1400" dirty="0"/>
-          </a:p>
-        </p:txBody>
-      </p:sp>
-      <p:cxnSp>
-        <p:nvCxnSpPr>
-          <p:cNvPr id="46" name="Straight Connector 45"/>
-          <p:cNvCxnSpPr>
-            <a:stCxn id="5" idx="2"/>
-          </p:cNvCxnSpPr>
-          <p:nvPr/>
-        </p:nvCxnSpPr>
-        <p:spPr>
-          <a:xfrm>
-            <a:off x="4697224" y="1455807"/>
-            <a:ext cx="0" cy="5288867"/>
-          </a:xfrm>
-          <a:prstGeom prst="line">
-            <a:avLst/>
-          </a:prstGeom>
-        </p:spPr>
-        <p:style>
-          <a:lnRef idx="2">
-            <a:schemeClr val="accent1"/>
-          </a:lnRef>
-          <a:fillRef idx="0">
-            <a:schemeClr val="accent1"/>
-          </a:fillRef>
-          <a:effectRef idx="1">
-            <a:schemeClr val="accent1"/>
-          </a:effectRef>
-          <a:fontRef idx="minor">
-            <a:schemeClr val="tx1"/>
-          </a:fontRef>
-        </p:style>
-      </p:cxnSp>
-      <p:cxnSp>
-        <p:nvCxnSpPr>
-          <p:cNvPr id="48" name="Straight Arrow Connector 47"/>
-          <p:cNvCxnSpPr>
-            <a:endCxn id="28" idx="3"/>
-          </p:cNvCxnSpPr>
-          <p:nvPr/>
-        </p:nvCxnSpPr>
-        <p:spPr>
-          <a:xfrm flipH="1">
-            <a:off x="3786850" y="1975837"/>
-            <a:ext cx="910374" cy="8123"/>
-          </a:xfrm>
-          <a:prstGeom prst="straightConnector1">
-            <a:avLst/>
-          </a:prstGeom>
-          <a:ln>
-            <a:tailEnd type="arrow"/>
-          </a:ln>
-        </p:spPr>
-        <p:style>
-          <a:lnRef idx="2">
-            <a:schemeClr val="accent1"/>
-          </a:lnRef>
-          <a:fillRef idx="0">
-            <a:schemeClr val="accent1"/>
-          </a:fillRef>
-          <a:effectRef idx="1">
-            <a:schemeClr val="accent1"/>
-          </a:effectRef>
-          <a:fontRef idx="minor">
-            <a:schemeClr val="tx1"/>
-          </a:fontRef>
-        </p:style>
-      </p:cxnSp>
-      <p:cxnSp>
-        <p:nvCxnSpPr>
-          <p:cNvPr id="50" name="Straight Arrow Connector 49"/>
-          <p:cNvCxnSpPr/>
-          <p:nvPr/>
-        </p:nvCxnSpPr>
-        <p:spPr>
-          <a:xfrm flipH="1">
-            <a:off x="3786848" y="2578462"/>
-            <a:ext cx="910376" cy="0"/>
-          </a:xfrm>
-          <a:prstGeom prst="straightConnector1">
-            <a:avLst/>
-          </a:prstGeom>
-          <a:ln>
-            <a:tailEnd type="arrow"/>
-          </a:ln>
-        </p:spPr>
-        <p:style>
-          <a:lnRef idx="2">
-            <a:schemeClr val="accent1"/>
-          </a:lnRef>
-          <a:fillRef idx="0">
-            <a:schemeClr val="accent1"/>
-          </a:fillRef>
-          <a:effectRef idx="1">
-            <a:schemeClr val="accent1"/>
-          </a:effectRef>
-          <a:fontRef idx="minor">
-            <a:schemeClr val="tx1"/>
-          </a:fontRef>
-        </p:style>
-      </p:cxnSp>
-      <p:cxnSp>
-        <p:nvCxnSpPr>
-          <p:cNvPr id="53" name="Straight Arrow Connector 52"/>
-          <p:cNvCxnSpPr/>
-          <p:nvPr/>
-        </p:nvCxnSpPr>
-        <p:spPr>
-          <a:xfrm flipH="1">
-            <a:off x="3786852" y="3154213"/>
-            <a:ext cx="910376" cy="0"/>
-          </a:xfrm>
-          <a:prstGeom prst="straightConnector1">
-            <a:avLst/>
-          </a:prstGeom>
-          <a:ln>
-            <a:tailEnd type="arrow"/>
-          </a:ln>
-        </p:spPr>
-        <p:style>
-          <a:lnRef idx="2">
-            <a:schemeClr val="accent1"/>
-          </a:lnRef>
-          <a:fillRef idx="0">
-            <a:schemeClr val="accent1"/>
-          </a:fillRef>
-          <a:effectRef idx="1">
-            <a:schemeClr val="accent1"/>
-          </a:effectRef>
-          <a:fontRef idx="minor">
-            <a:schemeClr val="tx1"/>
-          </a:fontRef>
-        </p:style>
-      </p:cxnSp>
-      <p:cxnSp>
-        <p:nvCxnSpPr>
-          <p:cNvPr id="54" name="Straight Arrow Connector 53"/>
-          <p:cNvCxnSpPr/>
-          <p:nvPr/>
-        </p:nvCxnSpPr>
-        <p:spPr>
-          <a:xfrm flipH="1">
-            <a:off x="3786854" y="3627129"/>
-            <a:ext cx="910374" cy="8123"/>
-          </a:xfrm>
-          <a:prstGeom prst="straightConnector1">
-            <a:avLst/>
-          </a:prstGeom>
-          <a:ln>
-            <a:tailEnd type="arrow"/>
-          </a:ln>
-        </p:spPr>
-        <p:style>
-          <a:lnRef idx="2">
-            <a:schemeClr val="accent1"/>
-          </a:lnRef>
-          <a:fillRef idx="0">
-            <a:schemeClr val="accent1"/>
-          </a:fillRef>
-          <a:effectRef idx="1">
-            <a:schemeClr val="accent1"/>
-          </a:effectRef>
-          <a:fontRef idx="minor">
-            <a:schemeClr val="tx1"/>
-          </a:fontRef>
-        </p:style>
-      </p:cxnSp>
-      <p:cxnSp>
-        <p:nvCxnSpPr>
-          <p:cNvPr id="55" name="Straight Arrow Connector 54"/>
-          <p:cNvCxnSpPr/>
-          <p:nvPr/>
-        </p:nvCxnSpPr>
-        <p:spPr>
-          <a:xfrm flipH="1">
-            <a:off x="3786852" y="4229754"/>
-            <a:ext cx="910376" cy="0"/>
-          </a:xfrm>
-          <a:prstGeom prst="straightConnector1">
-            <a:avLst/>
-          </a:prstGeom>
-          <a:ln>
-            <a:tailEnd type="arrow"/>
-          </a:ln>
-        </p:spPr>
-        <p:style>
-          <a:lnRef idx="2">
-            <a:schemeClr val="accent1"/>
-          </a:lnRef>
-          <a:fillRef idx="0">
-            <a:schemeClr val="accent1"/>
-          </a:fillRef>
-          <a:effectRef idx="1">
-            <a:schemeClr val="accent1"/>
-          </a:effectRef>
-          <a:fontRef idx="minor">
-            <a:schemeClr val="tx1"/>
-          </a:fontRef>
-        </p:style>
-      </p:cxnSp>
-      <p:cxnSp>
-        <p:nvCxnSpPr>
-          <p:cNvPr id="56" name="Straight Arrow Connector 55"/>
-          <p:cNvCxnSpPr/>
-          <p:nvPr/>
-        </p:nvCxnSpPr>
-        <p:spPr>
-          <a:xfrm flipH="1">
-            <a:off x="3786856" y="4805505"/>
-            <a:ext cx="910376" cy="0"/>
-          </a:xfrm>
-          <a:prstGeom prst="straightConnector1">
-            <a:avLst/>
-          </a:prstGeom>
-          <a:ln>
-            <a:tailEnd type="arrow"/>
-          </a:ln>
-        </p:spPr>
-        <p:style>
-          <a:lnRef idx="2">
-            <a:schemeClr val="accent1"/>
-          </a:lnRef>
-          <a:fillRef idx="0">
-            <a:schemeClr val="accent1"/>
-          </a:fillRef>
-          <a:effectRef idx="1">
-            <a:schemeClr val="accent1"/>
-          </a:effectRef>
-          <a:fontRef idx="minor">
-            <a:schemeClr val="tx1"/>
-          </a:fontRef>
-        </p:style>
-      </p:cxnSp>
-      <p:cxnSp>
-        <p:nvCxnSpPr>
-          <p:cNvPr id="57" name="Straight Arrow Connector 56"/>
-          <p:cNvCxnSpPr/>
-          <p:nvPr/>
-        </p:nvCxnSpPr>
-        <p:spPr>
-          <a:xfrm>
-            <a:off x="4685783" y="5374144"/>
-            <a:ext cx="955646" cy="15391"/>
-          </a:xfrm>
-          <a:prstGeom prst="straightConnector1">
-            <a:avLst/>
-          </a:prstGeom>
-          <a:ln>
-            <a:tailEnd type="arrow"/>
-          </a:ln>
-        </p:spPr>
-        <p:style>
-          <a:lnRef idx="2">
-            <a:schemeClr val="accent1"/>
-          </a:lnRef>
-          <a:fillRef idx="0">
-            <a:schemeClr val="accent1"/>
-          </a:fillRef>
-          <a:effectRef idx="1">
-            <a:schemeClr val="accent1"/>
-          </a:effectRef>
-          <a:fontRef idx="minor">
-            <a:schemeClr val="tx1"/>
-          </a:fontRef>
-        </p:style>
-      </p:cxnSp>
-      <p:cxnSp>
-        <p:nvCxnSpPr>
-          <p:cNvPr id="58" name="Straight Arrow Connector 57"/>
-          <p:cNvCxnSpPr/>
-          <p:nvPr/>
-        </p:nvCxnSpPr>
-        <p:spPr>
-          <a:xfrm flipH="1">
-            <a:off x="3786846" y="5234458"/>
-            <a:ext cx="910376" cy="0"/>
-          </a:xfrm>
-          <a:prstGeom prst="straightConnector1">
-            <a:avLst/>
-          </a:prstGeom>
-          <a:ln>
-            <a:tailEnd type="arrow"/>
-          </a:ln>
-        </p:spPr>
-        <p:style>
-          <a:lnRef idx="2">
-            <a:schemeClr val="accent1"/>
-          </a:lnRef>
-          <a:fillRef idx="0">
-            <a:schemeClr val="accent1"/>
-          </a:fillRef>
-          <a:effectRef idx="1">
-            <a:schemeClr val="accent1"/>
-          </a:effectRef>
-          <a:fontRef idx="minor">
-            <a:schemeClr val="tx1"/>
-          </a:fontRef>
-        </p:style>
-      </p:cxnSp>
-      <p:cxnSp>
-        <p:nvCxnSpPr>
-          <p:cNvPr id="59" name="Straight Arrow Connector 58"/>
-          <p:cNvCxnSpPr/>
-          <p:nvPr/>
-        </p:nvCxnSpPr>
-        <p:spPr>
-          <a:xfrm flipH="1">
-            <a:off x="3775407" y="5750332"/>
-            <a:ext cx="910376" cy="0"/>
-          </a:xfrm>
-          <a:prstGeom prst="straightConnector1">
-            <a:avLst/>
-          </a:prstGeom>
-          <a:ln>
-            <a:tailEnd type="arrow"/>
-          </a:ln>
-        </p:spPr>
-        <p:style>
-          <a:lnRef idx="2">
-            <a:schemeClr val="accent1"/>
-          </a:lnRef>
-          <a:fillRef idx="0">
-            <a:schemeClr val="accent1"/>
-          </a:fillRef>
-          <a:effectRef idx="1">
-            <a:schemeClr val="accent1"/>
-          </a:effectRef>
-          <a:fontRef idx="minor">
-            <a:schemeClr val="tx1"/>
-          </a:fontRef>
-        </p:style>
-      </p:cxnSp>
-      <p:sp>
-        <p:nvSpPr>
-          <p:cNvPr id="60" name="TextBox 59"/>
-          <p:cNvSpPr txBox="1"/>
-          <p:nvPr/>
-        </p:nvSpPr>
-        <p:spPr>
-          <a:xfrm>
-            <a:off x="3859606" y="1691570"/>
-            <a:ext cx="758354" cy="276999"/>
-          </a:xfrm>
-          <a:prstGeom prst="rect">
-            <a:avLst/>
-          </a:prstGeom>
-          <a:noFill/>
-        </p:spPr>
-        <p:txBody>
-          <a:bodyPr wrap="square" rtlCol="0">
-            <a:spAutoFit/>
-          </a:bodyPr>
-          <a:lstStyle/>
-          <a:p>
-            <a:r>
-              <a:rPr lang="en-US" sz="1200" dirty="0" smtClean="0"/>
-              <a:t>/account</a:t>
-            </a:r>
-            <a:endParaRPr lang="en-US" sz="1200" dirty="0"/>
-          </a:p>
-        </p:txBody>
-      </p:sp>
-      <p:sp>
-        <p:nvSpPr>
-          <p:cNvPr id="61" name="TextBox 60"/>
-          <p:cNvSpPr txBox="1"/>
-          <p:nvPr/>
-        </p:nvSpPr>
-        <p:spPr>
-          <a:xfrm>
-            <a:off x="3859606" y="2275895"/>
-            <a:ext cx="837618" cy="276999"/>
-          </a:xfrm>
-          <a:prstGeom prst="rect">
-            <a:avLst/>
-          </a:prstGeom>
-          <a:noFill/>
-        </p:spPr>
-        <p:txBody>
-          <a:bodyPr wrap="square" rtlCol="0">
-            <a:spAutoFit/>
-          </a:bodyPr>
-          <a:lstStyle/>
-          <a:p>
-            <a:r>
-              <a:rPr lang="en-US" sz="1200" dirty="0" smtClean="0"/>
-              <a:t>/manager</a:t>
-            </a:r>
-            <a:endParaRPr lang="en-US" sz="1200" dirty="0"/>
-          </a:p>
-        </p:txBody>
-      </p:sp>
-      <p:sp>
-        <p:nvSpPr>
-          <p:cNvPr id="62" name="TextBox 61"/>
-          <p:cNvSpPr txBox="1"/>
-          <p:nvPr/>
-        </p:nvSpPr>
-        <p:spPr>
-          <a:xfrm>
-            <a:off x="3871047" y="2863130"/>
-            <a:ext cx="826177" cy="276999"/>
-          </a:xfrm>
-          <a:prstGeom prst="rect">
-            <a:avLst/>
-          </a:prstGeom>
-          <a:noFill/>
-        </p:spPr>
-        <p:txBody>
-          <a:bodyPr wrap="square" rtlCol="0">
-            <a:spAutoFit/>
-          </a:bodyPr>
-          <a:lstStyle/>
-          <a:p>
-            <a:r>
-              <a:rPr lang="en-US" sz="1200" dirty="0" smtClean="0"/>
+              <a:rPr lang="en-US" sz="1600" dirty="0" err="1"/>
+              <a:t>appserver</a:t>
+            </a:r>
+            <a:r>
+              <a:rPr lang="en-US" sz="1600" dirty="0"/>
               <a:t>/</a:t>
             </a:r>
             <a:r>
-              <a:rPr lang="en-US" sz="1200" dirty="0" err="1" smtClean="0"/>
-              <a:t>api</a:t>
-            </a:r>
-            <a:endParaRPr lang="en-US" sz="1200" dirty="0"/>
-          </a:p>
-        </p:txBody>
-      </p:sp>
-      <p:sp>
-        <p:nvSpPr>
-          <p:cNvPr id="66" name="TextBox 65"/>
-          <p:cNvSpPr txBox="1"/>
-          <p:nvPr/>
-        </p:nvSpPr>
-        <p:spPr>
-          <a:xfrm>
-            <a:off x="3887413" y="3371567"/>
-            <a:ext cx="758354" cy="276999"/>
-          </a:xfrm>
-          <a:prstGeom prst="rect">
-            <a:avLst/>
-          </a:prstGeom>
-          <a:noFill/>
-        </p:spPr>
-        <p:txBody>
-          <a:bodyPr wrap="square" rtlCol="0">
-            <a:spAutoFit/>
-          </a:bodyPr>
-          <a:lstStyle/>
-          <a:p>
-            <a:r>
-              <a:rPr lang="en-US" sz="1200" dirty="0" smtClean="0"/>
-              <a:t>/app</a:t>
-            </a:r>
-            <a:endParaRPr lang="en-US" sz="1200" dirty="0"/>
-          </a:p>
-        </p:txBody>
-      </p:sp>
-      <p:sp>
-        <p:nvSpPr>
-          <p:cNvPr id="67" name="TextBox 66"/>
-          <p:cNvSpPr txBox="1"/>
-          <p:nvPr/>
-        </p:nvSpPr>
-        <p:spPr>
-          <a:xfrm>
-            <a:off x="3887413" y="3955892"/>
-            <a:ext cx="837618" cy="276999"/>
-          </a:xfrm>
-          <a:prstGeom prst="rect">
-            <a:avLst/>
-          </a:prstGeom>
-          <a:noFill/>
-        </p:spPr>
-        <p:txBody>
-          <a:bodyPr wrap="square" rtlCol="0">
-            <a:spAutoFit/>
-          </a:bodyPr>
-          <a:lstStyle/>
-          <a:p>
-            <a:r>
-              <a:rPr lang="en-US" sz="1200" dirty="0" smtClean="0"/>
-              <a:t>/search</a:t>
-            </a:r>
-            <a:endParaRPr lang="en-US" sz="1200" dirty="0"/>
-          </a:p>
-        </p:txBody>
-      </p:sp>
-      <p:sp>
-        <p:nvSpPr>
-          <p:cNvPr id="68" name="TextBox 67"/>
-          <p:cNvSpPr txBox="1"/>
-          <p:nvPr/>
-        </p:nvSpPr>
-        <p:spPr>
-          <a:xfrm>
-            <a:off x="3859606" y="4528506"/>
-            <a:ext cx="826177" cy="276999"/>
-          </a:xfrm>
-          <a:prstGeom prst="rect">
-            <a:avLst/>
-          </a:prstGeom>
-          <a:noFill/>
-        </p:spPr>
-        <p:txBody>
-          <a:bodyPr wrap="square" rtlCol="0">
-            <a:spAutoFit/>
-          </a:bodyPr>
-          <a:lstStyle/>
-          <a:p>
-            <a:r>
-              <a:rPr lang="en-US" sz="1200" dirty="0" smtClean="0"/>
-              <a:t>/module</a:t>
-            </a:r>
-            <a:endParaRPr lang="en-US" sz="1200" dirty="0"/>
-          </a:p>
-        </p:txBody>
-      </p:sp>
-      <p:sp>
-        <p:nvSpPr>
-          <p:cNvPr id="69" name="TextBox 68"/>
-          <p:cNvSpPr txBox="1"/>
-          <p:nvPr/>
-        </p:nvSpPr>
-        <p:spPr>
-          <a:xfrm>
-            <a:off x="4764233" y="5034129"/>
-            <a:ext cx="826177" cy="276999"/>
-          </a:xfrm>
-          <a:prstGeom prst="rect">
-            <a:avLst/>
-          </a:prstGeom>
-          <a:noFill/>
-        </p:spPr>
-        <p:txBody>
-          <a:bodyPr wrap="square" rtlCol="0">
-            <a:spAutoFit/>
-          </a:bodyPr>
-          <a:lstStyle/>
-          <a:p>
-            <a:r>
-              <a:rPr lang="en-US" sz="1200" dirty="0" smtClean="0"/>
-              <a:t>/</a:t>
-            </a:r>
-            <a:r>
-              <a:rPr lang="en-US" sz="1200" dirty="0" err="1" smtClean="0"/>
-              <a:t>splunkd</a:t>
-            </a:r>
-            <a:endParaRPr lang="en-US" sz="1200" dirty="0"/>
-          </a:p>
-        </p:txBody>
-      </p:sp>
-      <p:sp>
-        <p:nvSpPr>
-          <p:cNvPr id="70" name="TextBox 69"/>
-          <p:cNvSpPr txBox="1"/>
-          <p:nvPr/>
-        </p:nvSpPr>
-        <p:spPr>
-          <a:xfrm>
-            <a:off x="3898854" y="4957459"/>
-            <a:ext cx="826177" cy="276999"/>
-          </a:xfrm>
-          <a:prstGeom prst="rect">
-            <a:avLst/>
-          </a:prstGeom>
-          <a:noFill/>
-        </p:spPr>
-        <p:txBody>
-          <a:bodyPr wrap="square" rtlCol="0">
-            <a:spAutoFit/>
-          </a:bodyPr>
-          <a:lstStyle/>
-          <a:p>
-            <a:r>
-              <a:rPr lang="en-US" sz="1200" dirty="0" smtClean="0"/>
-              <a:t>/tree</a:t>
-            </a:r>
-            <a:endParaRPr lang="en-US" sz="1200" dirty="0"/>
-          </a:p>
-        </p:txBody>
-      </p:sp>
-      <p:sp>
-        <p:nvSpPr>
-          <p:cNvPr id="71" name="Rectangle 70"/>
-          <p:cNvSpPr/>
-          <p:nvPr/>
-        </p:nvSpPr>
-        <p:spPr>
-          <a:xfrm>
-            <a:off x="2591291" y="211959"/>
-            <a:ext cx="1195557" cy="354699"/>
-          </a:xfrm>
-          <a:prstGeom prst="rect">
-            <a:avLst/>
-          </a:prstGeom>
-          <a:noFill/>
-        </p:spPr>
-        <p:style>
-          <a:lnRef idx="1">
-            <a:schemeClr val="accent1"/>
-          </a:lnRef>
-          <a:fillRef idx="3">
-            <a:schemeClr val="accent1"/>
-          </a:fillRef>
-          <a:effectRef idx="2">
-            <a:schemeClr val="accent1"/>
-          </a:effectRef>
-          <a:fontRef idx="minor">
-            <a:schemeClr val="lt1"/>
-          </a:fontRef>
-        </p:style>
-        <p:txBody>
-          <a:bodyPr rtlCol="0" anchor="ctr"/>
-          <a:lstStyle/>
-          <a:p>
-            <a:pPr algn="ctr"/>
-            <a:endParaRPr lang="en-US"/>
-          </a:p>
-        </p:txBody>
-      </p:sp>
-      <p:sp>
-        <p:nvSpPr>
-          <p:cNvPr id="72" name="TextBox 71"/>
-          <p:cNvSpPr txBox="1"/>
-          <p:nvPr/>
-        </p:nvSpPr>
-        <p:spPr>
-          <a:xfrm>
-            <a:off x="2591291" y="211959"/>
-            <a:ext cx="1195556" cy="307777"/>
-          </a:xfrm>
-          <a:prstGeom prst="rect">
-            <a:avLst/>
-          </a:prstGeom>
-          <a:noFill/>
-        </p:spPr>
-        <p:txBody>
-          <a:bodyPr wrap="square" rtlCol="0">
-            <a:spAutoFit/>
-          </a:bodyPr>
-          <a:lstStyle/>
-          <a:p>
-            <a:pPr algn="ctr"/>
-            <a:r>
-              <a:rPr lang="en-US" sz="1400" dirty="0" err="1" smtClean="0">
+              <a:rPr lang="en-US" sz="1600" dirty="0" err="1"/>
+              <a:t>mrsparkle</a:t>
+            </a:r>
+            <a:r>
+              <a:rPr lang="en-US" sz="1600" dirty="0"/>
+              <a:t>/lib/</a:t>
+            </a:r>
+            <a:r>
+              <a:rPr lang="en-US" sz="1600" dirty="0" smtClean="0"/>
+              <a:t>i18n.py</a:t>
+            </a:r>
+          </a:p>
+          <a:p>
+            <a:endParaRPr lang="en-US" sz="2000" dirty="0"/>
+          </a:p>
+          <a:p>
+            <a:r>
+              <a:rPr lang="en-US" sz="2000" dirty="0" smtClean="0"/>
+              <a:t>The routable handlers - </a:t>
+            </a:r>
+            <a:r>
+              <a:rPr lang="en-US" sz="2000" dirty="0" err="1" smtClean="0"/>
+              <a:t>cherrypy.tree.apps</a:t>
+            </a:r>
+            <a:r>
+              <a:rPr lang="en-US" sz="2000" dirty="0" smtClean="0"/>
+              <a:t/>
+            </a:r>
+            <a:br>
+              <a:rPr lang="en-US" sz="2000" dirty="0" smtClean="0"/>
+            </a:br>
+            <a:r>
+              <a:rPr lang="en-US" sz="1800" dirty="0" smtClean="0"/>
+              <a:t>{</a:t>
+            </a:r>
+            <a:br>
+              <a:rPr lang="en-US" sz="1800" dirty="0" smtClean="0"/>
+            </a:br>
+            <a:r>
+              <a:rPr lang="en-US" sz="1600" dirty="0" smtClean="0"/>
+              <a:t>“”: Application(&lt;</a:t>
+            </a:r>
+            <a:r>
+              <a:rPr lang="en-US" sz="1600" dirty="0" err="1" smtClean="0"/>
+              <a:t>controllers.top.</a:t>
+            </a:r>
+            <a:r>
+              <a:rPr lang="en-US" sz="1600" dirty="0" err="1" smtClean="0">
                 <a:solidFill>
-                  <a:srgbClr val="008000"/>
+                  <a:srgbClr val="FF0000"/>
                 </a:solidFill>
               </a:rPr>
-              <a:t>AppResponse</a:t>
-            </a:r>
-            <a:endParaRPr lang="en-US" sz="1400" dirty="0">
-              <a:solidFill>
-                <a:srgbClr val="008000"/>
-              </a:solidFill>
-            </a:endParaRPr>
-          </a:p>
-        </p:txBody>
-      </p:sp>
-      <p:cxnSp>
-        <p:nvCxnSpPr>
-          <p:cNvPr id="77" name="Straight Arrow Connector 76"/>
-          <p:cNvCxnSpPr>
-            <a:stCxn id="72" idx="3"/>
-            <a:endCxn id="16" idx="1"/>
-          </p:cNvCxnSpPr>
-          <p:nvPr/>
-        </p:nvCxnSpPr>
-        <p:spPr>
-          <a:xfrm flipV="1">
-            <a:off x="3786847" y="343876"/>
-            <a:ext cx="1508154" cy="21972"/>
-          </a:xfrm>
-          <a:prstGeom prst="straightConnector1">
-            <a:avLst/>
-          </a:prstGeom>
-          <a:ln>
-            <a:tailEnd type="arrow"/>
-          </a:ln>
-        </p:spPr>
-        <p:style>
-          <a:lnRef idx="2">
-            <a:schemeClr val="accent1"/>
-          </a:lnRef>
-          <a:fillRef idx="0">
-            <a:schemeClr val="accent1"/>
-          </a:fillRef>
-          <a:effectRef idx="1">
-            <a:schemeClr val="accent1"/>
-          </a:effectRef>
-          <a:fontRef idx="minor">
-            <a:schemeClr val="tx1"/>
-          </a:fontRef>
-        </p:style>
-      </p:cxnSp>
-      <p:sp>
-        <p:nvSpPr>
-          <p:cNvPr id="80" name="TextBox 79"/>
-          <p:cNvSpPr txBox="1"/>
-          <p:nvPr/>
-        </p:nvSpPr>
-        <p:spPr>
-          <a:xfrm>
-            <a:off x="3887413" y="365848"/>
-            <a:ext cx="1407588" cy="276999"/>
-          </a:xfrm>
-          <a:prstGeom prst="rect">
-            <a:avLst/>
-          </a:prstGeom>
-          <a:noFill/>
-        </p:spPr>
-        <p:txBody>
-          <a:bodyPr wrap="square" rtlCol="0">
-            <a:spAutoFit/>
-          </a:bodyPr>
-          <a:lstStyle/>
-          <a:p>
-            <a:r>
-              <a:rPr lang="en-US" sz="1200" dirty="0" smtClean="0"/>
-              <a:t>__call__(path)</a:t>
-            </a:r>
-            <a:endParaRPr lang="en-US" sz="1200" dirty="0"/>
-          </a:p>
-        </p:txBody>
-      </p:sp>
-      <p:sp>
-        <p:nvSpPr>
-          <p:cNvPr id="81" name="Rectangle 80"/>
-          <p:cNvSpPr/>
-          <p:nvPr/>
-        </p:nvSpPr>
-        <p:spPr>
-          <a:xfrm>
-            <a:off x="5590410" y="1845458"/>
-            <a:ext cx="1718159" cy="354699"/>
-          </a:xfrm>
-          <a:prstGeom prst="rect">
-            <a:avLst/>
-          </a:prstGeom>
-          <a:noFill/>
-        </p:spPr>
-        <p:style>
-          <a:lnRef idx="1">
-            <a:schemeClr val="accent1"/>
-          </a:lnRef>
-          <a:fillRef idx="3">
-            <a:schemeClr val="accent1"/>
-          </a:fillRef>
-          <a:effectRef idx="2">
-            <a:schemeClr val="accent1"/>
-          </a:effectRef>
-          <a:fontRef idx="minor">
-            <a:schemeClr val="lt1"/>
-          </a:fontRef>
-        </p:style>
-        <p:txBody>
-          <a:bodyPr rtlCol="0" anchor="ctr"/>
-          <a:lstStyle/>
-          <a:p>
-            <a:pPr algn="ctr"/>
-            <a:endParaRPr lang="en-US"/>
-          </a:p>
-        </p:txBody>
-      </p:sp>
-      <p:sp>
-        <p:nvSpPr>
-          <p:cNvPr id="82" name="TextBox 81"/>
-          <p:cNvSpPr txBox="1"/>
-          <p:nvPr/>
-        </p:nvSpPr>
-        <p:spPr>
-          <a:xfrm>
-            <a:off x="5590410" y="1845458"/>
-            <a:ext cx="1718159" cy="307777"/>
-          </a:xfrm>
-          <a:prstGeom prst="rect">
-            <a:avLst/>
-          </a:prstGeom>
-          <a:noFill/>
-        </p:spPr>
-        <p:txBody>
-          <a:bodyPr wrap="square" rtlCol="0">
-            <a:spAutoFit/>
-          </a:bodyPr>
-          <a:lstStyle/>
-          <a:p>
-            <a:r>
-              <a:rPr lang="en-US" sz="1400" dirty="0" err="1" smtClean="0">
+              <a:t>TopController</a:t>
+            </a:r>
+            <a:r>
+              <a:rPr lang="en-US" sz="1600" dirty="0" smtClean="0"/>
+              <a:t>&gt;)</a:t>
+            </a:r>
+            <a:br>
+              <a:rPr lang="en-US" sz="1600" dirty="0" smtClean="0"/>
+            </a:br>
+            <a:r>
+              <a:rPr lang="en-US" sz="1600" dirty="0" smtClean="0"/>
+              <a:t>“/</a:t>
+            </a:r>
+            <a:r>
+              <a:rPr lang="en-US" sz="1600" dirty="0" err="1" smtClean="0"/>
+              <a:t>dj</a:t>
+            </a:r>
+            <a:r>
+              <a:rPr lang="en-US" sz="1600" dirty="0" smtClean="0"/>
+              <a:t>”: </a:t>
+            </a:r>
+            <a:r>
+              <a:rPr lang="en-US" sz="1600" dirty="0" err="1" smtClean="0"/>
+              <a:t>splunkdj.management.commands.runwsgiserver.</a:t>
+            </a:r>
+            <a:r>
+              <a:rPr lang="en-US" sz="1600" dirty="0" err="1" smtClean="0">
                 <a:solidFill>
-                  <a:srgbClr val="008000"/>
+                  <a:srgbClr val="FF0000"/>
                 </a:solidFill>
               </a:rPr>
-              <a:t>Django</a:t>
-            </a:r>
-            <a:r>
-              <a:rPr lang="en-US" sz="1400" dirty="0" smtClean="0">
+              <a:t>LoggingWSGIHandler</a:t>
+            </a:r>
+            <a:r>
+              <a:rPr lang="en-US" sz="1600" dirty="0" smtClean="0"/>
+              <a:t/>
+            </a:r>
+            <a:br>
+              <a:rPr lang="en-US" sz="1600" dirty="0" smtClean="0"/>
+            </a:br>
+            <a:r>
+              <a:rPr lang="en-US" sz="1600" dirty="0" smtClean="0"/>
+              <a:t>“/</a:t>
+            </a:r>
+            <a:r>
+              <a:rPr lang="en-US" sz="1600" dirty="0" err="1" smtClean="0"/>
+              <a:t>dj</a:t>
+            </a:r>
+            <a:r>
+              <a:rPr lang="en-US" sz="1600" dirty="0" smtClean="0"/>
+              <a:t>/static”: splunkdj.management.commands.wsgiserver.mediahandler.</a:t>
+            </a:r>
+            <a:r>
+              <a:rPr lang="en-US" sz="1600" dirty="0" smtClean="0">
                 <a:solidFill>
-                  <a:srgbClr val="008000"/>
+                  <a:srgbClr val="FF0000"/>
                 </a:solidFill>
               </a:rPr>
-              <a:t> </a:t>
-            </a:r>
-            <a:r>
-              <a:rPr lang="en-US" sz="1400" dirty="0" err="1" smtClean="0">
-                <a:solidFill>
-                  <a:srgbClr val="008000"/>
-                </a:solidFill>
-              </a:rPr>
-              <a:t>WSGIHandler</a:t>
-            </a:r>
-            <a:endParaRPr lang="en-US" sz="1400" dirty="0">
-              <a:solidFill>
-                <a:srgbClr val="008000"/>
-              </a:solidFill>
-            </a:endParaRPr>
-          </a:p>
-        </p:txBody>
-      </p:sp>
-      <p:cxnSp>
-        <p:nvCxnSpPr>
-          <p:cNvPr id="84" name="Straight Arrow Connector 83"/>
-          <p:cNvCxnSpPr/>
-          <p:nvPr/>
-        </p:nvCxnSpPr>
-        <p:spPr>
-          <a:xfrm>
-            <a:off x="6264175" y="1455808"/>
-            <a:ext cx="0" cy="374263"/>
-          </a:xfrm>
-          <a:prstGeom prst="straightConnector1">
-            <a:avLst/>
-          </a:prstGeom>
-          <a:ln>
-            <a:tailEnd type="arrow"/>
-          </a:ln>
-        </p:spPr>
-        <p:style>
-          <a:lnRef idx="2">
-            <a:schemeClr val="accent1"/>
-          </a:lnRef>
-          <a:fillRef idx="0">
-            <a:schemeClr val="accent1"/>
-          </a:fillRef>
-          <a:effectRef idx="1">
-            <a:schemeClr val="accent1"/>
-          </a:effectRef>
-          <a:fontRef idx="minor">
-            <a:schemeClr val="tx1"/>
-          </a:fontRef>
-        </p:style>
-      </p:cxnSp>
-      <p:sp>
-        <p:nvSpPr>
-          <p:cNvPr id="85" name="Rectangle 84"/>
-          <p:cNvSpPr/>
-          <p:nvPr/>
-        </p:nvSpPr>
-        <p:spPr>
-          <a:xfrm>
-            <a:off x="5268616" y="2598587"/>
-            <a:ext cx="2174557" cy="354699"/>
-          </a:xfrm>
-          <a:prstGeom prst="rect">
-            <a:avLst/>
-          </a:prstGeom>
-          <a:noFill/>
-        </p:spPr>
-        <p:style>
-          <a:lnRef idx="1">
-            <a:schemeClr val="accent1"/>
-          </a:lnRef>
-          <a:fillRef idx="3">
-            <a:schemeClr val="accent1"/>
-          </a:fillRef>
-          <a:effectRef idx="2">
-            <a:schemeClr val="accent1"/>
-          </a:effectRef>
-          <a:fontRef idx="minor">
-            <a:schemeClr val="lt1"/>
-          </a:fontRef>
-        </p:style>
-        <p:txBody>
-          <a:bodyPr rtlCol="0" anchor="ctr"/>
-          <a:lstStyle/>
-          <a:p>
-            <a:pPr algn="ctr"/>
-            <a:endParaRPr lang="en-US"/>
-          </a:p>
-        </p:txBody>
-      </p:sp>
-      <p:sp>
-        <p:nvSpPr>
-          <p:cNvPr id="86" name="TextBox 85"/>
-          <p:cNvSpPr txBox="1"/>
-          <p:nvPr/>
-        </p:nvSpPr>
-        <p:spPr>
-          <a:xfrm>
-            <a:off x="5268616" y="2598587"/>
-            <a:ext cx="2085884" cy="307777"/>
-          </a:xfrm>
-          <a:prstGeom prst="rect">
-            <a:avLst/>
-          </a:prstGeom>
-          <a:noFill/>
-        </p:spPr>
-        <p:txBody>
-          <a:bodyPr wrap="square" rtlCol="0">
-            <a:spAutoFit/>
-          </a:bodyPr>
-          <a:lstStyle/>
-          <a:p>
-            <a:pPr algn="ctr"/>
-            <a:r>
-              <a:rPr lang="en-US" sz="1400" dirty="0" smtClean="0"/>
-              <a:t>Our app </a:t>
-            </a:r>
-            <a:r>
-              <a:rPr lang="en-US" sz="1400" dirty="0" err="1" smtClean="0"/>
-              <a:t>django</a:t>
-            </a:r>
-            <a:r>
-              <a:rPr lang="en-US" sz="1400" dirty="0" smtClean="0"/>
-              <a:t> templates</a:t>
-            </a:r>
-            <a:endParaRPr lang="en-US" sz="1400" dirty="0"/>
-          </a:p>
-        </p:txBody>
-      </p:sp>
-      <p:sp>
-        <p:nvSpPr>
-          <p:cNvPr id="88" name="TextBox 87"/>
-          <p:cNvSpPr txBox="1"/>
-          <p:nvPr/>
-        </p:nvSpPr>
-        <p:spPr>
-          <a:xfrm>
-            <a:off x="5430507" y="3521956"/>
-            <a:ext cx="914067" cy="276999"/>
-          </a:xfrm>
-          <a:prstGeom prst="rect">
-            <a:avLst/>
-          </a:prstGeom>
-          <a:noFill/>
-        </p:spPr>
-        <p:txBody>
-          <a:bodyPr wrap="square" rtlCol="0">
-            <a:spAutoFit/>
-          </a:bodyPr>
-          <a:lstStyle/>
-          <a:p>
-            <a:r>
-              <a:rPr lang="en-US" sz="1200" b="1" dirty="0" smtClean="0"/>
-              <a:t>HTML + JS </a:t>
-            </a:r>
-            <a:endParaRPr lang="en-US" sz="1200" b="1" dirty="0"/>
-          </a:p>
-        </p:txBody>
-      </p:sp>
-      <p:sp>
-        <p:nvSpPr>
-          <p:cNvPr id="89" name="TextBox 88"/>
-          <p:cNvSpPr txBox="1"/>
-          <p:nvPr/>
-        </p:nvSpPr>
-        <p:spPr>
-          <a:xfrm>
-            <a:off x="7676294" y="673624"/>
-            <a:ext cx="989219" cy="276999"/>
-          </a:xfrm>
-          <a:prstGeom prst="rect">
-            <a:avLst/>
-          </a:prstGeom>
-          <a:noFill/>
-        </p:spPr>
-        <p:txBody>
-          <a:bodyPr wrap="square" rtlCol="0">
-            <a:spAutoFit/>
-          </a:bodyPr>
-          <a:lstStyle/>
-          <a:p>
-            <a:r>
-              <a:rPr lang="en-US" sz="1200" dirty="0" smtClean="0"/>
-              <a:t>/</a:t>
-            </a:r>
-            <a:r>
-              <a:rPr lang="en-US" sz="1200" dirty="0" err="1" smtClean="0"/>
-              <a:t>dj</a:t>
-            </a:r>
-            <a:r>
-              <a:rPr lang="en-US" sz="1200" dirty="0" smtClean="0"/>
-              <a:t>/static</a:t>
-            </a:r>
-            <a:endParaRPr lang="en-US" sz="1200" dirty="0"/>
-          </a:p>
-        </p:txBody>
-      </p:sp>
-      <p:sp>
-        <p:nvSpPr>
-          <p:cNvPr id="90" name="Rectangle 89"/>
-          <p:cNvSpPr/>
-          <p:nvPr/>
-        </p:nvSpPr>
-        <p:spPr>
-          <a:xfrm>
-            <a:off x="7017692" y="3499345"/>
-            <a:ext cx="1965443" cy="354699"/>
-          </a:xfrm>
-          <a:prstGeom prst="rect">
-            <a:avLst/>
-          </a:prstGeom>
-          <a:noFill/>
-        </p:spPr>
-        <p:style>
-          <a:lnRef idx="1">
-            <a:schemeClr val="accent1"/>
-          </a:lnRef>
-          <a:fillRef idx="3">
-            <a:schemeClr val="accent1"/>
-          </a:fillRef>
-          <a:effectRef idx="2">
-            <a:schemeClr val="accent1"/>
-          </a:effectRef>
-          <a:fontRef idx="minor">
-            <a:schemeClr val="lt1"/>
-          </a:fontRef>
-        </p:style>
-        <p:txBody>
-          <a:bodyPr rtlCol="0" anchor="ctr"/>
-          <a:lstStyle/>
-          <a:p>
-            <a:pPr algn="ctr"/>
-            <a:endParaRPr lang="en-US"/>
-          </a:p>
-        </p:txBody>
-      </p:sp>
-      <p:sp>
-        <p:nvSpPr>
-          <p:cNvPr id="91" name="TextBox 90"/>
-          <p:cNvSpPr txBox="1"/>
-          <p:nvPr/>
-        </p:nvSpPr>
-        <p:spPr>
-          <a:xfrm>
-            <a:off x="7017692" y="3499345"/>
-            <a:ext cx="2085884" cy="307777"/>
-          </a:xfrm>
-          <a:prstGeom prst="rect">
-            <a:avLst/>
-          </a:prstGeom>
-          <a:noFill/>
-        </p:spPr>
-        <p:txBody>
-          <a:bodyPr wrap="square" rtlCol="0">
-            <a:spAutoFit/>
-          </a:bodyPr>
-          <a:lstStyle/>
-          <a:p>
-            <a:r>
-              <a:rPr lang="en-US" sz="1400" dirty="0" err="1" smtClean="0">
-                <a:solidFill>
-                  <a:srgbClr val="008000"/>
-                </a:solidFill>
-              </a:rPr>
-              <a:t>Django</a:t>
-            </a:r>
-            <a:r>
-              <a:rPr lang="en-US" sz="1400" dirty="0" smtClean="0">
-                <a:solidFill>
-                  <a:srgbClr val="008000"/>
-                </a:solidFill>
-              </a:rPr>
-              <a:t> templates engine</a:t>
-            </a:r>
-            <a:endParaRPr lang="en-US" sz="1400" dirty="0">
-              <a:solidFill>
-                <a:srgbClr val="008000"/>
-              </a:solidFill>
-            </a:endParaRPr>
-          </a:p>
-        </p:txBody>
-      </p:sp>
-      <p:cxnSp>
-        <p:nvCxnSpPr>
-          <p:cNvPr id="93" name="Straight Arrow Connector 92"/>
-          <p:cNvCxnSpPr/>
-          <p:nvPr/>
-        </p:nvCxnSpPr>
-        <p:spPr>
-          <a:xfrm>
-            <a:off x="6277068" y="2184769"/>
-            <a:ext cx="0" cy="448612"/>
-          </a:xfrm>
-          <a:prstGeom prst="straightConnector1">
-            <a:avLst/>
-          </a:prstGeom>
-          <a:ln>
-            <a:tailEnd type="arrow"/>
-          </a:ln>
-        </p:spPr>
-        <p:style>
-          <a:lnRef idx="2">
-            <a:schemeClr val="accent1"/>
-          </a:lnRef>
-          <a:fillRef idx="0">
-            <a:schemeClr val="accent1"/>
-          </a:fillRef>
-          <a:effectRef idx="1">
-            <a:schemeClr val="accent1"/>
-          </a:effectRef>
-          <a:fontRef idx="minor">
-            <a:schemeClr val="tx1"/>
-          </a:fontRef>
-        </p:style>
-      </p:cxnSp>
-      <p:cxnSp>
-        <p:nvCxnSpPr>
-          <p:cNvPr id="96" name="Straight Arrow Connector 95"/>
-          <p:cNvCxnSpPr/>
-          <p:nvPr/>
-        </p:nvCxnSpPr>
-        <p:spPr>
-          <a:xfrm flipH="1" flipV="1">
-            <a:off x="6837611" y="2977918"/>
-            <a:ext cx="470958" cy="545342"/>
-          </a:xfrm>
-          <a:prstGeom prst="straightConnector1">
-            <a:avLst/>
-          </a:prstGeom>
-          <a:ln>
-            <a:tailEnd type="arrow"/>
-          </a:ln>
-        </p:spPr>
-        <p:style>
-          <a:lnRef idx="2">
-            <a:schemeClr val="accent1"/>
-          </a:lnRef>
-          <a:fillRef idx="0">
-            <a:schemeClr val="accent1"/>
-          </a:fillRef>
-          <a:effectRef idx="1">
-            <a:schemeClr val="accent1"/>
-          </a:effectRef>
-          <a:fontRef idx="minor">
-            <a:schemeClr val="tx1"/>
-          </a:fontRef>
-        </p:style>
-      </p:cxnSp>
-      <p:sp>
-        <p:nvSpPr>
-          <p:cNvPr id="104" name="Magnetic Disk 103"/>
-          <p:cNvSpPr/>
-          <p:nvPr/>
-        </p:nvSpPr>
-        <p:spPr>
-          <a:xfrm>
-            <a:off x="8170903" y="5799439"/>
-            <a:ext cx="701524" cy="633003"/>
-          </a:xfrm>
-          <a:prstGeom prst="flowChartMagneticDisk">
-            <a:avLst/>
-          </a:prstGeom>
-        </p:spPr>
-        <p:style>
-          <a:lnRef idx="1">
-            <a:schemeClr val="accent1"/>
-          </a:lnRef>
-          <a:fillRef idx="3">
-            <a:schemeClr val="accent1"/>
-          </a:fillRef>
-          <a:effectRef idx="2">
-            <a:schemeClr val="accent1"/>
-          </a:effectRef>
-          <a:fontRef idx="minor">
-            <a:schemeClr val="lt1"/>
-          </a:fontRef>
-        </p:style>
-        <p:txBody>
-          <a:bodyPr rtlCol="0" anchor="ctr"/>
-          <a:lstStyle/>
-          <a:p>
-            <a:pPr algn="ctr"/>
-            <a:endParaRPr lang="en-US"/>
-          </a:p>
-        </p:txBody>
-      </p:sp>
-      <p:sp>
-        <p:nvSpPr>
-          <p:cNvPr id="105" name="TextBox 104"/>
-          <p:cNvSpPr txBox="1"/>
-          <p:nvPr/>
-        </p:nvSpPr>
-        <p:spPr>
-          <a:xfrm>
-            <a:off x="7978256" y="5527327"/>
-            <a:ext cx="989219" cy="276999"/>
-          </a:xfrm>
-          <a:prstGeom prst="rect">
-            <a:avLst/>
-          </a:prstGeom>
-          <a:noFill/>
-        </p:spPr>
-        <p:txBody>
-          <a:bodyPr wrap="square" rtlCol="0">
-            <a:spAutoFit/>
-          </a:bodyPr>
-          <a:lstStyle/>
-          <a:p>
-            <a:pPr algn="ctr"/>
-            <a:r>
-              <a:rPr lang="en-US" sz="1200" dirty="0" err="1" smtClean="0"/>
-              <a:t>splunkd</a:t>
-            </a:r>
-            <a:endParaRPr lang="en-US" sz="1200" dirty="0"/>
-          </a:p>
-        </p:txBody>
-      </p:sp>
-      <p:cxnSp>
-        <p:nvCxnSpPr>
-          <p:cNvPr id="117" name="Curved Connector 116"/>
-          <p:cNvCxnSpPr>
-            <a:stCxn id="39" idx="2"/>
-            <a:endCxn id="124" idx="0"/>
-          </p:cNvCxnSpPr>
-          <p:nvPr/>
-        </p:nvCxnSpPr>
-        <p:spPr>
-          <a:xfrm rot="5400000">
-            <a:off x="6104487" y="5726894"/>
-            <a:ext cx="439652" cy="40521"/>
-          </a:xfrm>
-          <a:prstGeom prst="curvedConnector3">
-            <a:avLst>
-              <a:gd name="adj1" fmla="val 50000"/>
-            </a:avLst>
-          </a:prstGeom>
-          <a:ln>
-            <a:tailEnd type="arrow"/>
-          </a:ln>
-        </p:spPr>
-        <p:style>
-          <a:lnRef idx="2">
-            <a:schemeClr val="accent1"/>
-          </a:lnRef>
-          <a:fillRef idx="0">
-            <a:schemeClr val="accent1"/>
-          </a:fillRef>
-          <a:effectRef idx="1">
-            <a:schemeClr val="accent1"/>
-          </a:effectRef>
-          <a:fontRef idx="minor">
-            <a:schemeClr val="tx1"/>
-          </a:fontRef>
-        </p:style>
-      </p:cxnSp>
-      <p:sp>
-        <p:nvSpPr>
-          <p:cNvPr id="118" name="TextBox 117"/>
-          <p:cNvSpPr txBox="1"/>
-          <p:nvPr/>
-        </p:nvSpPr>
-        <p:spPr>
-          <a:xfrm>
-            <a:off x="7017692" y="5838942"/>
-            <a:ext cx="1123328" cy="276999"/>
-          </a:xfrm>
-          <a:prstGeom prst="rect">
-            <a:avLst/>
-          </a:prstGeom>
-          <a:noFill/>
-        </p:spPr>
-        <p:txBody>
-          <a:bodyPr wrap="square" rtlCol="0">
-            <a:spAutoFit/>
-          </a:bodyPr>
-          <a:lstStyle/>
-          <a:p>
-            <a:pPr algn="ctr"/>
-            <a:r>
-              <a:rPr lang="en-US" sz="1200" dirty="0" err="1" smtClean="0"/>
-              <a:t>RESTEndpoint</a:t>
-            </a:r>
-            <a:endParaRPr lang="en-US" sz="1200" dirty="0"/>
-          </a:p>
-        </p:txBody>
-      </p:sp>
-      <p:sp>
-        <p:nvSpPr>
-          <p:cNvPr id="124" name="Rectangle 123"/>
-          <p:cNvSpPr/>
-          <p:nvPr/>
-        </p:nvSpPr>
-        <p:spPr>
-          <a:xfrm>
-            <a:off x="5590410" y="5966980"/>
-            <a:ext cx="1427284" cy="354698"/>
-          </a:xfrm>
-          <a:prstGeom prst="rect">
-            <a:avLst/>
-          </a:prstGeom>
-          <a:noFill/>
-        </p:spPr>
-        <p:style>
-          <a:lnRef idx="1">
-            <a:schemeClr val="accent1"/>
-          </a:lnRef>
-          <a:fillRef idx="3">
-            <a:schemeClr val="accent1"/>
-          </a:fillRef>
-          <a:effectRef idx="2">
-            <a:schemeClr val="accent1"/>
-          </a:effectRef>
-          <a:fontRef idx="minor">
-            <a:schemeClr val="lt1"/>
-          </a:fontRef>
-        </p:style>
-        <p:txBody>
-          <a:bodyPr rtlCol="0" anchor="ctr"/>
-          <a:lstStyle/>
-          <a:p>
-            <a:pPr algn="ctr"/>
-            <a:endParaRPr lang="en-US"/>
-          </a:p>
-        </p:txBody>
-      </p:sp>
-      <p:sp>
-        <p:nvSpPr>
-          <p:cNvPr id="125" name="TextBox 124"/>
-          <p:cNvSpPr txBox="1"/>
-          <p:nvPr/>
-        </p:nvSpPr>
-        <p:spPr>
-          <a:xfrm>
-            <a:off x="5671453" y="5966980"/>
-            <a:ext cx="1346240" cy="307777"/>
-          </a:xfrm>
-          <a:prstGeom prst="rect">
-            <a:avLst/>
-          </a:prstGeom>
-          <a:noFill/>
-        </p:spPr>
-        <p:txBody>
-          <a:bodyPr wrap="square" rtlCol="0">
-            <a:spAutoFit/>
-          </a:bodyPr>
-          <a:lstStyle/>
-          <a:p>
-            <a:pPr algn="ctr"/>
-            <a:r>
-              <a:rPr lang="en-US" sz="1400" dirty="0" smtClean="0"/>
-              <a:t>rest</a:t>
-            </a:r>
-            <a:endParaRPr lang="en-US" sz="1400" dirty="0"/>
-          </a:p>
-        </p:txBody>
-      </p:sp>
-      <p:cxnSp>
-        <p:nvCxnSpPr>
-          <p:cNvPr id="132" name="Straight Arrow Connector 131"/>
-          <p:cNvCxnSpPr>
-            <a:stCxn id="125" idx="3"/>
-            <a:endCxn id="104" idx="2"/>
-          </p:cNvCxnSpPr>
-          <p:nvPr/>
-        </p:nvCxnSpPr>
-        <p:spPr>
-          <a:xfrm flipV="1">
-            <a:off x="7017693" y="6115941"/>
-            <a:ext cx="1153210" cy="4928"/>
-          </a:xfrm>
-          <a:prstGeom prst="straightConnector1">
-            <a:avLst/>
-          </a:prstGeom>
-          <a:ln>
-            <a:tailEnd type="arrow"/>
-          </a:ln>
-        </p:spPr>
-        <p:style>
-          <a:lnRef idx="2">
-            <a:schemeClr val="accent1"/>
-          </a:lnRef>
-          <a:fillRef idx="0">
-            <a:schemeClr val="accent1"/>
-          </a:fillRef>
-          <a:effectRef idx="1">
-            <a:schemeClr val="accent1"/>
-          </a:effectRef>
-          <a:fontRef idx="minor">
-            <a:schemeClr val="tx1"/>
-          </a:fontRef>
-        </p:style>
-      </p:cxnSp>
-      <p:sp>
-        <p:nvSpPr>
-          <p:cNvPr id="142" name="Left Brace 141"/>
-          <p:cNvSpPr/>
-          <p:nvPr/>
-        </p:nvSpPr>
-        <p:spPr>
-          <a:xfrm>
-            <a:off x="1479117" y="1983960"/>
-            <a:ext cx="607967" cy="3766372"/>
-          </a:xfrm>
-          <a:prstGeom prst="leftBrace">
-            <a:avLst/>
-          </a:prstGeom>
-        </p:spPr>
-        <p:style>
-          <a:lnRef idx="2">
-            <a:schemeClr val="accent1"/>
-          </a:lnRef>
-          <a:fillRef idx="0">
-            <a:schemeClr val="accent1"/>
-          </a:fillRef>
-          <a:effectRef idx="1">
-            <a:schemeClr val="accent1"/>
-          </a:effectRef>
-          <a:fontRef idx="minor">
-            <a:schemeClr val="tx1"/>
-          </a:fontRef>
-        </p:style>
-        <p:txBody>
-          <a:bodyPr rtlCol="0" anchor="ctr"/>
-          <a:lstStyle/>
-          <a:p>
-            <a:pPr algn="ctr"/>
-            <a:endParaRPr lang="en-US"/>
-          </a:p>
-        </p:txBody>
-      </p:sp>
-      <p:sp>
-        <p:nvSpPr>
-          <p:cNvPr id="147" name="Rectangle 146"/>
-          <p:cNvSpPr/>
-          <p:nvPr/>
-        </p:nvSpPr>
-        <p:spPr>
-          <a:xfrm>
-            <a:off x="79923" y="3617788"/>
-            <a:ext cx="1399194" cy="568639"/>
-          </a:xfrm>
-          <a:prstGeom prst="rect">
-            <a:avLst/>
-          </a:prstGeom>
-          <a:noFill/>
-        </p:spPr>
-        <p:style>
-          <a:lnRef idx="1">
-            <a:schemeClr val="accent1"/>
-          </a:lnRef>
-          <a:fillRef idx="3">
-            <a:schemeClr val="accent1"/>
-          </a:fillRef>
-          <a:effectRef idx="2">
-            <a:schemeClr val="accent1"/>
-          </a:effectRef>
-          <a:fontRef idx="minor">
-            <a:schemeClr val="lt1"/>
-          </a:fontRef>
-        </p:style>
-        <p:txBody>
-          <a:bodyPr rtlCol="0" anchor="ctr"/>
-          <a:lstStyle/>
-          <a:p>
-            <a:pPr algn="ctr"/>
-            <a:endParaRPr lang="en-US"/>
-          </a:p>
-        </p:txBody>
-      </p:sp>
-      <p:sp>
-        <p:nvSpPr>
-          <p:cNvPr id="148" name="TextBox 147"/>
-          <p:cNvSpPr txBox="1"/>
-          <p:nvPr/>
-        </p:nvSpPr>
-        <p:spPr>
-          <a:xfrm>
-            <a:off x="79923" y="3648566"/>
-            <a:ext cx="1399194" cy="523220"/>
-          </a:xfrm>
-          <a:prstGeom prst="rect">
-            <a:avLst/>
-          </a:prstGeom>
-          <a:noFill/>
-        </p:spPr>
-        <p:txBody>
-          <a:bodyPr wrap="square" rtlCol="0">
-            <a:spAutoFit/>
-          </a:bodyPr>
-          <a:lstStyle/>
-          <a:p>
-            <a:pPr algn="ctr"/>
-            <a:r>
-              <a:rPr lang="en-US" sz="1400" dirty="0" smtClean="0"/>
-              <a:t>Splunk </a:t>
-            </a:r>
-            <a:r>
-              <a:rPr lang="en-US" sz="1400" dirty="0" err="1" smtClean="0"/>
-              <a:t>Mako</a:t>
-            </a:r>
-            <a:r>
-              <a:rPr lang="en-US" sz="1400" dirty="0" smtClean="0"/>
-              <a:t> </a:t>
-            </a:r>
-          </a:p>
-          <a:p>
-            <a:pPr algn="ctr"/>
-            <a:r>
-              <a:rPr lang="en-US" sz="1400" dirty="0" smtClean="0"/>
-              <a:t>templates</a:t>
-            </a:r>
-            <a:endParaRPr lang="en-US" sz="1400" dirty="0"/>
-          </a:p>
-        </p:txBody>
-      </p:sp>
-      <p:sp>
-        <p:nvSpPr>
-          <p:cNvPr id="149" name="Rectangle 148"/>
-          <p:cNvSpPr/>
-          <p:nvPr/>
-        </p:nvSpPr>
-        <p:spPr>
-          <a:xfrm>
-            <a:off x="97329" y="2526321"/>
-            <a:ext cx="1381788" cy="549794"/>
-          </a:xfrm>
-          <a:prstGeom prst="rect">
-            <a:avLst/>
-          </a:prstGeom>
-          <a:noFill/>
-        </p:spPr>
-        <p:style>
-          <a:lnRef idx="1">
-            <a:schemeClr val="accent1"/>
-          </a:lnRef>
-          <a:fillRef idx="3">
-            <a:schemeClr val="accent1"/>
-          </a:fillRef>
-          <a:effectRef idx="2">
-            <a:schemeClr val="accent1"/>
-          </a:effectRef>
-          <a:fontRef idx="minor">
-            <a:schemeClr val="lt1"/>
-          </a:fontRef>
-        </p:style>
-        <p:txBody>
-          <a:bodyPr rtlCol="0" anchor="ctr"/>
-          <a:lstStyle/>
-          <a:p>
-            <a:pPr algn="ctr"/>
-            <a:endParaRPr lang="en-US"/>
-          </a:p>
-        </p:txBody>
-      </p:sp>
-      <p:sp>
-        <p:nvSpPr>
-          <p:cNvPr id="150" name="TextBox 149"/>
-          <p:cNvSpPr txBox="1"/>
-          <p:nvPr/>
-        </p:nvSpPr>
-        <p:spPr>
-          <a:xfrm>
-            <a:off x="84674" y="2552894"/>
-            <a:ext cx="1394443" cy="523220"/>
-          </a:xfrm>
-          <a:prstGeom prst="rect">
-            <a:avLst/>
-          </a:prstGeom>
-          <a:noFill/>
-        </p:spPr>
-        <p:txBody>
-          <a:bodyPr wrap="square" rtlCol="0">
-            <a:spAutoFit/>
-          </a:bodyPr>
-          <a:lstStyle/>
-          <a:p>
-            <a:pPr algn="ctr"/>
-            <a:r>
-              <a:rPr lang="en-US" sz="1400" dirty="0" err="1" smtClean="0">
-                <a:solidFill>
-                  <a:srgbClr val="008000"/>
-                </a:solidFill>
-              </a:rPr>
-              <a:t>Mako</a:t>
-            </a:r>
-            <a:r>
-              <a:rPr lang="en-US" sz="1400" dirty="0" smtClean="0">
-                <a:solidFill>
-                  <a:srgbClr val="008000"/>
-                </a:solidFill>
-              </a:rPr>
-              <a:t> templates engine</a:t>
-            </a:r>
-            <a:endParaRPr lang="en-US" sz="1400" dirty="0">
-              <a:solidFill>
-                <a:srgbClr val="008000"/>
-              </a:solidFill>
-            </a:endParaRPr>
-          </a:p>
-        </p:txBody>
-      </p:sp>
-      <p:cxnSp>
-        <p:nvCxnSpPr>
-          <p:cNvPr id="152" name="Straight Arrow Connector 151"/>
-          <p:cNvCxnSpPr>
-            <a:stCxn id="149" idx="2"/>
-            <a:endCxn id="147" idx="0"/>
-          </p:cNvCxnSpPr>
-          <p:nvPr/>
-        </p:nvCxnSpPr>
-        <p:spPr>
-          <a:xfrm flipH="1">
-            <a:off x="779520" y="3076115"/>
-            <a:ext cx="8703" cy="541673"/>
-          </a:xfrm>
-          <a:prstGeom prst="straightConnector1">
-            <a:avLst/>
-          </a:prstGeom>
-          <a:ln>
-            <a:tailEnd type="arrow"/>
-          </a:ln>
-        </p:spPr>
-        <p:style>
-          <a:lnRef idx="2">
-            <a:schemeClr val="accent1"/>
-          </a:lnRef>
-          <a:fillRef idx="0">
-            <a:schemeClr val="accent1"/>
-          </a:fillRef>
-          <a:effectRef idx="1">
-            <a:schemeClr val="accent1"/>
-          </a:effectRef>
-          <a:fontRef idx="minor">
-            <a:schemeClr val="tx1"/>
-          </a:fontRef>
-        </p:style>
-      </p:cxnSp>
-      <p:cxnSp>
-        <p:nvCxnSpPr>
-          <p:cNvPr id="154" name="Curved Connector 153"/>
-          <p:cNvCxnSpPr>
-            <a:endCxn id="124" idx="1"/>
-          </p:cNvCxnSpPr>
-          <p:nvPr/>
-        </p:nvCxnSpPr>
-        <p:spPr>
-          <a:xfrm>
-            <a:off x="1752433" y="5421065"/>
-            <a:ext cx="3837977" cy="723264"/>
-          </a:xfrm>
-          <a:prstGeom prst="curvedConnector3">
-            <a:avLst>
-              <a:gd name="adj1" fmla="val -9903"/>
-            </a:avLst>
-          </a:prstGeom>
-          <a:ln>
-            <a:tailEnd type="arrow"/>
-          </a:ln>
-        </p:spPr>
-        <p:style>
-          <a:lnRef idx="2">
-            <a:schemeClr val="accent1"/>
-          </a:lnRef>
-          <a:fillRef idx="0">
-            <a:schemeClr val="accent1"/>
-          </a:fillRef>
-          <a:effectRef idx="1">
-            <a:schemeClr val="accent1"/>
-          </a:effectRef>
-          <a:fontRef idx="minor">
-            <a:schemeClr val="tx1"/>
-          </a:fontRef>
-        </p:style>
-      </p:cxnSp>
-      <p:sp>
-        <p:nvSpPr>
-          <p:cNvPr id="167" name="TextBox 166"/>
-          <p:cNvSpPr txBox="1"/>
-          <p:nvPr/>
-        </p:nvSpPr>
-        <p:spPr>
-          <a:xfrm>
-            <a:off x="322486" y="1877371"/>
-            <a:ext cx="914067" cy="276999"/>
-          </a:xfrm>
-          <a:prstGeom prst="rect">
-            <a:avLst/>
-          </a:prstGeom>
-          <a:noFill/>
-        </p:spPr>
-        <p:txBody>
-          <a:bodyPr wrap="square" rtlCol="0">
-            <a:spAutoFit/>
-          </a:bodyPr>
-          <a:lstStyle/>
-          <a:p>
-            <a:r>
-              <a:rPr lang="en-US" sz="1200" b="1" dirty="0" smtClean="0"/>
-              <a:t>HTML + JS </a:t>
-            </a:r>
-            <a:endParaRPr lang="en-US" sz="1200" b="1" dirty="0"/>
-          </a:p>
-        </p:txBody>
-      </p:sp>
-      <p:cxnSp>
-        <p:nvCxnSpPr>
-          <p:cNvPr id="171" name="Straight Arrow Connector 170"/>
-          <p:cNvCxnSpPr>
-            <a:stCxn id="90" idx="1"/>
-            <a:endCxn id="88" idx="3"/>
-          </p:cNvCxnSpPr>
-          <p:nvPr/>
-        </p:nvCxnSpPr>
-        <p:spPr>
-          <a:xfrm flipH="1" flipV="1">
-            <a:off x="6344574" y="3660456"/>
-            <a:ext cx="673118" cy="16239"/>
-          </a:xfrm>
-          <a:prstGeom prst="straightConnector1">
-            <a:avLst/>
-          </a:prstGeom>
-          <a:ln>
-            <a:tailEnd type="arrow"/>
-          </a:ln>
-        </p:spPr>
-        <p:style>
-          <a:lnRef idx="2">
-            <a:schemeClr val="accent1"/>
-          </a:lnRef>
-          <a:fillRef idx="0">
-            <a:schemeClr val="accent1"/>
-          </a:fillRef>
-          <a:effectRef idx="1">
-            <a:schemeClr val="accent1"/>
-          </a:effectRef>
-          <a:fontRef idx="minor">
-            <a:schemeClr val="tx1"/>
-          </a:fontRef>
-        </p:style>
-      </p:cxnSp>
-      <p:cxnSp>
-        <p:nvCxnSpPr>
-          <p:cNvPr id="176" name="Straight Arrow Connector 175"/>
-          <p:cNvCxnSpPr>
-            <a:stCxn id="149" idx="0"/>
-            <a:endCxn id="167" idx="2"/>
-          </p:cNvCxnSpPr>
-          <p:nvPr/>
-        </p:nvCxnSpPr>
-        <p:spPr>
-          <a:xfrm flipH="1" flipV="1">
-            <a:off x="779520" y="2154370"/>
-            <a:ext cx="8703" cy="371951"/>
-          </a:xfrm>
-          <a:prstGeom prst="straightConnector1">
-            <a:avLst/>
-          </a:prstGeom>
-          <a:ln>
-            <a:tailEnd type="arrow"/>
-          </a:ln>
-        </p:spPr>
-        <p:style>
-          <a:lnRef idx="2">
-            <a:schemeClr val="accent1"/>
-          </a:lnRef>
-          <a:fillRef idx="0">
-            <a:schemeClr val="accent1"/>
-          </a:fillRef>
-          <a:effectRef idx="1">
-            <a:schemeClr val="accent1"/>
-          </a:effectRef>
-          <a:fontRef idx="minor">
-            <a:schemeClr val="tx1"/>
-          </a:fontRef>
-        </p:style>
-      </p:cxnSp>
+              <a:t>MediaHandler</a:t>
+            </a:r>
+            <a:r>
+              <a:rPr lang="en-US" sz="1600" dirty="0" smtClean="0"/>
+              <a:t/>
+            </a:r>
+            <a:br>
+              <a:rPr lang="en-US" sz="1600" dirty="0" smtClean="0"/>
+            </a:br>
+            <a:r>
+              <a:rPr lang="en-US" sz="1800" dirty="0" smtClean="0"/>
+              <a:t>}</a:t>
+            </a:r>
+          </a:p>
+        </p:txBody>
+      </p:sp>
     </p:spTree>
     <p:extLst>
       <p:ext uri="{BB962C8B-B14F-4D97-AF65-F5344CB8AC3E}">
-        <p14:creationId xmlns:p14="http://schemas.microsoft.com/office/powerpoint/2010/main" val="2841128578"/>
+        <p14:creationId xmlns:p14="http://schemas.microsoft.com/office/powerpoint/2010/main" val="2713787464"/>
       </p:ext>
     </p:extLst>
   </p:cSld>
@@ -7017,136 +4718,2832 @@
       </p:grpSpPr>
       <p:sp>
         <p:nvSpPr>
-          <p:cNvPr id="2" name="Title 1"/>
-          <p:cNvSpPr>
-            <a:spLocks noGrp="1"/>
-          </p:cNvSpPr>
-          <p:nvPr>
-            <p:ph type="title"/>
-          </p:nvPr>
-        </p:nvSpPr>
-        <p:spPr/>
-        <p:txBody>
-          <a:bodyPr/>
-          <a:lstStyle/>
-          <a:p>
-            <a:r>
-              <a:rPr lang="en-US" dirty="0" smtClean="0"/>
-              <a:t>Cache &amp; decorator</a:t>
-            </a:r>
-            <a:endParaRPr lang="en-US" dirty="0"/>
-          </a:p>
-        </p:txBody>
-      </p:sp>
-      <p:sp>
-        <p:nvSpPr>
-          <p:cNvPr id="3" name="Content Placeholder 2"/>
-          <p:cNvSpPr>
-            <a:spLocks noGrp="1"/>
-          </p:cNvSpPr>
-          <p:nvPr>
-            <p:ph idx="1"/>
-          </p:nvPr>
-        </p:nvSpPr>
-        <p:spPr/>
-        <p:txBody>
-          <a:bodyPr>
-            <a:normAutofit/>
+          <p:cNvPr id="5" name="Rectangle 4"/>
+          <p:cNvSpPr/>
+          <p:nvPr/>
+        </p:nvSpPr>
+        <p:spPr>
+          <a:xfrm>
+            <a:off x="4099445" y="1101108"/>
+            <a:ext cx="1195557" cy="354699"/>
+          </a:xfrm>
+          <a:prstGeom prst="rect">
+            <a:avLst/>
+          </a:prstGeom>
+          <a:noFill/>
+        </p:spPr>
+        <p:style>
+          <a:lnRef idx="1">
+            <a:schemeClr val="accent1"/>
+          </a:lnRef>
+          <a:fillRef idx="3">
+            <a:schemeClr val="accent1"/>
+          </a:fillRef>
+          <a:effectRef idx="2">
+            <a:schemeClr val="accent1"/>
+          </a:effectRef>
+          <a:fontRef idx="minor">
+            <a:schemeClr val="lt1"/>
+          </a:fontRef>
+        </p:style>
+        <p:txBody>
+          <a:bodyPr rtlCol="0" anchor="ctr"/>
+          <a:lstStyle/>
+          <a:p>
+            <a:pPr algn="ctr"/>
+            <a:endParaRPr lang="en-US"/>
+          </a:p>
+        </p:txBody>
+      </p:sp>
+      <p:sp>
+        <p:nvSpPr>
+          <p:cNvPr id="7" name="TextBox 6"/>
+          <p:cNvSpPr txBox="1"/>
+          <p:nvPr/>
+        </p:nvSpPr>
+        <p:spPr>
+          <a:xfrm>
+            <a:off x="4099446" y="1101109"/>
+            <a:ext cx="1195556" cy="307777"/>
+          </a:xfrm>
+          <a:prstGeom prst="rect">
+            <a:avLst/>
+          </a:prstGeom>
+          <a:noFill/>
+        </p:spPr>
+        <p:txBody>
+          <a:bodyPr wrap="square" rtlCol="0">
+            <a:spAutoFit/>
           </a:bodyPr>
           <a:lstStyle/>
           <a:p>
-            <a:r>
-              <a:rPr lang="en-US" sz="2000" dirty="0" smtClean="0"/>
-              <a:t>Something expensive to parse/render</a:t>
-            </a:r>
-          </a:p>
-          <a:p>
-            <a:pPr lvl="1"/>
-            <a:r>
-              <a:rPr lang="en-US" sz="1600" dirty="0" smtClean="0"/>
-              <a:t>(Parsed) Views – </a:t>
-            </a:r>
-            <a:r>
-              <a:rPr lang="en-US" sz="1600" dirty="0" err="1" smtClean="0"/>
-              <a:t>memoizedviews.py</a:t>
-            </a:r>
-            <a:r>
-              <a:rPr lang="en-US" sz="1600" dirty="0" smtClean="0"/>
-              <a:t> (high level)</a:t>
-            </a:r>
-          </a:p>
-          <a:p>
-            <a:pPr lvl="1"/>
-            <a:r>
-              <a:rPr lang="en-US" sz="1600" dirty="0" err="1" smtClean="0"/>
-              <a:t>SimpleXML</a:t>
-            </a:r>
-            <a:r>
-              <a:rPr lang="en-US" sz="1600" dirty="0" smtClean="0"/>
-              <a:t> (Entity from </a:t>
-            </a:r>
-            <a:r>
-              <a:rPr lang="en-US" sz="1600" dirty="0" err="1" smtClean="0"/>
+            <a:pPr algn="ctr"/>
+            <a:r>
+              <a:rPr lang="en-US" sz="1400" dirty="0" err="1" smtClean="0"/>
+              <a:t>TopController</a:t>
+            </a:r>
+            <a:endParaRPr lang="en-US" sz="1400" dirty="0"/>
+          </a:p>
+        </p:txBody>
+      </p:sp>
+      <p:sp>
+        <p:nvSpPr>
+          <p:cNvPr id="8" name="Rectangle 7"/>
+          <p:cNvSpPr/>
+          <p:nvPr/>
+        </p:nvSpPr>
+        <p:spPr>
+          <a:xfrm>
+            <a:off x="5590410" y="1101109"/>
+            <a:ext cx="1718159" cy="354699"/>
+          </a:xfrm>
+          <a:prstGeom prst="rect">
+            <a:avLst/>
+          </a:prstGeom>
+          <a:noFill/>
+        </p:spPr>
+        <p:style>
+          <a:lnRef idx="1">
+            <a:schemeClr val="accent1"/>
+          </a:lnRef>
+          <a:fillRef idx="3">
+            <a:schemeClr val="accent1"/>
+          </a:fillRef>
+          <a:effectRef idx="2">
+            <a:schemeClr val="accent1"/>
+          </a:effectRef>
+          <a:fontRef idx="minor">
+            <a:schemeClr val="lt1"/>
+          </a:fontRef>
+        </p:style>
+        <p:txBody>
+          <a:bodyPr rtlCol="0" anchor="ctr"/>
+          <a:lstStyle/>
+          <a:p>
+            <a:pPr algn="ctr"/>
+            <a:endParaRPr lang="en-US"/>
+          </a:p>
+        </p:txBody>
+      </p:sp>
+      <p:sp>
+        <p:nvSpPr>
+          <p:cNvPr id="10" name="TextBox 9"/>
+          <p:cNvSpPr txBox="1"/>
+          <p:nvPr/>
+        </p:nvSpPr>
+        <p:spPr>
+          <a:xfrm>
+            <a:off x="5590410" y="1101109"/>
+            <a:ext cx="1718159" cy="307777"/>
+          </a:xfrm>
+          <a:prstGeom prst="rect">
+            <a:avLst/>
+          </a:prstGeom>
+          <a:noFill/>
+        </p:spPr>
+        <p:txBody>
+          <a:bodyPr wrap="square" rtlCol="0">
+            <a:spAutoFit/>
+          </a:bodyPr>
+          <a:lstStyle/>
+          <a:p>
+            <a:r>
+              <a:rPr lang="en-US" sz="1400" dirty="0" err="1" smtClean="0"/>
+              <a:t>LoggingWSGIHandler</a:t>
+            </a:r>
+            <a:endParaRPr lang="en-US" sz="1400" dirty="0"/>
+          </a:p>
+        </p:txBody>
+      </p:sp>
+      <p:sp>
+        <p:nvSpPr>
+          <p:cNvPr id="11" name="Rectangle 10"/>
+          <p:cNvSpPr/>
+          <p:nvPr/>
+        </p:nvSpPr>
+        <p:spPr>
+          <a:xfrm>
+            <a:off x="7676294" y="1101108"/>
+            <a:ext cx="1291181" cy="354699"/>
+          </a:xfrm>
+          <a:prstGeom prst="rect">
+            <a:avLst/>
+          </a:prstGeom>
+          <a:noFill/>
+        </p:spPr>
+        <p:style>
+          <a:lnRef idx="1">
+            <a:schemeClr val="accent1"/>
+          </a:lnRef>
+          <a:fillRef idx="3">
+            <a:schemeClr val="accent1"/>
+          </a:fillRef>
+          <a:effectRef idx="2">
+            <a:schemeClr val="accent1"/>
+          </a:effectRef>
+          <a:fontRef idx="minor">
+            <a:schemeClr val="lt1"/>
+          </a:fontRef>
+        </p:style>
+        <p:txBody>
+          <a:bodyPr rtlCol="0" anchor="ctr"/>
+          <a:lstStyle/>
+          <a:p>
+            <a:pPr algn="ctr"/>
+            <a:endParaRPr lang="en-US"/>
+          </a:p>
+        </p:txBody>
+      </p:sp>
+      <p:sp>
+        <p:nvSpPr>
+          <p:cNvPr id="12" name="TextBox 11"/>
+          <p:cNvSpPr txBox="1"/>
+          <p:nvPr/>
+        </p:nvSpPr>
+        <p:spPr>
+          <a:xfrm>
+            <a:off x="7676294" y="1101108"/>
+            <a:ext cx="1291181" cy="307777"/>
+          </a:xfrm>
+          <a:prstGeom prst="rect">
+            <a:avLst/>
+          </a:prstGeom>
+          <a:noFill/>
+        </p:spPr>
+        <p:txBody>
+          <a:bodyPr wrap="square" rtlCol="0">
+            <a:spAutoFit/>
+          </a:bodyPr>
+          <a:lstStyle/>
+          <a:p>
+            <a:pPr algn="ctr"/>
+            <a:r>
+              <a:rPr lang="en-US" sz="1400" dirty="0" err="1" smtClean="0"/>
+              <a:t>MediaHandler</a:t>
+            </a:r>
+            <a:endParaRPr lang="en-US" sz="1400" dirty="0"/>
+          </a:p>
+        </p:txBody>
+      </p:sp>
+      <p:sp>
+        <p:nvSpPr>
+          <p:cNvPr id="16" name="Rectangle 15"/>
+          <p:cNvSpPr/>
+          <p:nvPr/>
+        </p:nvSpPr>
+        <p:spPr>
+          <a:xfrm>
+            <a:off x="5295001" y="166526"/>
+            <a:ext cx="1354484" cy="354699"/>
+          </a:xfrm>
+          <a:prstGeom prst="rect">
+            <a:avLst/>
+          </a:prstGeom>
+          <a:noFill/>
+        </p:spPr>
+        <p:style>
+          <a:lnRef idx="1">
+            <a:schemeClr val="accent1"/>
+          </a:lnRef>
+          <a:fillRef idx="3">
+            <a:schemeClr val="accent1"/>
+          </a:fillRef>
+          <a:effectRef idx="2">
+            <a:schemeClr val="accent1"/>
+          </a:effectRef>
+          <a:fontRef idx="minor">
+            <a:schemeClr val="lt1"/>
+          </a:fontRef>
+        </p:style>
+        <p:txBody>
+          <a:bodyPr rtlCol="0" anchor="ctr"/>
+          <a:lstStyle/>
+          <a:p>
+            <a:pPr algn="ctr"/>
+            <a:endParaRPr lang="en-US"/>
+          </a:p>
+        </p:txBody>
+      </p:sp>
+      <p:sp>
+        <p:nvSpPr>
+          <p:cNvPr id="18" name="TextBox 17"/>
+          <p:cNvSpPr txBox="1"/>
+          <p:nvPr/>
+        </p:nvSpPr>
+        <p:spPr>
+          <a:xfrm>
+            <a:off x="5295000" y="166526"/>
+            <a:ext cx="1354485" cy="307777"/>
+          </a:xfrm>
+          <a:prstGeom prst="rect">
+            <a:avLst/>
+          </a:prstGeom>
+          <a:noFill/>
+        </p:spPr>
+        <p:txBody>
+          <a:bodyPr wrap="square" rtlCol="0">
+            <a:spAutoFit/>
+          </a:bodyPr>
+          <a:lstStyle/>
+          <a:p>
+            <a:pPr algn="ctr"/>
+            <a:r>
+              <a:rPr lang="en-US" sz="1400" dirty="0" smtClean="0"/>
+              <a:t>I18NDispatcher</a:t>
+            </a:r>
+            <a:endParaRPr lang="en-US" sz="1400" dirty="0"/>
+          </a:p>
+        </p:txBody>
+      </p:sp>
+      <p:cxnSp>
+        <p:nvCxnSpPr>
+          <p:cNvPr id="20" name="Straight Arrow Connector 19"/>
+          <p:cNvCxnSpPr>
+            <a:stCxn id="16" idx="2"/>
+            <a:endCxn id="5" idx="0"/>
+          </p:cNvCxnSpPr>
+          <p:nvPr/>
+        </p:nvCxnSpPr>
+        <p:spPr>
+          <a:xfrm flipH="1">
+            <a:off x="4697224" y="521225"/>
+            <a:ext cx="1275019" cy="579883"/>
+          </a:xfrm>
+          <a:prstGeom prst="straightConnector1">
+            <a:avLst/>
+          </a:prstGeom>
+          <a:ln>
+            <a:tailEnd type="arrow"/>
+          </a:ln>
+        </p:spPr>
+        <p:style>
+          <a:lnRef idx="2">
+            <a:schemeClr val="accent1"/>
+          </a:lnRef>
+          <a:fillRef idx="0">
+            <a:schemeClr val="accent1"/>
+          </a:fillRef>
+          <a:effectRef idx="1">
+            <a:schemeClr val="accent1"/>
+          </a:effectRef>
+          <a:fontRef idx="minor">
+            <a:schemeClr val="tx1"/>
+          </a:fontRef>
+        </p:style>
+      </p:cxnSp>
+      <p:cxnSp>
+        <p:nvCxnSpPr>
+          <p:cNvPr id="22" name="Straight Arrow Connector 21"/>
+          <p:cNvCxnSpPr>
+            <a:stCxn id="16" idx="2"/>
+          </p:cNvCxnSpPr>
+          <p:nvPr/>
+        </p:nvCxnSpPr>
+        <p:spPr>
+          <a:xfrm>
+            <a:off x="5972243" y="521225"/>
+            <a:ext cx="291932" cy="579883"/>
+          </a:xfrm>
+          <a:prstGeom prst="straightConnector1">
+            <a:avLst/>
+          </a:prstGeom>
+          <a:ln>
+            <a:tailEnd type="arrow"/>
+          </a:ln>
+        </p:spPr>
+        <p:style>
+          <a:lnRef idx="2">
+            <a:schemeClr val="accent1"/>
+          </a:lnRef>
+          <a:fillRef idx="0">
+            <a:schemeClr val="accent1"/>
+          </a:fillRef>
+          <a:effectRef idx="1">
+            <a:schemeClr val="accent1"/>
+          </a:effectRef>
+          <a:fontRef idx="minor">
+            <a:schemeClr val="tx1"/>
+          </a:fontRef>
+        </p:style>
+      </p:cxnSp>
+      <p:cxnSp>
+        <p:nvCxnSpPr>
+          <p:cNvPr id="24" name="Straight Arrow Connector 23"/>
+          <p:cNvCxnSpPr>
+            <a:stCxn id="16" idx="2"/>
+            <a:endCxn id="12" idx="0"/>
+          </p:cNvCxnSpPr>
+          <p:nvPr/>
+        </p:nvCxnSpPr>
+        <p:spPr>
+          <a:xfrm>
+            <a:off x="5972243" y="521225"/>
+            <a:ext cx="2349642" cy="579883"/>
+          </a:xfrm>
+          <a:prstGeom prst="straightConnector1">
+            <a:avLst/>
+          </a:prstGeom>
+          <a:ln>
+            <a:tailEnd type="arrow"/>
+          </a:ln>
+        </p:spPr>
+        <p:style>
+          <a:lnRef idx="2">
+            <a:schemeClr val="accent1"/>
+          </a:lnRef>
+          <a:fillRef idx="0">
+            <a:schemeClr val="accent1"/>
+          </a:fillRef>
+          <a:effectRef idx="1">
+            <a:schemeClr val="accent1"/>
+          </a:effectRef>
+          <a:fontRef idx="minor">
+            <a:schemeClr val="tx1"/>
+          </a:fontRef>
+        </p:style>
+      </p:cxnSp>
+      <p:sp>
+        <p:nvSpPr>
+          <p:cNvPr id="25" name="TextBox 24"/>
+          <p:cNvSpPr txBox="1"/>
+          <p:nvPr/>
+        </p:nvSpPr>
+        <p:spPr>
+          <a:xfrm>
+            <a:off x="6157166" y="659724"/>
+            <a:ext cx="492319" cy="276999"/>
+          </a:xfrm>
+          <a:prstGeom prst="rect">
+            <a:avLst/>
+          </a:prstGeom>
+          <a:noFill/>
+        </p:spPr>
+        <p:txBody>
+          <a:bodyPr wrap="square" rtlCol="0">
+            <a:spAutoFit/>
+          </a:bodyPr>
+          <a:lstStyle/>
+          <a:p>
+            <a:r>
+              <a:rPr lang="en-US" sz="1200" dirty="0" smtClean="0"/>
+              <a:t>/</a:t>
+            </a:r>
+            <a:r>
+              <a:rPr lang="en-US" sz="1200" dirty="0" err="1" smtClean="0"/>
+              <a:t>dj</a:t>
+            </a:r>
+            <a:endParaRPr lang="en-US" sz="1200" dirty="0"/>
+          </a:p>
+        </p:txBody>
+      </p:sp>
+      <p:sp>
+        <p:nvSpPr>
+          <p:cNvPr id="27" name="Rectangle 26"/>
+          <p:cNvSpPr/>
+          <p:nvPr/>
+        </p:nvSpPr>
+        <p:spPr>
+          <a:xfrm>
+            <a:off x="2098534" y="1830070"/>
+            <a:ext cx="1688316" cy="354699"/>
+          </a:xfrm>
+          <a:prstGeom prst="rect">
+            <a:avLst/>
+          </a:prstGeom>
+          <a:noFill/>
+        </p:spPr>
+        <p:style>
+          <a:lnRef idx="1">
+            <a:schemeClr val="accent1"/>
+          </a:lnRef>
+          <a:fillRef idx="3">
+            <a:schemeClr val="accent1"/>
+          </a:fillRef>
+          <a:effectRef idx="2">
+            <a:schemeClr val="accent1"/>
+          </a:effectRef>
+          <a:fontRef idx="minor">
+            <a:schemeClr val="lt1"/>
+          </a:fontRef>
+        </p:style>
+        <p:txBody>
+          <a:bodyPr rtlCol="0" anchor="ctr"/>
+          <a:lstStyle/>
+          <a:p>
+            <a:pPr algn="ctr"/>
+            <a:endParaRPr lang="en-US"/>
+          </a:p>
+        </p:txBody>
+      </p:sp>
+      <p:sp>
+        <p:nvSpPr>
+          <p:cNvPr id="28" name="TextBox 27"/>
+          <p:cNvSpPr txBox="1"/>
+          <p:nvPr/>
+        </p:nvSpPr>
+        <p:spPr>
+          <a:xfrm>
+            <a:off x="2098534" y="1830071"/>
+            <a:ext cx="1688316" cy="307777"/>
+          </a:xfrm>
+          <a:prstGeom prst="rect">
+            <a:avLst/>
+          </a:prstGeom>
+          <a:noFill/>
+        </p:spPr>
+        <p:txBody>
+          <a:bodyPr wrap="square" rtlCol="0">
+            <a:spAutoFit/>
+          </a:bodyPr>
+          <a:lstStyle/>
+          <a:p>
+            <a:pPr algn="ctr"/>
+            <a:r>
+              <a:rPr lang="en-US" sz="1400" dirty="0" err="1" smtClean="0"/>
+              <a:t>AccountController</a:t>
+            </a:r>
+            <a:endParaRPr lang="en-US" sz="1400" dirty="0"/>
+          </a:p>
+        </p:txBody>
+      </p:sp>
+      <p:sp>
+        <p:nvSpPr>
+          <p:cNvPr id="29" name="Rectangle 28"/>
+          <p:cNvSpPr/>
+          <p:nvPr/>
+        </p:nvSpPr>
+        <p:spPr>
+          <a:xfrm>
+            <a:off x="2098535" y="2362219"/>
+            <a:ext cx="1688315" cy="354699"/>
+          </a:xfrm>
+          <a:prstGeom prst="rect">
+            <a:avLst/>
+          </a:prstGeom>
+          <a:noFill/>
+        </p:spPr>
+        <p:style>
+          <a:lnRef idx="1">
+            <a:schemeClr val="accent1"/>
+          </a:lnRef>
+          <a:fillRef idx="3">
+            <a:schemeClr val="accent1"/>
+          </a:fillRef>
+          <a:effectRef idx="2">
+            <a:schemeClr val="accent1"/>
+          </a:effectRef>
+          <a:fontRef idx="minor">
+            <a:schemeClr val="lt1"/>
+          </a:fontRef>
+        </p:style>
+        <p:txBody>
+          <a:bodyPr rtlCol="0" anchor="ctr"/>
+          <a:lstStyle/>
+          <a:p>
+            <a:pPr algn="ctr"/>
+            <a:endParaRPr lang="en-US"/>
+          </a:p>
+        </p:txBody>
+      </p:sp>
+      <p:sp>
+        <p:nvSpPr>
+          <p:cNvPr id="30" name="TextBox 29"/>
+          <p:cNvSpPr txBox="1"/>
+          <p:nvPr/>
+        </p:nvSpPr>
+        <p:spPr>
+          <a:xfrm>
+            <a:off x="2098536" y="2362220"/>
+            <a:ext cx="1688314" cy="307777"/>
+          </a:xfrm>
+          <a:prstGeom prst="rect">
+            <a:avLst/>
+          </a:prstGeom>
+          <a:noFill/>
+        </p:spPr>
+        <p:txBody>
+          <a:bodyPr wrap="square" rtlCol="0">
+            <a:spAutoFit/>
+          </a:bodyPr>
+          <a:lstStyle/>
+          <a:p>
+            <a:pPr algn="ctr"/>
+            <a:r>
+              <a:rPr lang="en-US" sz="1400" dirty="0" err="1" smtClean="0"/>
+              <a:t>AdminController</a:t>
+            </a:r>
+            <a:endParaRPr lang="en-US" sz="1400" dirty="0"/>
+          </a:p>
+        </p:txBody>
+      </p:sp>
+      <p:sp>
+        <p:nvSpPr>
+          <p:cNvPr id="31" name="Rectangle 30"/>
+          <p:cNvSpPr/>
+          <p:nvPr/>
+        </p:nvSpPr>
+        <p:spPr>
+          <a:xfrm>
+            <a:off x="2098536" y="2977917"/>
+            <a:ext cx="1688316" cy="354699"/>
+          </a:xfrm>
+          <a:prstGeom prst="rect">
+            <a:avLst/>
+          </a:prstGeom>
+          <a:noFill/>
+        </p:spPr>
+        <p:style>
+          <a:lnRef idx="1">
+            <a:schemeClr val="accent1"/>
+          </a:lnRef>
+          <a:fillRef idx="3">
+            <a:schemeClr val="accent1"/>
+          </a:fillRef>
+          <a:effectRef idx="2">
+            <a:schemeClr val="accent1"/>
+          </a:effectRef>
+          <a:fontRef idx="minor">
+            <a:schemeClr val="lt1"/>
+          </a:fontRef>
+        </p:style>
+        <p:txBody>
+          <a:bodyPr rtlCol="0" anchor="ctr"/>
+          <a:lstStyle/>
+          <a:p>
+            <a:pPr algn="ctr"/>
+            <a:endParaRPr lang="en-US"/>
+          </a:p>
+        </p:txBody>
+      </p:sp>
+      <p:sp>
+        <p:nvSpPr>
+          <p:cNvPr id="32" name="TextBox 31"/>
+          <p:cNvSpPr txBox="1"/>
+          <p:nvPr/>
+        </p:nvSpPr>
+        <p:spPr>
+          <a:xfrm>
+            <a:off x="2098536" y="2977918"/>
+            <a:ext cx="1688316" cy="307777"/>
+          </a:xfrm>
+          <a:prstGeom prst="rect">
+            <a:avLst/>
+          </a:prstGeom>
+          <a:noFill/>
+        </p:spPr>
+        <p:txBody>
+          <a:bodyPr wrap="square" rtlCol="0">
+            <a:spAutoFit/>
+          </a:bodyPr>
+          <a:lstStyle/>
+          <a:p>
+            <a:pPr algn="ctr"/>
+            <a:r>
+              <a:rPr lang="en-US" sz="1400" dirty="0" err="1" smtClean="0"/>
+              <a:t>APIController</a:t>
+            </a:r>
+            <a:endParaRPr lang="en-US" sz="1400" dirty="0"/>
+          </a:p>
+        </p:txBody>
+      </p:sp>
+      <p:sp>
+        <p:nvSpPr>
+          <p:cNvPr id="33" name="Rectangle 32"/>
+          <p:cNvSpPr/>
+          <p:nvPr/>
+        </p:nvSpPr>
+        <p:spPr>
+          <a:xfrm>
+            <a:off x="2098537" y="3510066"/>
+            <a:ext cx="1688315" cy="354699"/>
+          </a:xfrm>
+          <a:prstGeom prst="rect">
+            <a:avLst/>
+          </a:prstGeom>
+          <a:noFill/>
+        </p:spPr>
+        <p:style>
+          <a:lnRef idx="1">
+            <a:schemeClr val="accent1"/>
+          </a:lnRef>
+          <a:fillRef idx="3">
+            <a:schemeClr val="accent1"/>
+          </a:fillRef>
+          <a:effectRef idx="2">
+            <a:schemeClr val="accent1"/>
+          </a:effectRef>
+          <a:fontRef idx="minor">
+            <a:schemeClr val="lt1"/>
+          </a:fontRef>
+        </p:style>
+        <p:txBody>
+          <a:bodyPr rtlCol="0" anchor="ctr"/>
+          <a:lstStyle/>
+          <a:p>
+            <a:pPr algn="ctr"/>
+            <a:endParaRPr lang="en-US"/>
+          </a:p>
+        </p:txBody>
+      </p:sp>
+      <p:sp>
+        <p:nvSpPr>
+          <p:cNvPr id="34" name="TextBox 33"/>
+          <p:cNvSpPr txBox="1"/>
+          <p:nvPr/>
+        </p:nvSpPr>
+        <p:spPr>
+          <a:xfrm>
+            <a:off x="2098538" y="3510067"/>
+            <a:ext cx="1688314" cy="307777"/>
+          </a:xfrm>
+          <a:prstGeom prst="rect">
+            <a:avLst/>
+          </a:prstGeom>
+          <a:noFill/>
+        </p:spPr>
+        <p:txBody>
+          <a:bodyPr wrap="square" rtlCol="0">
+            <a:spAutoFit/>
+          </a:bodyPr>
+          <a:lstStyle/>
+          <a:p>
+            <a:pPr algn="ctr"/>
+            <a:r>
+              <a:rPr lang="en-US" sz="1400" dirty="0" err="1" smtClean="0"/>
+              <a:t>ViewController</a:t>
+            </a:r>
+            <a:endParaRPr lang="en-US" sz="1400" dirty="0"/>
+          </a:p>
+        </p:txBody>
+      </p:sp>
+      <p:sp>
+        <p:nvSpPr>
+          <p:cNvPr id="35" name="Rectangle 34"/>
+          <p:cNvSpPr/>
+          <p:nvPr/>
+        </p:nvSpPr>
+        <p:spPr>
+          <a:xfrm>
+            <a:off x="2098532" y="4025430"/>
+            <a:ext cx="1688316" cy="354699"/>
+          </a:xfrm>
+          <a:prstGeom prst="rect">
+            <a:avLst/>
+          </a:prstGeom>
+          <a:noFill/>
+        </p:spPr>
+        <p:style>
+          <a:lnRef idx="1">
+            <a:schemeClr val="accent1"/>
+          </a:lnRef>
+          <a:fillRef idx="3">
+            <a:schemeClr val="accent1"/>
+          </a:fillRef>
+          <a:effectRef idx="2">
+            <a:schemeClr val="accent1"/>
+          </a:effectRef>
+          <a:fontRef idx="minor">
+            <a:schemeClr val="lt1"/>
+          </a:fontRef>
+        </p:style>
+        <p:txBody>
+          <a:bodyPr rtlCol="0" anchor="ctr"/>
+          <a:lstStyle/>
+          <a:p>
+            <a:pPr algn="ctr"/>
+            <a:endParaRPr lang="en-US"/>
+          </a:p>
+        </p:txBody>
+      </p:sp>
+      <p:sp>
+        <p:nvSpPr>
+          <p:cNvPr id="36" name="TextBox 35"/>
+          <p:cNvSpPr txBox="1"/>
+          <p:nvPr/>
+        </p:nvSpPr>
+        <p:spPr>
+          <a:xfrm>
+            <a:off x="2098532" y="4025431"/>
+            <a:ext cx="1688316" cy="307777"/>
+          </a:xfrm>
+          <a:prstGeom prst="rect">
+            <a:avLst/>
+          </a:prstGeom>
+          <a:noFill/>
+        </p:spPr>
+        <p:txBody>
+          <a:bodyPr wrap="square" rtlCol="0">
+            <a:spAutoFit/>
+          </a:bodyPr>
+          <a:lstStyle/>
+          <a:p>
+            <a:pPr algn="ctr"/>
+            <a:r>
+              <a:rPr lang="en-US" sz="1400" dirty="0" err="1" smtClean="0"/>
+              <a:t>SearchController</a:t>
+            </a:r>
+            <a:endParaRPr lang="en-US" sz="1400" dirty="0"/>
+          </a:p>
+        </p:txBody>
+      </p:sp>
+      <p:sp>
+        <p:nvSpPr>
+          <p:cNvPr id="37" name="Rectangle 36"/>
+          <p:cNvSpPr/>
+          <p:nvPr/>
+        </p:nvSpPr>
+        <p:spPr>
+          <a:xfrm>
+            <a:off x="2098533" y="4557579"/>
+            <a:ext cx="1688315" cy="354699"/>
+          </a:xfrm>
+          <a:prstGeom prst="rect">
+            <a:avLst/>
+          </a:prstGeom>
+          <a:noFill/>
+        </p:spPr>
+        <p:style>
+          <a:lnRef idx="1">
+            <a:schemeClr val="accent1"/>
+          </a:lnRef>
+          <a:fillRef idx="3">
+            <a:schemeClr val="accent1"/>
+          </a:fillRef>
+          <a:effectRef idx="2">
+            <a:schemeClr val="accent1"/>
+          </a:effectRef>
+          <a:fontRef idx="minor">
+            <a:schemeClr val="lt1"/>
+          </a:fontRef>
+        </p:style>
+        <p:txBody>
+          <a:bodyPr rtlCol="0" anchor="ctr"/>
+          <a:lstStyle/>
+          <a:p>
+            <a:pPr algn="ctr"/>
+            <a:endParaRPr lang="en-US"/>
+          </a:p>
+        </p:txBody>
+      </p:sp>
+      <p:sp>
+        <p:nvSpPr>
+          <p:cNvPr id="38" name="TextBox 37"/>
+          <p:cNvSpPr txBox="1"/>
+          <p:nvPr/>
+        </p:nvSpPr>
+        <p:spPr>
+          <a:xfrm>
+            <a:off x="2098534" y="4557580"/>
+            <a:ext cx="1688314" cy="307777"/>
+          </a:xfrm>
+          <a:prstGeom prst="rect">
+            <a:avLst/>
+          </a:prstGeom>
+          <a:noFill/>
+        </p:spPr>
+        <p:txBody>
+          <a:bodyPr wrap="square" rtlCol="0">
+            <a:spAutoFit/>
+          </a:bodyPr>
+          <a:lstStyle/>
+          <a:p>
+            <a:pPr algn="ctr"/>
+            <a:r>
+              <a:rPr lang="en-US" sz="1400" dirty="0" err="1" smtClean="0"/>
+              <a:t>ModuleController</a:t>
+            </a:r>
+            <a:endParaRPr lang="en-US" sz="1400" dirty="0"/>
+          </a:p>
+        </p:txBody>
+      </p:sp>
+      <p:sp>
+        <p:nvSpPr>
+          <p:cNvPr id="39" name="Rectangle 38"/>
+          <p:cNvSpPr/>
+          <p:nvPr/>
+        </p:nvSpPr>
+        <p:spPr>
+          <a:xfrm>
+            <a:off x="5671453" y="5172629"/>
+            <a:ext cx="1346239" cy="354699"/>
+          </a:xfrm>
+          <a:prstGeom prst="rect">
+            <a:avLst/>
+          </a:prstGeom>
+          <a:noFill/>
+        </p:spPr>
+        <p:style>
+          <a:lnRef idx="1">
+            <a:schemeClr val="accent1"/>
+          </a:lnRef>
+          <a:fillRef idx="3">
+            <a:schemeClr val="accent1"/>
+          </a:fillRef>
+          <a:effectRef idx="2">
+            <a:schemeClr val="accent1"/>
+          </a:effectRef>
+          <a:fontRef idx="minor">
+            <a:schemeClr val="lt1"/>
+          </a:fontRef>
+        </p:style>
+        <p:txBody>
+          <a:bodyPr rtlCol="0" anchor="ctr"/>
+          <a:lstStyle/>
+          <a:p>
+            <a:pPr algn="ctr"/>
+            <a:endParaRPr lang="en-US"/>
+          </a:p>
+        </p:txBody>
+      </p:sp>
+      <p:sp>
+        <p:nvSpPr>
+          <p:cNvPr id="40" name="TextBox 39"/>
+          <p:cNvSpPr txBox="1"/>
+          <p:nvPr/>
+        </p:nvSpPr>
+        <p:spPr>
+          <a:xfrm>
+            <a:off x="5671453" y="5172630"/>
+            <a:ext cx="1346239" cy="307777"/>
+          </a:xfrm>
+          <a:prstGeom prst="rect">
+            <a:avLst/>
+          </a:prstGeom>
+          <a:noFill/>
+        </p:spPr>
+        <p:txBody>
+          <a:bodyPr wrap="square" rtlCol="0">
+            <a:spAutoFit/>
+          </a:bodyPr>
+          <a:lstStyle/>
+          <a:p>
+            <a:pPr algn="ctr"/>
+            <a:r>
+              <a:rPr lang="en-US" sz="1400" dirty="0" err="1" smtClean="0"/>
+              <a:t>ProxyController</a:t>
+            </a:r>
+            <a:endParaRPr lang="en-US" sz="1400" dirty="0"/>
+          </a:p>
+        </p:txBody>
+      </p:sp>
+      <p:sp>
+        <p:nvSpPr>
+          <p:cNvPr id="41" name="Rectangle 40"/>
+          <p:cNvSpPr/>
+          <p:nvPr/>
+        </p:nvSpPr>
+        <p:spPr>
+          <a:xfrm>
+            <a:off x="2098531" y="5066366"/>
+            <a:ext cx="1688315" cy="354699"/>
+          </a:xfrm>
+          <a:prstGeom prst="rect">
+            <a:avLst/>
+          </a:prstGeom>
+          <a:noFill/>
+        </p:spPr>
+        <p:style>
+          <a:lnRef idx="1">
+            <a:schemeClr val="accent1"/>
+          </a:lnRef>
+          <a:fillRef idx="3">
+            <a:schemeClr val="accent1"/>
+          </a:fillRef>
+          <a:effectRef idx="2">
+            <a:schemeClr val="accent1"/>
+          </a:effectRef>
+          <a:fontRef idx="minor">
+            <a:schemeClr val="lt1"/>
+          </a:fontRef>
+        </p:style>
+        <p:txBody>
+          <a:bodyPr rtlCol="0" anchor="ctr"/>
+          <a:lstStyle/>
+          <a:p>
+            <a:pPr algn="ctr"/>
+            <a:endParaRPr lang="en-US"/>
+          </a:p>
+        </p:txBody>
+      </p:sp>
+      <p:sp>
+        <p:nvSpPr>
+          <p:cNvPr id="42" name="TextBox 41"/>
+          <p:cNvSpPr txBox="1"/>
+          <p:nvPr/>
+        </p:nvSpPr>
+        <p:spPr>
+          <a:xfrm>
+            <a:off x="2098532" y="5066367"/>
+            <a:ext cx="1688314" cy="307777"/>
+          </a:xfrm>
+          <a:prstGeom prst="rect">
+            <a:avLst/>
+          </a:prstGeom>
+          <a:noFill/>
+        </p:spPr>
+        <p:txBody>
+          <a:bodyPr wrap="square" rtlCol="0">
+            <a:spAutoFit/>
+          </a:bodyPr>
+          <a:lstStyle/>
+          <a:p>
+            <a:pPr algn="ctr"/>
+            <a:r>
+              <a:rPr lang="en-US" sz="1400" dirty="0" err="1" smtClean="0"/>
+              <a:t>TreeController</a:t>
+            </a:r>
+            <a:endParaRPr lang="en-US" sz="1400" dirty="0"/>
+          </a:p>
+        </p:txBody>
+      </p:sp>
+      <p:sp>
+        <p:nvSpPr>
+          <p:cNvPr id="43" name="Rectangle 42"/>
+          <p:cNvSpPr/>
+          <p:nvPr/>
+        </p:nvSpPr>
+        <p:spPr>
+          <a:xfrm>
+            <a:off x="2087084" y="5564446"/>
+            <a:ext cx="1688315" cy="354699"/>
+          </a:xfrm>
+          <a:prstGeom prst="rect">
+            <a:avLst/>
+          </a:prstGeom>
+          <a:noFill/>
+        </p:spPr>
+        <p:style>
+          <a:lnRef idx="1">
+            <a:schemeClr val="accent1"/>
+          </a:lnRef>
+          <a:fillRef idx="3">
+            <a:schemeClr val="accent1"/>
+          </a:fillRef>
+          <a:effectRef idx="2">
+            <a:schemeClr val="accent1"/>
+          </a:effectRef>
+          <a:fontRef idx="minor">
+            <a:schemeClr val="lt1"/>
+          </a:fontRef>
+        </p:style>
+        <p:txBody>
+          <a:bodyPr rtlCol="0" anchor="ctr"/>
+          <a:lstStyle/>
+          <a:p>
+            <a:pPr algn="ctr"/>
+            <a:endParaRPr lang="en-US"/>
+          </a:p>
+        </p:txBody>
+      </p:sp>
+      <p:sp>
+        <p:nvSpPr>
+          <p:cNvPr id="44" name="TextBox 43"/>
+          <p:cNvSpPr txBox="1"/>
+          <p:nvPr/>
+        </p:nvSpPr>
+        <p:spPr>
+          <a:xfrm>
+            <a:off x="2087085" y="5564447"/>
+            <a:ext cx="1688314" cy="307777"/>
+          </a:xfrm>
+          <a:prstGeom prst="rect">
+            <a:avLst/>
+          </a:prstGeom>
+          <a:noFill/>
+        </p:spPr>
+        <p:txBody>
+          <a:bodyPr wrap="square" rtlCol="0">
+            <a:spAutoFit/>
+          </a:bodyPr>
+          <a:lstStyle/>
+          <a:p>
+            <a:pPr algn="ctr"/>
+            <a:r>
+              <a:rPr lang="en-US" sz="1400" dirty="0" smtClean="0"/>
+              <a:t>…</a:t>
+            </a:r>
+            <a:endParaRPr lang="en-US" sz="1400" dirty="0"/>
+          </a:p>
+        </p:txBody>
+      </p:sp>
+      <p:cxnSp>
+        <p:nvCxnSpPr>
+          <p:cNvPr id="46" name="Straight Connector 45"/>
+          <p:cNvCxnSpPr>
+            <a:stCxn id="5" idx="2"/>
+          </p:cNvCxnSpPr>
+          <p:nvPr/>
+        </p:nvCxnSpPr>
+        <p:spPr>
+          <a:xfrm>
+            <a:off x="4697224" y="1455807"/>
+            <a:ext cx="0" cy="5288867"/>
+          </a:xfrm>
+          <a:prstGeom prst="line">
+            <a:avLst/>
+          </a:prstGeom>
+        </p:spPr>
+        <p:style>
+          <a:lnRef idx="2">
+            <a:schemeClr val="accent1"/>
+          </a:lnRef>
+          <a:fillRef idx="0">
+            <a:schemeClr val="accent1"/>
+          </a:fillRef>
+          <a:effectRef idx="1">
+            <a:schemeClr val="accent1"/>
+          </a:effectRef>
+          <a:fontRef idx="minor">
+            <a:schemeClr val="tx1"/>
+          </a:fontRef>
+        </p:style>
+      </p:cxnSp>
+      <p:cxnSp>
+        <p:nvCxnSpPr>
+          <p:cNvPr id="48" name="Straight Arrow Connector 47"/>
+          <p:cNvCxnSpPr>
+            <a:endCxn id="28" idx="3"/>
+          </p:cNvCxnSpPr>
+          <p:nvPr/>
+        </p:nvCxnSpPr>
+        <p:spPr>
+          <a:xfrm flipH="1">
+            <a:off x="3786850" y="1975837"/>
+            <a:ext cx="910374" cy="8123"/>
+          </a:xfrm>
+          <a:prstGeom prst="straightConnector1">
+            <a:avLst/>
+          </a:prstGeom>
+          <a:ln>
+            <a:tailEnd type="arrow"/>
+          </a:ln>
+        </p:spPr>
+        <p:style>
+          <a:lnRef idx="2">
+            <a:schemeClr val="accent1"/>
+          </a:lnRef>
+          <a:fillRef idx="0">
+            <a:schemeClr val="accent1"/>
+          </a:fillRef>
+          <a:effectRef idx="1">
+            <a:schemeClr val="accent1"/>
+          </a:effectRef>
+          <a:fontRef idx="minor">
+            <a:schemeClr val="tx1"/>
+          </a:fontRef>
+        </p:style>
+      </p:cxnSp>
+      <p:cxnSp>
+        <p:nvCxnSpPr>
+          <p:cNvPr id="50" name="Straight Arrow Connector 49"/>
+          <p:cNvCxnSpPr/>
+          <p:nvPr/>
+        </p:nvCxnSpPr>
+        <p:spPr>
+          <a:xfrm flipH="1">
+            <a:off x="3786848" y="2578462"/>
+            <a:ext cx="910376" cy="0"/>
+          </a:xfrm>
+          <a:prstGeom prst="straightConnector1">
+            <a:avLst/>
+          </a:prstGeom>
+          <a:ln>
+            <a:tailEnd type="arrow"/>
+          </a:ln>
+        </p:spPr>
+        <p:style>
+          <a:lnRef idx="2">
+            <a:schemeClr val="accent1"/>
+          </a:lnRef>
+          <a:fillRef idx="0">
+            <a:schemeClr val="accent1"/>
+          </a:fillRef>
+          <a:effectRef idx="1">
+            <a:schemeClr val="accent1"/>
+          </a:effectRef>
+          <a:fontRef idx="minor">
+            <a:schemeClr val="tx1"/>
+          </a:fontRef>
+        </p:style>
+      </p:cxnSp>
+      <p:cxnSp>
+        <p:nvCxnSpPr>
+          <p:cNvPr id="53" name="Straight Arrow Connector 52"/>
+          <p:cNvCxnSpPr/>
+          <p:nvPr/>
+        </p:nvCxnSpPr>
+        <p:spPr>
+          <a:xfrm flipH="1">
+            <a:off x="3786852" y="3154213"/>
+            <a:ext cx="910376" cy="0"/>
+          </a:xfrm>
+          <a:prstGeom prst="straightConnector1">
+            <a:avLst/>
+          </a:prstGeom>
+          <a:ln>
+            <a:tailEnd type="arrow"/>
+          </a:ln>
+        </p:spPr>
+        <p:style>
+          <a:lnRef idx="2">
+            <a:schemeClr val="accent1"/>
+          </a:lnRef>
+          <a:fillRef idx="0">
+            <a:schemeClr val="accent1"/>
+          </a:fillRef>
+          <a:effectRef idx="1">
+            <a:schemeClr val="accent1"/>
+          </a:effectRef>
+          <a:fontRef idx="minor">
+            <a:schemeClr val="tx1"/>
+          </a:fontRef>
+        </p:style>
+      </p:cxnSp>
+      <p:cxnSp>
+        <p:nvCxnSpPr>
+          <p:cNvPr id="54" name="Straight Arrow Connector 53"/>
+          <p:cNvCxnSpPr/>
+          <p:nvPr/>
+        </p:nvCxnSpPr>
+        <p:spPr>
+          <a:xfrm flipH="1">
+            <a:off x="3786854" y="3627129"/>
+            <a:ext cx="910374" cy="8123"/>
+          </a:xfrm>
+          <a:prstGeom prst="straightConnector1">
+            <a:avLst/>
+          </a:prstGeom>
+          <a:ln>
+            <a:tailEnd type="arrow"/>
+          </a:ln>
+        </p:spPr>
+        <p:style>
+          <a:lnRef idx="2">
+            <a:schemeClr val="accent1"/>
+          </a:lnRef>
+          <a:fillRef idx="0">
+            <a:schemeClr val="accent1"/>
+          </a:fillRef>
+          <a:effectRef idx="1">
+            <a:schemeClr val="accent1"/>
+          </a:effectRef>
+          <a:fontRef idx="minor">
+            <a:schemeClr val="tx1"/>
+          </a:fontRef>
+        </p:style>
+      </p:cxnSp>
+      <p:cxnSp>
+        <p:nvCxnSpPr>
+          <p:cNvPr id="55" name="Straight Arrow Connector 54"/>
+          <p:cNvCxnSpPr/>
+          <p:nvPr/>
+        </p:nvCxnSpPr>
+        <p:spPr>
+          <a:xfrm flipH="1">
+            <a:off x="3786852" y="4229754"/>
+            <a:ext cx="910376" cy="0"/>
+          </a:xfrm>
+          <a:prstGeom prst="straightConnector1">
+            <a:avLst/>
+          </a:prstGeom>
+          <a:ln>
+            <a:tailEnd type="arrow"/>
+          </a:ln>
+        </p:spPr>
+        <p:style>
+          <a:lnRef idx="2">
+            <a:schemeClr val="accent1"/>
+          </a:lnRef>
+          <a:fillRef idx="0">
+            <a:schemeClr val="accent1"/>
+          </a:fillRef>
+          <a:effectRef idx="1">
+            <a:schemeClr val="accent1"/>
+          </a:effectRef>
+          <a:fontRef idx="minor">
+            <a:schemeClr val="tx1"/>
+          </a:fontRef>
+        </p:style>
+      </p:cxnSp>
+      <p:cxnSp>
+        <p:nvCxnSpPr>
+          <p:cNvPr id="56" name="Straight Arrow Connector 55"/>
+          <p:cNvCxnSpPr/>
+          <p:nvPr/>
+        </p:nvCxnSpPr>
+        <p:spPr>
+          <a:xfrm flipH="1">
+            <a:off x="3786856" y="4805505"/>
+            <a:ext cx="910376" cy="0"/>
+          </a:xfrm>
+          <a:prstGeom prst="straightConnector1">
+            <a:avLst/>
+          </a:prstGeom>
+          <a:ln>
+            <a:tailEnd type="arrow"/>
+          </a:ln>
+        </p:spPr>
+        <p:style>
+          <a:lnRef idx="2">
+            <a:schemeClr val="accent1"/>
+          </a:lnRef>
+          <a:fillRef idx="0">
+            <a:schemeClr val="accent1"/>
+          </a:fillRef>
+          <a:effectRef idx="1">
+            <a:schemeClr val="accent1"/>
+          </a:effectRef>
+          <a:fontRef idx="minor">
+            <a:schemeClr val="tx1"/>
+          </a:fontRef>
+        </p:style>
+      </p:cxnSp>
+      <p:cxnSp>
+        <p:nvCxnSpPr>
+          <p:cNvPr id="57" name="Straight Arrow Connector 56"/>
+          <p:cNvCxnSpPr/>
+          <p:nvPr/>
+        </p:nvCxnSpPr>
+        <p:spPr>
+          <a:xfrm>
+            <a:off x="4685783" y="5374144"/>
+            <a:ext cx="955646" cy="15391"/>
+          </a:xfrm>
+          <a:prstGeom prst="straightConnector1">
+            <a:avLst/>
+          </a:prstGeom>
+          <a:ln>
+            <a:tailEnd type="arrow"/>
+          </a:ln>
+        </p:spPr>
+        <p:style>
+          <a:lnRef idx="2">
+            <a:schemeClr val="accent1"/>
+          </a:lnRef>
+          <a:fillRef idx="0">
+            <a:schemeClr val="accent1"/>
+          </a:fillRef>
+          <a:effectRef idx="1">
+            <a:schemeClr val="accent1"/>
+          </a:effectRef>
+          <a:fontRef idx="minor">
+            <a:schemeClr val="tx1"/>
+          </a:fontRef>
+        </p:style>
+      </p:cxnSp>
+      <p:cxnSp>
+        <p:nvCxnSpPr>
+          <p:cNvPr id="58" name="Straight Arrow Connector 57"/>
+          <p:cNvCxnSpPr/>
+          <p:nvPr/>
+        </p:nvCxnSpPr>
+        <p:spPr>
+          <a:xfrm flipH="1">
+            <a:off x="3786846" y="5234458"/>
+            <a:ext cx="910376" cy="0"/>
+          </a:xfrm>
+          <a:prstGeom prst="straightConnector1">
+            <a:avLst/>
+          </a:prstGeom>
+          <a:ln>
+            <a:tailEnd type="arrow"/>
+          </a:ln>
+        </p:spPr>
+        <p:style>
+          <a:lnRef idx="2">
+            <a:schemeClr val="accent1"/>
+          </a:lnRef>
+          <a:fillRef idx="0">
+            <a:schemeClr val="accent1"/>
+          </a:fillRef>
+          <a:effectRef idx="1">
+            <a:schemeClr val="accent1"/>
+          </a:effectRef>
+          <a:fontRef idx="minor">
+            <a:schemeClr val="tx1"/>
+          </a:fontRef>
+        </p:style>
+      </p:cxnSp>
+      <p:cxnSp>
+        <p:nvCxnSpPr>
+          <p:cNvPr id="59" name="Straight Arrow Connector 58"/>
+          <p:cNvCxnSpPr/>
+          <p:nvPr/>
+        </p:nvCxnSpPr>
+        <p:spPr>
+          <a:xfrm flipH="1">
+            <a:off x="3775407" y="5750332"/>
+            <a:ext cx="910376" cy="0"/>
+          </a:xfrm>
+          <a:prstGeom prst="straightConnector1">
+            <a:avLst/>
+          </a:prstGeom>
+          <a:ln>
+            <a:tailEnd type="arrow"/>
+          </a:ln>
+        </p:spPr>
+        <p:style>
+          <a:lnRef idx="2">
+            <a:schemeClr val="accent1"/>
+          </a:lnRef>
+          <a:fillRef idx="0">
+            <a:schemeClr val="accent1"/>
+          </a:fillRef>
+          <a:effectRef idx="1">
+            <a:schemeClr val="accent1"/>
+          </a:effectRef>
+          <a:fontRef idx="minor">
+            <a:schemeClr val="tx1"/>
+          </a:fontRef>
+        </p:style>
+      </p:cxnSp>
+      <p:sp>
+        <p:nvSpPr>
+          <p:cNvPr id="60" name="TextBox 59"/>
+          <p:cNvSpPr txBox="1"/>
+          <p:nvPr/>
+        </p:nvSpPr>
+        <p:spPr>
+          <a:xfrm>
+            <a:off x="3859606" y="1691570"/>
+            <a:ext cx="758354" cy="276999"/>
+          </a:xfrm>
+          <a:prstGeom prst="rect">
+            <a:avLst/>
+          </a:prstGeom>
+          <a:noFill/>
+        </p:spPr>
+        <p:txBody>
+          <a:bodyPr wrap="square" rtlCol="0">
+            <a:spAutoFit/>
+          </a:bodyPr>
+          <a:lstStyle/>
+          <a:p>
+            <a:r>
+              <a:rPr lang="en-US" sz="1200" dirty="0" smtClean="0"/>
+              <a:t>/account</a:t>
+            </a:r>
+            <a:endParaRPr lang="en-US" sz="1200" dirty="0"/>
+          </a:p>
+        </p:txBody>
+      </p:sp>
+      <p:sp>
+        <p:nvSpPr>
+          <p:cNvPr id="61" name="TextBox 60"/>
+          <p:cNvSpPr txBox="1"/>
+          <p:nvPr/>
+        </p:nvSpPr>
+        <p:spPr>
+          <a:xfrm>
+            <a:off x="3859606" y="2275895"/>
+            <a:ext cx="837618" cy="276999"/>
+          </a:xfrm>
+          <a:prstGeom prst="rect">
+            <a:avLst/>
+          </a:prstGeom>
+          <a:noFill/>
+        </p:spPr>
+        <p:txBody>
+          <a:bodyPr wrap="square" rtlCol="0">
+            <a:spAutoFit/>
+          </a:bodyPr>
+          <a:lstStyle/>
+          <a:p>
+            <a:r>
+              <a:rPr lang="en-US" sz="1200" dirty="0" smtClean="0"/>
+              <a:t>/manager</a:t>
+            </a:r>
+            <a:endParaRPr lang="en-US" sz="1200" dirty="0"/>
+          </a:p>
+        </p:txBody>
+      </p:sp>
+      <p:sp>
+        <p:nvSpPr>
+          <p:cNvPr id="62" name="TextBox 61"/>
+          <p:cNvSpPr txBox="1"/>
+          <p:nvPr/>
+        </p:nvSpPr>
+        <p:spPr>
+          <a:xfrm>
+            <a:off x="3871047" y="2863130"/>
+            <a:ext cx="826177" cy="276999"/>
+          </a:xfrm>
+          <a:prstGeom prst="rect">
+            <a:avLst/>
+          </a:prstGeom>
+          <a:noFill/>
+        </p:spPr>
+        <p:txBody>
+          <a:bodyPr wrap="square" rtlCol="0">
+            <a:spAutoFit/>
+          </a:bodyPr>
+          <a:lstStyle/>
+          <a:p>
+            <a:r>
+              <a:rPr lang="en-US" sz="1200" dirty="0" smtClean="0"/>
+              <a:t>/</a:t>
+            </a:r>
+            <a:r>
+              <a:rPr lang="en-US" sz="1200" dirty="0" err="1" smtClean="0"/>
+              <a:t>api</a:t>
+            </a:r>
+            <a:endParaRPr lang="en-US" sz="1200" dirty="0"/>
+          </a:p>
+        </p:txBody>
+      </p:sp>
+      <p:sp>
+        <p:nvSpPr>
+          <p:cNvPr id="66" name="TextBox 65"/>
+          <p:cNvSpPr txBox="1"/>
+          <p:nvPr/>
+        </p:nvSpPr>
+        <p:spPr>
+          <a:xfrm>
+            <a:off x="3887413" y="3371567"/>
+            <a:ext cx="758354" cy="276999"/>
+          </a:xfrm>
+          <a:prstGeom prst="rect">
+            <a:avLst/>
+          </a:prstGeom>
+          <a:noFill/>
+        </p:spPr>
+        <p:txBody>
+          <a:bodyPr wrap="square" rtlCol="0">
+            <a:spAutoFit/>
+          </a:bodyPr>
+          <a:lstStyle/>
+          <a:p>
+            <a:r>
+              <a:rPr lang="en-US" sz="1200" dirty="0" smtClean="0"/>
+              <a:t>/app</a:t>
+            </a:r>
+            <a:endParaRPr lang="en-US" sz="1200" dirty="0"/>
+          </a:p>
+        </p:txBody>
+      </p:sp>
+      <p:sp>
+        <p:nvSpPr>
+          <p:cNvPr id="67" name="TextBox 66"/>
+          <p:cNvSpPr txBox="1"/>
+          <p:nvPr/>
+        </p:nvSpPr>
+        <p:spPr>
+          <a:xfrm>
+            <a:off x="3887413" y="3955892"/>
+            <a:ext cx="837618" cy="276999"/>
+          </a:xfrm>
+          <a:prstGeom prst="rect">
+            <a:avLst/>
+          </a:prstGeom>
+          <a:noFill/>
+        </p:spPr>
+        <p:txBody>
+          <a:bodyPr wrap="square" rtlCol="0">
+            <a:spAutoFit/>
+          </a:bodyPr>
+          <a:lstStyle/>
+          <a:p>
+            <a:r>
+              <a:rPr lang="en-US" sz="1200" dirty="0" smtClean="0"/>
+              <a:t>/search</a:t>
+            </a:r>
+            <a:endParaRPr lang="en-US" sz="1200" dirty="0"/>
+          </a:p>
+        </p:txBody>
+      </p:sp>
+      <p:sp>
+        <p:nvSpPr>
+          <p:cNvPr id="68" name="TextBox 67"/>
+          <p:cNvSpPr txBox="1"/>
+          <p:nvPr/>
+        </p:nvSpPr>
+        <p:spPr>
+          <a:xfrm>
+            <a:off x="3859606" y="4528506"/>
+            <a:ext cx="826177" cy="276999"/>
+          </a:xfrm>
+          <a:prstGeom prst="rect">
+            <a:avLst/>
+          </a:prstGeom>
+          <a:noFill/>
+        </p:spPr>
+        <p:txBody>
+          <a:bodyPr wrap="square" rtlCol="0">
+            <a:spAutoFit/>
+          </a:bodyPr>
+          <a:lstStyle/>
+          <a:p>
+            <a:r>
+              <a:rPr lang="en-US" sz="1200" dirty="0" smtClean="0"/>
+              <a:t>/module</a:t>
+            </a:r>
+            <a:endParaRPr lang="en-US" sz="1200" dirty="0"/>
+          </a:p>
+        </p:txBody>
+      </p:sp>
+      <p:sp>
+        <p:nvSpPr>
+          <p:cNvPr id="69" name="TextBox 68"/>
+          <p:cNvSpPr txBox="1"/>
+          <p:nvPr/>
+        </p:nvSpPr>
+        <p:spPr>
+          <a:xfrm>
+            <a:off x="4764233" y="5034129"/>
+            <a:ext cx="826177" cy="276999"/>
+          </a:xfrm>
+          <a:prstGeom prst="rect">
+            <a:avLst/>
+          </a:prstGeom>
+          <a:noFill/>
+        </p:spPr>
+        <p:txBody>
+          <a:bodyPr wrap="square" rtlCol="0">
+            <a:spAutoFit/>
+          </a:bodyPr>
+          <a:lstStyle/>
+          <a:p>
+            <a:r>
+              <a:rPr lang="en-US" sz="1200" dirty="0" smtClean="0"/>
+              <a:t>/</a:t>
+            </a:r>
+            <a:r>
+              <a:rPr lang="en-US" sz="1200" dirty="0" err="1" smtClean="0"/>
               <a:t>splunkd</a:t>
             </a:r>
-            <a:r>
-              <a:rPr lang="en-US" sz="1600" dirty="0" smtClean="0"/>
-              <a:t>) – </a:t>
-            </a:r>
-            <a:r>
-              <a:rPr lang="en-US" sz="1600" dirty="0" err="1" smtClean="0"/>
-              <a:t>cached.py</a:t>
-            </a:r>
-            <a:r>
-              <a:rPr lang="en-US" sz="1600" dirty="0" smtClean="0"/>
-              <a:t> (low level)</a:t>
-            </a:r>
-          </a:p>
-          <a:p>
-            <a:pPr marL="457200" lvl="1" indent="0">
-              <a:buNone/>
-            </a:pPr>
-            <a:endParaRPr lang="en-US" sz="1600" dirty="0" smtClean="0"/>
-          </a:p>
-          <a:p>
-            <a:r>
-              <a:rPr lang="en-US" sz="2000" dirty="0" smtClean="0"/>
-              <a:t>Super d</a:t>
-            </a:r>
-            <a:r>
-              <a:rPr lang="en-US" sz="2000" dirty="0" smtClean="0"/>
-              <a:t>ecorator (the pattern)</a:t>
-            </a:r>
-          </a:p>
-          <a:p>
-            <a:pPr lvl="1"/>
-            <a:r>
-              <a:rPr lang="en-US" sz="1600" dirty="0" smtClean="0"/>
-              <a:t>Usually chained, say </a:t>
-            </a:r>
-            <a:r>
-              <a:rPr lang="en-US" sz="1600" dirty="0" err="1" smtClean="0"/>
-              <a:t>ip</a:t>
-            </a:r>
-            <a:r>
-              <a:rPr lang="en-US" sz="1600" dirty="0" smtClean="0"/>
-              <a:t> validation, </a:t>
-            </a:r>
-            <a:r>
-              <a:rPr lang="en-US" sz="1600" dirty="0" err="1" smtClean="0"/>
-              <a:t>sso</a:t>
-            </a:r>
-            <a:r>
-              <a:rPr lang="en-US" sz="1600" dirty="0" smtClean="0"/>
-              <a:t>, login check, exception handler, and cache</a:t>
-            </a:r>
-          </a:p>
-        </p:txBody>
-      </p:sp>
+            <a:endParaRPr lang="en-US" sz="1200" dirty="0"/>
+          </a:p>
+        </p:txBody>
+      </p:sp>
+      <p:sp>
+        <p:nvSpPr>
+          <p:cNvPr id="70" name="TextBox 69"/>
+          <p:cNvSpPr txBox="1"/>
+          <p:nvPr/>
+        </p:nvSpPr>
+        <p:spPr>
+          <a:xfrm>
+            <a:off x="3898854" y="4957459"/>
+            <a:ext cx="826177" cy="276999"/>
+          </a:xfrm>
+          <a:prstGeom prst="rect">
+            <a:avLst/>
+          </a:prstGeom>
+          <a:noFill/>
+        </p:spPr>
+        <p:txBody>
+          <a:bodyPr wrap="square" rtlCol="0">
+            <a:spAutoFit/>
+          </a:bodyPr>
+          <a:lstStyle/>
+          <a:p>
+            <a:r>
+              <a:rPr lang="en-US" sz="1200" dirty="0" smtClean="0"/>
+              <a:t>/tree</a:t>
+            </a:r>
+            <a:endParaRPr lang="en-US" sz="1200" dirty="0"/>
+          </a:p>
+        </p:txBody>
+      </p:sp>
+      <p:sp>
+        <p:nvSpPr>
+          <p:cNvPr id="71" name="Rectangle 70"/>
+          <p:cNvSpPr/>
+          <p:nvPr/>
+        </p:nvSpPr>
+        <p:spPr>
+          <a:xfrm>
+            <a:off x="2591291" y="211959"/>
+            <a:ext cx="1195557" cy="354699"/>
+          </a:xfrm>
+          <a:prstGeom prst="rect">
+            <a:avLst/>
+          </a:prstGeom>
+          <a:noFill/>
+        </p:spPr>
+        <p:style>
+          <a:lnRef idx="1">
+            <a:schemeClr val="accent1"/>
+          </a:lnRef>
+          <a:fillRef idx="3">
+            <a:schemeClr val="accent1"/>
+          </a:fillRef>
+          <a:effectRef idx="2">
+            <a:schemeClr val="accent1"/>
+          </a:effectRef>
+          <a:fontRef idx="minor">
+            <a:schemeClr val="lt1"/>
+          </a:fontRef>
+        </p:style>
+        <p:txBody>
+          <a:bodyPr rtlCol="0" anchor="ctr"/>
+          <a:lstStyle/>
+          <a:p>
+            <a:pPr algn="ctr"/>
+            <a:endParaRPr lang="en-US"/>
+          </a:p>
+        </p:txBody>
+      </p:sp>
+      <p:sp>
+        <p:nvSpPr>
+          <p:cNvPr id="72" name="TextBox 71"/>
+          <p:cNvSpPr txBox="1"/>
+          <p:nvPr/>
+        </p:nvSpPr>
+        <p:spPr>
+          <a:xfrm>
+            <a:off x="2591291" y="211959"/>
+            <a:ext cx="1195556" cy="307777"/>
+          </a:xfrm>
+          <a:prstGeom prst="rect">
+            <a:avLst/>
+          </a:prstGeom>
+          <a:noFill/>
+        </p:spPr>
+        <p:txBody>
+          <a:bodyPr wrap="square" rtlCol="0">
+            <a:spAutoFit/>
+          </a:bodyPr>
+          <a:lstStyle/>
+          <a:p>
+            <a:pPr algn="ctr"/>
+            <a:r>
+              <a:rPr lang="en-US" sz="1400" dirty="0" err="1" smtClean="0">
+                <a:solidFill>
+                  <a:srgbClr val="008000"/>
+                </a:solidFill>
+              </a:rPr>
+              <a:t>AppResponse</a:t>
+            </a:r>
+            <a:endParaRPr lang="en-US" sz="1400" dirty="0">
+              <a:solidFill>
+                <a:srgbClr val="008000"/>
+              </a:solidFill>
+            </a:endParaRPr>
+          </a:p>
+        </p:txBody>
+      </p:sp>
+      <p:cxnSp>
+        <p:nvCxnSpPr>
+          <p:cNvPr id="77" name="Straight Arrow Connector 76"/>
+          <p:cNvCxnSpPr>
+            <a:stCxn id="72" idx="3"/>
+            <a:endCxn id="16" idx="1"/>
+          </p:cNvCxnSpPr>
+          <p:nvPr/>
+        </p:nvCxnSpPr>
+        <p:spPr>
+          <a:xfrm flipV="1">
+            <a:off x="3786847" y="343876"/>
+            <a:ext cx="1508154" cy="21972"/>
+          </a:xfrm>
+          <a:prstGeom prst="straightConnector1">
+            <a:avLst/>
+          </a:prstGeom>
+          <a:ln>
+            <a:tailEnd type="arrow"/>
+          </a:ln>
+        </p:spPr>
+        <p:style>
+          <a:lnRef idx="2">
+            <a:schemeClr val="accent1"/>
+          </a:lnRef>
+          <a:fillRef idx="0">
+            <a:schemeClr val="accent1"/>
+          </a:fillRef>
+          <a:effectRef idx="1">
+            <a:schemeClr val="accent1"/>
+          </a:effectRef>
+          <a:fontRef idx="minor">
+            <a:schemeClr val="tx1"/>
+          </a:fontRef>
+        </p:style>
+      </p:cxnSp>
+      <p:sp>
+        <p:nvSpPr>
+          <p:cNvPr id="80" name="TextBox 79"/>
+          <p:cNvSpPr txBox="1"/>
+          <p:nvPr/>
+        </p:nvSpPr>
+        <p:spPr>
+          <a:xfrm>
+            <a:off x="3887413" y="365848"/>
+            <a:ext cx="1407588" cy="276999"/>
+          </a:xfrm>
+          <a:prstGeom prst="rect">
+            <a:avLst/>
+          </a:prstGeom>
+          <a:noFill/>
+        </p:spPr>
+        <p:txBody>
+          <a:bodyPr wrap="square" rtlCol="0">
+            <a:spAutoFit/>
+          </a:bodyPr>
+          <a:lstStyle/>
+          <a:p>
+            <a:r>
+              <a:rPr lang="en-US" sz="1200" dirty="0" smtClean="0"/>
+              <a:t>__call__(path)</a:t>
+            </a:r>
+            <a:endParaRPr lang="en-US" sz="1200" dirty="0"/>
+          </a:p>
+        </p:txBody>
+      </p:sp>
+      <p:sp>
+        <p:nvSpPr>
+          <p:cNvPr id="81" name="Rectangle 80"/>
+          <p:cNvSpPr/>
+          <p:nvPr/>
+        </p:nvSpPr>
+        <p:spPr>
+          <a:xfrm>
+            <a:off x="5590410" y="1845458"/>
+            <a:ext cx="1718159" cy="354699"/>
+          </a:xfrm>
+          <a:prstGeom prst="rect">
+            <a:avLst/>
+          </a:prstGeom>
+          <a:noFill/>
+        </p:spPr>
+        <p:style>
+          <a:lnRef idx="1">
+            <a:schemeClr val="accent1"/>
+          </a:lnRef>
+          <a:fillRef idx="3">
+            <a:schemeClr val="accent1"/>
+          </a:fillRef>
+          <a:effectRef idx="2">
+            <a:schemeClr val="accent1"/>
+          </a:effectRef>
+          <a:fontRef idx="minor">
+            <a:schemeClr val="lt1"/>
+          </a:fontRef>
+        </p:style>
+        <p:txBody>
+          <a:bodyPr rtlCol="0" anchor="ctr"/>
+          <a:lstStyle/>
+          <a:p>
+            <a:pPr algn="ctr"/>
+            <a:endParaRPr lang="en-US"/>
+          </a:p>
+        </p:txBody>
+      </p:sp>
+      <p:sp>
+        <p:nvSpPr>
+          <p:cNvPr id="82" name="TextBox 81"/>
+          <p:cNvSpPr txBox="1"/>
+          <p:nvPr/>
+        </p:nvSpPr>
+        <p:spPr>
+          <a:xfrm>
+            <a:off x="5590410" y="1845458"/>
+            <a:ext cx="1718159" cy="307777"/>
+          </a:xfrm>
+          <a:prstGeom prst="rect">
+            <a:avLst/>
+          </a:prstGeom>
+          <a:noFill/>
+        </p:spPr>
+        <p:txBody>
+          <a:bodyPr wrap="square" rtlCol="0">
+            <a:spAutoFit/>
+          </a:bodyPr>
+          <a:lstStyle/>
+          <a:p>
+            <a:r>
+              <a:rPr lang="en-US" sz="1400" dirty="0" err="1" smtClean="0">
+                <a:solidFill>
+                  <a:srgbClr val="008000"/>
+                </a:solidFill>
+              </a:rPr>
+              <a:t>Django</a:t>
+            </a:r>
+            <a:r>
+              <a:rPr lang="en-US" sz="1400" dirty="0" smtClean="0">
+                <a:solidFill>
+                  <a:srgbClr val="008000"/>
+                </a:solidFill>
+              </a:rPr>
+              <a:t> </a:t>
+            </a:r>
+            <a:r>
+              <a:rPr lang="en-US" sz="1400" dirty="0" err="1" smtClean="0">
+                <a:solidFill>
+                  <a:srgbClr val="008000"/>
+                </a:solidFill>
+              </a:rPr>
+              <a:t>WSGIHandler</a:t>
+            </a:r>
+            <a:endParaRPr lang="en-US" sz="1400" dirty="0">
+              <a:solidFill>
+                <a:srgbClr val="008000"/>
+              </a:solidFill>
+            </a:endParaRPr>
+          </a:p>
+        </p:txBody>
+      </p:sp>
+      <p:cxnSp>
+        <p:nvCxnSpPr>
+          <p:cNvPr id="84" name="Straight Arrow Connector 83"/>
+          <p:cNvCxnSpPr/>
+          <p:nvPr/>
+        </p:nvCxnSpPr>
+        <p:spPr>
+          <a:xfrm>
+            <a:off x="6264175" y="1455808"/>
+            <a:ext cx="0" cy="374263"/>
+          </a:xfrm>
+          <a:prstGeom prst="straightConnector1">
+            <a:avLst/>
+          </a:prstGeom>
+          <a:ln>
+            <a:tailEnd type="arrow"/>
+          </a:ln>
+        </p:spPr>
+        <p:style>
+          <a:lnRef idx="2">
+            <a:schemeClr val="accent1"/>
+          </a:lnRef>
+          <a:fillRef idx="0">
+            <a:schemeClr val="accent1"/>
+          </a:fillRef>
+          <a:effectRef idx="1">
+            <a:schemeClr val="accent1"/>
+          </a:effectRef>
+          <a:fontRef idx="minor">
+            <a:schemeClr val="tx1"/>
+          </a:fontRef>
+        </p:style>
+      </p:cxnSp>
+      <p:sp>
+        <p:nvSpPr>
+          <p:cNvPr id="85" name="Rectangle 84"/>
+          <p:cNvSpPr/>
+          <p:nvPr/>
+        </p:nvSpPr>
+        <p:spPr>
+          <a:xfrm>
+            <a:off x="5268616" y="2598587"/>
+            <a:ext cx="2174557" cy="354699"/>
+          </a:xfrm>
+          <a:prstGeom prst="rect">
+            <a:avLst/>
+          </a:prstGeom>
+          <a:noFill/>
+        </p:spPr>
+        <p:style>
+          <a:lnRef idx="1">
+            <a:schemeClr val="accent1"/>
+          </a:lnRef>
+          <a:fillRef idx="3">
+            <a:schemeClr val="accent1"/>
+          </a:fillRef>
+          <a:effectRef idx="2">
+            <a:schemeClr val="accent1"/>
+          </a:effectRef>
+          <a:fontRef idx="minor">
+            <a:schemeClr val="lt1"/>
+          </a:fontRef>
+        </p:style>
+        <p:txBody>
+          <a:bodyPr rtlCol="0" anchor="ctr"/>
+          <a:lstStyle/>
+          <a:p>
+            <a:pPr algn="ctr"/>
+            <a:endParaRPr lang="en-US"/>
+          </a:p>
+        </p:txBody>
+      </p:sp>
+      <p:sp>
+        <p:nvSpPr>
+          <p:cNvPr id="86" name="TextBox 85"/>
+          <p:cNvSpPr txBox="1"/>
+          <p:nvPr/>
+        </p:nvSpPr>
+        <p:spPr>
+          <a:xfrm>
+            <a:off x="5268616" y="2598587"/>
+            <a:ext cx="2085884" cy="307777"/>
+          </a:xfrm>
+          <a:prstGeom prst="rect">
+            <a:avLst/>
+          </a:prstGeom>
+          <a:noFill/>
+        </p:spPr>
+        <p:txBody>
+          <a:bodyPr wrap="square" rtlCol="0">
+            <a:spAutoFit/>
+          </a:bodyPr>
+          <a:lstStyle/>
+          <a:p>
+            <a:pPr algn="ctr"/>
+            <a:r>
+              <a:rPr lang="en-US" sz="1400" dirty="0" smtClean="0"/>
+              <a:t>Our app </a:t>
+            </a:r>
+            <a:r>
+              <a:rPr lang="en-US" sz="1400" dirty="0" err="1" smtClean="0"/>
+              <a:t>django</a:t>
+            </a:r>
+            <a:r>
+              <a:rPr lang="en-US" sz="1400" dirty="0" smtClean="0"/>
+              <a:t> templates</a:t>
+            </a:r>
+            <a:endParaRPr lang="en-US" sz="1400" dirty="0"/>
+          </a:p>
+        </p:txBody>
+      </p:sp>
+      <p:sp>
+        <p:nvSpPr>
+          <p:cNvPr id="88" name="TextBox 87"/>
+          <p:cNvSpPr txBox="1"/>
+          <p:nvPr/>
+        </p:nvSpPr>
+        <p:spPr>
+          <a:xfrm>
+            <a:off x="5430507" y="3521956"/>
+            <a:ext cx="914067" cy="276999"/>
+          </a:xfrm>
+          <a:prstGeom prst="rect">
+            <a:avLst/>
+          </a:prstGeom>
+          <a:noFill/>
+        </p:spPr>
+        <p:txBody>
+          <a:bodyPr wrap="square" rtlCol="0">
+            <a:spAutoFit/>
+          </a:bodyPr>
+          <a:lstStyle/>
+          <a:p>
+            <a:r>
+              <a:rPr lang="en-US" sz="1200" b="1" dirty="0" smtClean="0"/>
+              <a:t>HTML + JS </a:t>
+            </a:r>
+            <a:endParaRPr lang="en-US" sz="1200" b="1" dirty="0"/>
+          </a:p>
+        </p:txBody>
+      </p:sp>
+      <p:sp>
+        <p:nvSpPr>
+          <p:cNvPr id="89" name="TextBox 88"/>
+          <p:cNvSpPr txBox="1"/>
+          <p:nvPr/>
+        </p:nvSpPr>
+        <p:spPr>
+          <a:xfrm>
+            <a:off x="7676294" y="673624"/>
+            <a:ext cx="989219" cy="276999"/>
+          </a:xfrm>
+          <a:prstGeom prst="rect">
+            <a:avLst/>
+          </a:prstGeom>
+          <a:noFill/>
+        </p:spPr>
+        <p:txBody>
+          <a:bodyPr wrap="square" rtlCol="0">
+            <a:spAutoFit/>
+          </a:bodyPr>
+          <a:lstStyle/>
+          <a:p>
+            <a:r>
+              <a:rPr lang="en-US" sz="1200" dirty="0" smtClean="0"/>
+              <a:t>/</a:t>
+            </a:r>
+            <a:r>
+              <a:rPr lang="en-US" sz="1200" dirty="0" err="1" smtClean="0"/>
+              <a:t>dj</a:t>
+            </a:r>
+            <a:r>
+              <a:rPr lang="en-US" sz="1200" dirty="0" smtClean="0"/>
+              <a:t>/static</a:t>
+            </a:r>
+            <a:endParaRPr lang="en-US" sz="1200" dirty="0"/>
+          </a:p>
+        </p:txBody>
+      </p:sp>
+      <p:sp>
+        <p:nvSpPr>
+          <p:cNvPr id="90" name="Rectangle 89"/>
+          <p:cNvSpPr/>
+          <p:nvPr/>
+        </p:nvSpPr>
+        <p:spPr>
+          <a:xfrm>
+            <a:off x="7017692" y="3499345"/>
+            <a:ext cx="1965443" cy="354699"/>
+          </a:xfrm>
+          <a:prstGeom prst="rect">
+            <a:avLst/>
+          </a:prstGeom>
+          <a:noFill/>
+        </p:spPr>
+        <p:style>
+          <a:lnRef idx="1">
+            <a:schemeClr val="accent1"/>
+          </a:lnRef>
+          <a:fillRef idx="3">
+            <a:schemeClr val="accent1"/>
+          </a:fillRef>
+          <a:effectRef idx="2">
+            <a:schemeClr val="accent1"/>
+          </a:effectRef>
+          <a:fontRef idx="minor">
+            <a:schemeClr val="lt1"/>
+          </a:fontRef>
+        </p:style>
+        <p:txBody>
+          <a:bodyPr rtlCol="0" anchor="ctr"/>
+          <a:lstStyle/>
+          <a:p>
+            <a:pPr algn="ctr"/>
+            <a:endParaRPr lang="en-US"/>
+          </a:p>
+        </p:txBody>
+      </p:sp>
+      <p:sp>
+        <p:nvSpPr>
+          <p:cNvPr id="91" name="TextBox 90"/>
+          <p:cNvSpPr txBox="1"/>
+          <p:nvPr/>
+        </p:nvSpPr>
+        <p:spPr>
+          <a:xfrm>
+            <a:off x="7017692" y="3499345"/>
+            <a:ext cx="2085884" cy="307777"/>
+          </a:xfrm>
+          <a:prstGeom prst="rect">
+            <a:avLst/>
+          </a:prstGeom>
+          <a:noFill/>
+        </p:spPr>
+        <p:txBody>
+          <a:bodyPr wrap="square" rtlCol="0">
+            <a:spAutoFit/>
+          </a:bodyPr>
+          <a:lstStyle/>
+          <a:p>
+            <a:r>
+              <a:rPr lang="en-US" sz="1400" dirty="0" err="1" smtClean="0">
+                <a:solidFill>
+                  <a:srgbClr val="008000"/>
+                </a:solidFill>
+              </a:rPr>
+              <a:t>Django</a:t>
+            </a:r>
+            <a:r>
+              <a:rPr lang="en-US" sz="1400" dirty="0" smtClean="0">
+                <a:solidFill>
+                  <a:srgbClr val="008000"/>
+                </a:solidFill>
+              </a:rPr>
+              <a:t> templates engine</a:t>
+            </a:r>
+            <a:endParaRPr lang="en-US" sz="1400" dirty="0">
+              <a:solidFill>
+                <a:srgbClr val="008000"/>
+              </a:solidFill>
+            </a:endParaRPr>
+          </a:p>
+        </p:txBody>
+      </p:sp>
+      <p:cxnSp>
+        <p:nvCxnSpPr>
+          <p:cNvPr id="93" name="Straight Arrow Connector 92"/>
+          <p:cNvCxnSpPr/>
+          <p:nvPr/>
+        </p:nvCxnSpPr>
+        <p:spPr>
+          <a:xfrm>
+            <a:off x="6277068" y="2184769"/>
+            <a:ext cx="0" cy="448612"/>
+          </a:xfrm>
+          <a:prstGeom prst="straightConnector1">
+            <a:avLst/>
+          </a:prstGeom>
+          <a:ln>
+            <a:tailEnd type="arrow"/>
+          </a:ln>
+        </p:spPr>
+        <p:style>
+          <a:lnRef idx="2">
+            <a:schemeClr val="accent1"/>
+          </a:lnRef>
+          <a:fillRef idx="0">
+            <a:schemeClr val="accent1"/>
+          </a:fillRef>
+          <a:effectRef idx="1">
+            <a:schemeClr val="accent1"/>
+          </a:effectRef>
+          <a:fontRef idx="minor">
+            <a:schemeClr val="tx1"/>
+          </a:fontRef>
+        </p:style>
+      </p:cxnSp>
+      <p:cxnSp>
+        <p:nvCxnSpPr>
+          <p:cNvPr id="96" name="Straight Arrow Connector 95"/>
+          <p:cNvCxnSpPr/>
+          <p:nvPr/>
+        </p:nvCxnSpPr>
+        <p:spPr>
+          <a:xfrm flipH="1" flipV="1">
+            <a:off x="6837611" y="2977918"/>
+            <a:ext cx="470958" cy="545342"/>
+          </a:xfrm>
+          <a:prstGeom prst="straightConnector1">
+            <a:avLst/>
+          </a:prstGeom>
+          <a:ln>
+            <a:tailEnd type="arrow"/>
+          </a:ln>
+        </p:spPr>
+        <p:style>
+          <a:lnRef idx="2">
+            <a:schemeClr val="accent1"/>
+          </a:lnRef>
+          <a:fillRef idx="0">
+            <a:schemeClr val="accent1"/>
+          </a:fillRef>
+          <a:effectRef idx="1">
+            <a:schemeClr val="accent1"/>
+          </a:effectRef>
+          <a:fontRef idx="minor">
+            <a:schemeClr val="tx1"/>
+          </a:fontRef>
+        </p:style>
+      </p:cxnSp>
+      <p:sp>
+        <p:nvSpPr>
+          <p:cNvPr id="104" name="Magnetic Disk 103"/>
+          <p:cNvSpPr/>
+          <p:nvPr/>
+        </p:nvSpPr>
+        <p:spPr>
+          <a:xfrm>
+            <a:off x="8170903" y="5799439"/>
+            <a:ext cx="701524" cy="633003"/>
+          </a:xfrm>
+          <a:prstGeom prst="flowChartMagneticDisk">
+            <a:avLst/>
+          </a:prstGeom>
+        </p:spPr>
+        <p:style>
+          <a:lnRef idx="1">
+            <a:schemeClr val="accent1"/>
+          </a:lnRef>
+          <a:fillRef idx="3">
+            <a:schemeClr val="accent1"/>
+          </a:fillRef>
+          <a:effectRef idx="2">
+            <a:schemeClr val="accent1"/>
+          </a:effectRef>
+          <a:fontRef idx="minor">
+            <a:schemeClr val="lt1"/>
+          </a:fontRef>
+        </p:style>
+        <p:txBody>
+          <a:bodyPr rtlCol="0" anchor="ctr"/>
+          <a:lstStyle/>
+          <a:p>
+            <a:pPr algn="ctr"/>
+            <a:endParaRPr lang="en-US"/>
+          </a:p>
+        </p:txBody>
+      </p:sp>
+      <p:sp>
+        <p:nvSpPr>
+          <p:cNvPr id="105" name="TextBox 104"/>
+          <p:cNvSpPr txBox="1"/>
+          <p:nvPr/>
+        </p:nvSpPr>
+        <p:spPr>
+          <a:xfrm>
+            <a:off x="7978256" y="5527327"/>
+            <a:ext cx="989219" cy="276999"/>
+          </a:xfrm>
+          <a:prstGeom prst="rect">
+            <a:avLst/>
+          </a:prstGeom>
+          <a:noFill/>
+        </p:spPr>
+        <p:txBody>
+          <a:bodyPr wrap="square" rtlCol="0">
+            <a:spAutoFit/>
+          </a:bodyPr>
+          <a:lstStyle/>
+          <a:p>
+            <a:pPr algn="ctr"/>
+            <a:r>
+              <a:rPr lang="en-US" sz="1200" dirty="0" err="1" smtClean="0"/>
+              <a:t>splunkd</a:t>
+            </a:r>
+            <a:endParaRPr lang="en-US" sz="1200" dirty="0"/>
+          </a:p>
+        </p:txBody>
+      </p:sp>
+      <p:cxnSp>
+        <p:nvCxnSpPr>
+          <p:cNvPr id="117" name="Curved Connector 116"/>
+          <p:cNvCxnSpPr>
+            <a:stCxn id="39" idx="2"/>
+            <a:endCxn id="124" idx="0"/>
+          </p:cNvCxnSpPr>
+          <p:nvPr/>
+        </p:nvCxnSpPr>
+        <p:spPr>
+          <a:xfrm rot="5400000">
+            <a:off x="6104487" y="5726894"/>
+            <a:ext cx="439652" cy="40521"/>
+          </a:xfrm>
+          <a:prstGeom prst="curvedConnector3">
+            <a:avLst>
+              <a:gd name="adj1" fmla="val 50000"/>
+            </a:avLst>
+          </a:prstGeom>
+          <a:ln>
+            <a:tailEnd type="arrow"/>
+          </a:ln>
+        </p:spPr>
+        <p:style>
+          <a:lnRef idx="2">
+            <a:schemeClr val="accent1"/>
+          </a:lnRef>
+          <a:fillRef idx="0">
+            <a:schemeClr val="accent1"/>
+          </a:fillRef>
+          <a:effectRef idx="1">
+            <a:schemeClr val="accent1"/>
+          </a:effectRef>
+          <a:fontRef idx="minor">
+            <a:schemeClr val="tx1"/>
+          </a:fontRef>
+        </p:style>
+      </p:cxnSp>
+      <p:sp>
+        <p:nvSpPr>
+          <p:cNvPr id="118" name="TextBox 117"/>
+          <p:cNvSpPr txBox="1"/>
+          <p:nvPr/>
+        </p:nvSpPr>
+        <p:spPr>
+          <a:xfrm>
+            <a:off x="7017692" y="5838942"/>
+            <a:ext cx="1123328" cy="276999"/>
+          </a:xfrm>
+          <a:prstGeom prst="rect">
+            <a:avLst/>
+          </a:prstGeom>
+          <a:noFill/>
+        </p:spPr>
+        <p:txBody>
+          <a:bodyPr wrap="square" rtlCol="0">
+            <a:spAutoFit/>
+          </a:bodyPr>
+          <a:lstStyle/>
+          <a:p>
+            <a:pPr algn="ctr"/>
+            <a:r>
+              <a:rPr lang="en-US" sz="1200" dirty="0" err="1" smtClean="0"/>
+              <a:t>RESTEndpoint</a:t>
+            </a:r>
+            <a:endParaRPr lang="en-US" sz="1200" dirty="0"/>
+          </a:p>
+        </p:txBody>
+      </p:sp>
+      <p:sp>
+        <p:nvSpPr>
+          <p:cNvPr id="124" name="Rectangle 123"/>
+          <p:cNvSpPr/>
+          <p:nvPr/>
+        </p:nvSpPr>
+        <p:spPr>
+          <a:xfrm>
+            <a:off x="5590410" y="5966980"/>
+            <a:ext cx="1427284" cy="354698"/>
+          </a:xfrm>
+          <a:prstGeom prst="rect">
+            <a:avLst/>
+          </a:prstGeom>
+          <a:noFill/>
+        </p:spPr>
+        <p:style>
+          <a:lnRef idx="1">
+            <a:schemeClr val="accent1"/>
+          </a:lnRef>
+          <a:fillRef idx="3">
+            <a:schemeClr val="accent1"/>
+          </a:fillRef>
+          <a:effectRef idx="2">
+            <a:schemeClr val="accent1"/>
+          </a:effectRef>
+          <a:fontRef idx="minor">
+            <a:schemeClr val="lt1"/>
+          </a:fontRef>
+        </p:style>
+        <p:txBody>
+          <a:bodyPr rtlCol="0" anchor="ctr"/>
+          <a:lstStyle/>
+          <a:p>
+            <a:pPr algn="ctr"/>
+            <a:endParaRPr lang="en-US"/>
+          </a:p>
+        </p:txBody>
+      </p:sp>
+      <p:sp>
+        <p:nvSpPr>
+          <p:cNvPr id="125" name="TextBox 124"/>
+          <p:cNvSpPr txBox="1"/>
+          <p:nvPr/>
+        </p:nvSpPr>
+        <p:spPr>
+          <a:xfrm>
+            <a:off x="5671453" y="5966980"/>
+            <a:ext cx="1346240" cy="307777"/>
+          </a:xfrm>
+          <a:prstGeom prst="rect">
+            <a:avLst/>
+          </a:prstGeom>
+          <a:noFill/>
+        </p:spPr>
+        <p:txBody>
+          <a:bodyPr wrap="square" rtlCol="0">
+            <a:spAutoFit/>
+          </a:bodyPr>
+          <a:lstStyle/>
+          <a:p>
+            <a:pPr algn="ctr"/>
+            <a:r>
+              <a:rPr lang="en-US" sz="1400" dirty="0" smtClean="0"/>
+              <a:t>rest</a:t>
+            </a:r>
+            <a:endParaRPr lang="en-US" sz="1400" dirty="0"/>
+          </a:p>
+        </p:txBody>
+      </p:sp>
+      <p:cxnSp>
+        <p:nvCxnSpPr>
+          <p:cNvPr id="132" name="Straight Arrow Connector 131"/>
+          <p:cNvCxnSpPr>
+            <a:stCxn id="125" idx="3"/>
+            <a:endCxn id="104" idx="2"/>
+          </p:cNvCxnSpPr>
+          <p:nvPr/>
+        </p:nvCxnSpPr>
+        <p:spPr>
+          <a:xfrm flipV="1">
+            <a:off x="7017693" y="6115941"/>
+            <a:ext cx="1153210" cy="4928"/>
+          </a:xfrm>
+          <a:prstGeom prst="straightConnector1">
+            <a:avLst/>
+          </a:prstGeom>
+          <a:ln>
+            <a:tailEnd type="arrow"/>
+          </a:ln>
+        </p:spPr>
+        <p:style>
+          <a:lnRef idx="2">
+            <a:schemeClr val="accent1"/>
+          </a:lnRef>
+          <a:fillRef idx="0">
+            <a:schemeClr val="accent1"/>
+          </a:fillRef>
+          <a:effectRef idx="1">
+            <a:schemeClr val="accent1"/>
+          </a:effectRef>
+          <a:fontRef idx="minor">
+            <a:schemeClr val="tx1"/>
+          </a:fontRef>
+        </p:style>
+      </p:cxnSp>
+      <p:sp>
+        <p:nvSpPr>
+          <p:cNvPr id="142" name="Left Brace 141"/>
+          <p:cNvSpPr/>
+          <p:nvPr/>
+        </p:nvSpPr>
+        <p:spPr>
+          <a:xfrm>
+            <a:off x="1479117" y="1983960"/>
+            <a:ext cx="607967" cy="3766372"/>
+          </a:xfrm>
+          <a:prstGeom prst="leftBrace">
+            <a:avLst/>
+          </a:prstGeom>
+        </p:spPr>
+        <p:style>
+          <a:lnRef idx="2">
+            <a:schemeClr val="accent1"/>
+          </a:lnRef>
+          <a:fillRef idx="0">
+            <a:schemeClr val="accent1"/>
+          </a:fillRef>
+          <a:effectRef idx="1">
+            <a:schemeClr val="accent1"/>
+          </a:effectRef>
+          <a:fontRef idx="minor">
+            <a:schemeClr val="tx1"/>
+          </a:fontRef>
+        </p:style>
+        <p:txBody>
+          <a:bodyPr rtlCol="0" anchor="ctr"/>
+          <a:lstStyle/>
+          <a:p>
+            <a:pPr algn="ctr"/>
+            <a:endParaRPr lang="en-US"/>
+          </a:p>
+        </p:txBody>
+      </p:sp>
+      <p:sp>
+        <p:nvSpPr>
+          <p:cNvPr id="147" name="Rectangle 146"/>
+          <p:cNvSpPr/>
+          <p:nvPr/>
+        </p:nvSpPr>
+        <p:spPr>
+          <a:xfrm>
+            <a:off x="79923" y="3617788"/>
+            <a:ext cx="1399194" cy="568639"/>
+          </a:xfrm>
+          <a:prstGeom prst="rect">
+            <a:avLst/>
+          </a:prstGeom>
+          <a:noFill/>
+        </p:spPr>
+        <p:style>
+          <a:lnRef idx="1">
+            <a:schemeClr val="accent1"/>
+          </a:lnRef>
+          <a:fillRef idx="3">
+            <a:schemeClr val="accent1"/>
+          </a:fillRef>
+          <a:effectRef idx="2">
+            <a:schemeClr val="accent1"/>
+          </a:effectRef>
+          <a:fontRef idx="minor">
+            <a:schemeClr val="lt1"/>
+          </a:fontRef>
+        </p:style>
+        <p:txBody>
+          <a:bodyPr rtlCol="0" anchor="ctr"/>
+          <a:lstStyle/>
+          <a:p>
+            <a:pPr algn="ctr"/>
+            <a:endParaRPr lang="en-US"/>
+          </a:p>
+        </p:txBody>
+      </p:sp>
+      <p:sp>
+        <p:nvSpPr>
+          <p:cNvPr id="148" name="TextBox 147"/>
+          <p:cNvSpPr txBox="1"/>
+          <p:nvPr/>
+        </p:nvSpPr>
+        <p:spPr>
+          <a:xfrm>
+            <a:off x="79923" y="3648566"/>
+            <a:ext cx="1399194" cy="523220"/>
+          </a:xfrm>
+          <a:prstGeom prst="rect">
+            <a:avLst/>
+          </a:prstGeom>
+          <a:noFill/>
+        </p:spPr>
+        <p:txBody>
+          <a:bodyPr wrap="square" rtlCol="0">
+            <a:spAutoFit/>
+          </a:bodyPr>
+          <a:lstStyle/>
+          <a:p>
+            <a:pPr algn="ctr"/>
+            <a:r>
+              <a:rPr lang="en-US" sz="1400" dirty="0" smtClean="0"/>
+              <a:t>Splunk </a:t>
+            </a:r>
+            <a:r>
+              <a:rPr lang="en-US" sz="1400" dirty="0" err="1" smtClean="0"/>
+              <a:t>Mako</a:t>
+            </a:r>
+            <a:r>
+              <a:rPr lang="en-US" sz="1400" dirty="0" smtClean="0"/>
+              <a:t> </a:t>
+            </a:r>
+          </a:p>
+          <a:p>
+            <a:pPr algn="ctr"/>
+            <a:r>
+              <a:rPr lang="en-US" sz="1400" dirty="0" smtClean="0"/>
+              <a:t>templates</a:t>
+            </a:r>
+            <a:endParaRPr lang="en-US" sz="1400" dirty="0"/>
+          </a:p>
+        </p:txBody>
+      </p:sp>
+      <p:sp>
+        <p:nvSpPr>
+          <p:cNvPr id="149" name="Rectangle 148"/>
+          <p:cNvSpPr/>
+          <p:nvPr/>
+        </p:nvSpPr>
+        <p:spPr>
+          <a:xfrm>
+            <a:off x="97329" y="2526321"/>
+            <a:ext cx="1381788" cy="549794"/>
+          </a:xfrm>
+          <a:prstGeom prst="rect">
+            <a:avLst/>
+          </a:prstGeom>
+          <a:noFill/>
+        </p:spPr>
+        <p:style>
+          <a:lnRef idx="1">
+            <a:schemeClr val="accent1"/>
+          </a:lnRef>
+          <a:fillRef idx="3">
+            <a:schemeClr val="accent1"/>
+          </a:fillRef>
+          <a:effectRef idx="2">
+            <a:schemeClr val="accent1"/>
+          </a:effectRef>
+          <a:fontRef idx="minor">
+            <a:schemeClr val="lt1"/>
+          </a:fontRef>
+        </p:style>
+        <p:txBody>
+          <a:bodyPr rtlCol="0" anchor="ctr"/>
+          <a:lstStyle/>
+          <a:p>
+            <a:pPr algn="ctr"/>
+            <a:endParaRPr lang="en-US"/>
+          </a:p>
+        </p:txBody>
+      </p:sp>
+      <p:sp>
+        <p:nvSpPr>
+          <p:cNvPr id="150" name="TextBox 149"/>
+          <p:cNvSpPr txBox="1"/>
+          <p:nvPr/>
+        </p:nvSpPr>
+        <p:spPr>
+          <a:xfrm>
+            <a:off x="84674" y="2552894"/>
+            <a:ext cx="1394443" cy="523220"/>
+          </a:xfrm>
+          <a:prstGeom prst="rect">
+            <a:avLst/>
+          </a:prstGeom>
+          <a:noFill/>
+        </p:spPr>
+        <p:txBody>
+          <a:bodyPr wrap="square" rtlCol="0">
+            <a:spAutoFit/>
+          </a:bodyPr>
+          <a:lstStyle/>
+          <a:p>
+            <a:pPr algn="ctr"/>
+            <a:r>
+              <a:rPr lang="en-US" sz="1400" dirty="0" err="1" smtClean="0">
+                <a:solidFill>
+                  <a:srgbClr val="008000"/>
+                </a:solidFill>
+              </a:rPr>
+              <a:t>Mako</a:t>
+            </a:r>
+            <a:r>
+              <a:rPr lang="en-US" sz="1400" dirty="0" smtClean="0">
+                <a:solidFill>
+                  <a:srgbClr val="008000"/>
+                </a:solidFill>
+              </a:rPr>
+              <a:t> templates engine</a:t>
+            </a:r>
+            <a:endParaRPr lang="en-US" sz="1400" dirty="0">
+              <a:solidFill>
+                <a:srgbClr val="008000"/>
+              </a:solidFill>
+            </a:endParaRPr>
+          </a:p>
+        </p:txBody>
+      </p:sp>
+      <p:cxnSp>
+        <p:nvCxnSpPr>
+          <p:cNvPr id="152" name="Straight Arrow Connector 151"/>
+          <p:cNvCxnSpPr>
+            <a:stCxn id="149" idx="2"/>
+            <a:endCxn id="147" idx="0"/>
+          </p:cNvCxnSpPr>
+          <p:nvPr/>
+        </p:nvCxnSpPr>
+        <p:spPr>
+          <a:xfrm flipH="1">
+            <a:off x="779520" y="3076115"/>
+            <a:ext cx="8703" cy="541673"/>
+          </a:xfrm>
+          <a:prstGeom prst="straightConnector1">
+            <a:avLst/>
+          </a:prstGeom>
+          <a:ln>
+            <a:tailEnd type="arrow"/>
+          </a:ln>
+        </p:spPr>
+        <p:style>
+          <a:lnRef idx="2">
+            <a:schemeClr val="accent1"/>
+          </a:lnRef>
+          <a:fillRef idx="0">
+            <a:schemeClr val="accent1"/>
+          </a:fillRef>
+          <a:effectRef idx="1">
+            <a:schemeClr val="accent1"/>
+          </a:effectRef>
+          <a:fontRef idx="minor">
+            <a:schemeClr val="tx1"/>
+          </a:fontRef>
+        </p:style>
+      </p:cxnSp>
+      <p:cxnSp>
+        <p:nvCxnSpPr>
+          <p:cNvPr id="154" name="Curved Connector 153"/>
+          <p:cNvCxnSpPr>
+            <a:endCxn id="124" idx="1"/>
+          </p:cNvCxnSpPr>
+          <p:nvPr/>
+        </p:nvCxnSpPr>
+        <p:spPr>
+          <a:xfrm>
+            <a:off x="1752433" y="5421065"/>
+            <a:ext cx="3837977" cy="723264"/>
+          </a:xfrm>
+          <a:prstGeom prst="curvedConnector3">
+            <a:avLst>
+              <a:gd name="adj1" fmla="val -9903"/>
+            </a:avLst>
+          </a:prstGeom>
+          <a:ln>
+            <a:tailEnd type="arrow"/>
+          </a:ln>
+        </p:spPr>
+        <p:style>
+          <a:lnRef idx="2">
+            <a:schemeClr val="accent1"/>
+          </a:lnRef>
+          <a:fillRef idx="0">
+            <a:schemeClr val="accent1"/>
+          </a:fillRef>
+          <a:effectRef idx="1">
+            <a:schemeClr val="accent1"/>
+          </a:effectRef>
+          <a:fontRef idx="minor">
+            <a:schemeClr val="tx1"/>
+          </a:fontRef>
+        </p:style>
+      </p:cxnSp>
+      <p:sp>
+        <p:nvSpPr>
+          <p:cNvPr id="167" name="TextBox 166"/>
+          <p:cNvSpPr txBox="1"/>
+          <p:nvPr/>
+        </p:nvSpPr>
+        <p:spPr>
+          <a:xfrm>
+            <a:off x="322486" y="1877371"/>
+            <a:ext cx="914067" cy="276999"/>
+          </a:xfrm>
+          <a:prstGeom prst="rect">
+            <a:avLst/>
+          </a:prstGeom>
+          <a:noFill/>
+        </p:spPr>
+        <p:txBody>
+          <a:bodyPr wrap="square" rtlCol="0">
+            <a:spAutoFit/>
+          </a:bodyPr>
+          <a:lstStyle/>
+          <a:p>
+            <a:r>
+              <a:rPr lang="en-US" sz="1200" b="1" dirty="0" smtClean="0"/>
+              <a:t>HTML + JS </a:t>
+            </a:r>
+            <a:endParaRPr lang="en-US" sz="1200" b="1" dirty="0"/>
+          </a:p>
+        </p:txBody>
+      </p:sp>
+      <p:cxnSp>
+        <p:nvCxnSpPr>
+          <p:cNvPr id="171" name="Straight Arrow Connector 170"/>
+          <p:cNvCxnSpPr>
+            <a:stCxn id="90" idx="1"/>
+            <a:endCxn id="88" idx="3"/>
+          </p:cNvCxnSpPr>
+          <p:nvPr/>
+        </p:nvCxnSpPr>
+        <p:spPr>
+          <a:xfrm flipH="1" flipV="1">
+            <a:off x="6344574" y="3660456"/>
+            <a:ext cx="673118" cy="16239"/>
+          </a:xfrm>
+          <a:prstGeom prst="straightConnector1">
+            <a:avLst/>
+          </a:prstGeom>
+          <a:ln>
+            <a:tailEnd type="arrow"/>
+          </a:ln>
+        </p:spPr>
+        <p:style>
+          <a:lnRef idx="2">
+            <a:schemeClr val="accent1"/>
+          </a:lnRef>
+          <a:fillRef idx="0">
+            <a:schemeClr val="accent1"/>
+          </a:fillRef>
+          <a:effectRef idx="1">
+            <a:schemeClr val="accent1"/>
+          </a:effectRef>
+          <a:fontRef idx="minor">
+            <a:schemeClr val="tx1"/>
+          </a:fontRef>
+        </p:style>
+      </p:cxnSp>
+      <p:cxnSp>
+        <p:nvCxnSpPr>
+          <p:cNvPr id="176" name="Straight Arrow Connector 175"/>
+          <p:cNvCxnSpPr>
+            <a:stCxn id="149" idx="0"/>
+            <a:endCxn id="167" idx="2"/>
+          </p:cNvCxnSpPr>
+          <p:nvPr/>
+        </p:nvCxnSpPr>
+        <p:spPr>
+          <a:xfrm flipH="1" flipV="1">
+            <a:off x="779520" y="2154370"/>
+            <a:ext cx="8703" cy="371951"/>
+          </a:xfrm>
+          <a:prstGeom prst="straightConnector1">
+            <a:avLst/>
+          </a:prstGeom>
+          <a:ln>
+            <a:tailEnd type="arrow"/>
+          </a:ln>
+        </p:spPr>
+        <p:style>
+          <a:lnRef idx="2">
+            <a:schemeClr val="accent1"/>
+          </a:lnRef>
+          <a:fillRef idx="0">
+            <a:schemeClr val="accent1"/>
+          </a:fillRef>
+          <a:effectRef idx="1">
+            <a:schemeClr val="accent1"/>
+          </a:effectRef>
+          <a:fontRef idx="minor">
+            <a:schemeClr val="tx1"/>
+          </a:fontRef>
+        </p:style>
+      </p:cxnSp>
     </p:spTree>
     <p:extLst>
       <p:ext uri="{BB962C8B-B14F-4D97-AF65-F5344CB8AC3E}">
-        <p14:creationId xmlns:p14="http://schemas.microsoft.com/office/powerpoint/2010/main" val="2405536816"/>
+        <p14:creationId xmlns:p14="http://schemas.microsoft.com/office/powerpoint/2010/main" val="2841128578"/>
       </p:ext>
     </p:extLst>
   </p:cSld>
@@ -7189,8 +7586,8 @@
           <a:lstStyle/>
           <a:p>
             <a:r>
-              <a:rPr lang="en-US" dirty="0" err="1" smtClean="0"/>
-              <a:t>Misc</a:t>
+              <a:rPr lang="en-US" dirty="0" smtClean="0"/>
+              <a:t>Cache &amp; decorator</a:t>
             </a:r>
             <a:endParaRPr lang="en-US" dirty="0"/>
           </a:p>
@@ -7215,6 +7612,160 @@
           <a:p>
             <a:r>
               <a:rPr lang="en-US" sz="2000" dirty="0" smtClean="0"/>
+              <a:t>Something expensive to parse/render</a:t>
+            </a:r>
+          </a:p>
+          <a:p>
+            <a:pPr lvl="1"/>
+            <a:r>
+              <a:rPr lang="en-US" sz="1600" dirty="0" smtClean="0"/>
+              <a:t>(Parsed) Views – </a:t>
+            </a:r>
+            <a:r>
+              <a:rPr lang="en-US" sz="1600" dirty="0" err="1" smtClean="0"/>
+              <a:t>memoizedviews.py</a:t>
+            </a:r>
+            <a:r>
+              <a:rPr lang="en-US" sz="1600" dirty="0" smtClean="0"/>
+              <a:t> (high level)</a:t>
+            </a:r>
+          </a:p>
+          <a:p>
+            <a:pPr lvl="1"/>
+            <a:r>
+              <a:rPr lang="en-US" sz="1600" dirty="0" err="1" smtClean="0"/>
+              <a:t>SimpleXML</a:t>
+            </a:r>
+            <a:r>
+              <a:rPr lang="en-US" sz="1600" dirty="0" smtClean="0"/>
+              <a:t> (Entity from </a:t>
+            </a:r>
+            <a:r>
+              <a:rPr lang="en-US" sz="1600" dirty="0" err="1" smtClean="0"/>
+              <a:t>splunkd</a:t>
+            </a:r>
+            <a:r>
+              <a:rPr lang="en-US" sz="1600" dirty="0" smtClean="0"/>
+              <a:t>) – </a:t>
+            </a:r>
+            <a:r>
+              <a:rPr lang="en-US" sz="1600" dirty="0" err="1" smtClean="0"/>
+              <a:t>cached.py</a:t>
+            </a:r>
+            <a:r>
+              <a:rPr lang="en-US" sz="1600" dirty="0" smtClean="0"/>
+              <a:t> (low level)</a:t>
+            </a:r>
+          </a:p>
+          <a:p>
+            <a:pPr marL="457200" lvl="1" indent="0">
+              <a:buNone/>
+            </a:pPr>
+            <a:endParaRPr lang="en-US" sz="1600" dirty="0" smtClean="0"/>
+          </a:p>
+          <a:p>
+            <a:r>
+              <a:rPr lang="en-US" sz="2000" dirty="0" smtClean="0"/>
+              <a:t>Super decorator (the pattern)</a:t>
+            </a:r>
+          </a:p>
+          <a:p>
+            <a:pPr lvl="1"/>
+            <a:r>
+              <a:rPr lang="en-US" sz="1600" dirty="0" smtClean="0"/>
+              <a:t>Usually chained, say </a:t>
+            </a:r>
+            <a:r>
+              <a:rPr lang="en-US" sz="1600" dirty="0" err="1" smtClean="0"/>
+              <a:t>ip</a:t>
+            </a:r>
+            <a:r>
+              <a:rPr lang="en-US" sz="1600" dirty="0" smtClean="0"/>
+              <a:t> validation, </a:t>
+            </a:r>
+            <a:r>
+              <a:rPr lang="en-US" sz="1600" dirty="0" err="1" smtClean="0"/>
+              <a:t>sso</a:t>
+            </a:r>
+            <a:r>
+              <a:rPr lang="en-US" sz="1600" dirty="0" smtClean="0"/>
+              <a:t>, login check, exception handler, and cache</a:t>
+            </a:r>
+          </a:p>
+        </p:txBody>
+      </p:sp>
+    </p:spTree>
+    <p:extLst>
+      <p:ext uri="{BB962C8B-B14F-4D97-AF65-F5344CB8AC3E}">
+        <p14:creationId xmlns:p14="http://schemas.microsoft.com/office/powerpoint/2010/main" val="2405536816"/>
+      </p:ext>
+    </p:extLst>
+  </p:cSld>
+  <p:clrMapOvr>
+    <a:masterClrMapping/>
+  </p:clrMapOvr>
+</p:sld>
+</file>
+
+<file path=ppt/slides/slide8.xml><?xml version="1.0" encoding="utf-8"?>
+<p:sld xmlns:a="http://schemas.openxmlformats.org/drawingml/2006/main" xmlns:r="http://schemas.openxmlformats.org/officeDocument/2006/relationships" xmlns:p="http://schemas.openxmlformats.org/presentationml/2006/main">
+  <p:cSld>
+    <p:spTree>
+      <p:nvGrpSpPr>
+        <p:cNvPr id="1" name=""/>
+        <p:cNvGrpSpPr/>
+        <p:nvPr/>
+      </p:nvGrpSpPr>
+      <p:grpSpPr>
+        <a:xfrm>
+          <a:off x="0" y="0"/>
+          <a:ext cx="0" cy="0"/>
+          <a:chOff x="0" y="0"/>
+          <a:chExt cx="0" cy="0"/>
+        </a:xfrm>
+      </p:grpSpPr>
+      <p:sp>
+        <p:nvSpPr>
+          <p:cNvPr id="2" name="Title 1"/>
+          <p:cNvSpPr>
+            <a:spLocks noGrp="1"/>
+          </p:cNvSpPr>
+          <p:nvPr>
+            <p:ph type="title"/>
+          </p:nvPr>
+        </p:nvSpPr>
+        <p:spPr/>
+        <p:txBody>
+          <a:bodyPr/>
+          <a:lstStyle/>
+          <a:p>
+            <a:r>
+              <a:rPr lang="en-US" dirty="0" err="1" smtClean="0"/>
+              <a:t>Misc</a:t>
+            </a:r>
+            <a:endParaRPr lang="en-US" dirty="0"/>
+          </a:p>
+        </p:txBody>
+      </p:sp>
+      <p:sp>
+        <p:nvSpPr>
+          <p:cNvPr id="3" name="Content Placeholder 2"/>
+          <p:cNvSpPr>
+            <a:spLocks noGrp="1"/>
+          </p:cNvSpPr>
+          <p:nvPr>
+            <p:ph idx="1"/>
+          </p:nvPr>
+        </p:nvSpPr>
+        <p:spPr/>
+        <p:txBody>
+          <a:bodyPr>
+            <a:normAutofit/>
+          </a:bodyPr>
+          <a:lstStyle/>
+          <a:p>
+            <a:r>
+              <a:rPr lang="en-US" sz="2000" dirty="0" smtClean="0"/>
               <a:t>Hierarchical logging</a:t>
             </a:r>
           </a:p>
@@ -7222,11 +7773,7 @@
             <a:pPr lvl="1"/>
             <a:r>
               <a:rPr lang="en-US" sz="1600" dirty="0" err="1" smtClean="0"/>
-              <a:t>s</a:t>
-            </a:r>
-            <a:r>
-              <a:rPr lang="en-US" sz="1600" dirty="0" err="1" smtClean="0"/>
-              <a:t>plunk</a:t>
+              <a:t>splunk</a:t>
             </a:r>
             <a:r>
               <a:rPr lang="en-US" sz="1600" dirty="0" smtClean="0"/>
@@ -7280,11 +7827,7 @@
             </a:br>
             <a:r>
               <a:rPr lang="en-US" sz="1600" dirty="0" smtClean="0"/>
-              <a:t>     |</a:t>
-            </a:r>
-            <a:r>
-              <a:rPr lang="en-US" sz="1600" dirty="0" smtClean="0"/>
-              <a:t>---&gt; rest</a:t>
+              <a:t>     |---&gt; rest</a:t>
             </a:r>
             <a:br>
               <a:rPr lang="en-US" sz="1600" dirty="0" smtClean="0"/>
@@ -7384,13 +7927,7 @@
               <a:rPr lang="en-US" sz="2000" dirty="0" smtClean="0">
                 <a:sym typeface="Wingdings"/>
               </a:rPr>
-              <a:t>&lt;--</a:t>
-            </a:r>
-            <a:r>
-              <a:rPr lang="en-US" sz="2000" dirty="0" smtClean="0">
-                <a:sym typeface="Wingdings"/>
-              </a:rPr>
-              <a:t>&gt; </a:t>
+              <a:t>&lt;--&gt; </a:t>
             </a:r>
             <a:r>
               <a:rPr lang="en-US" sz="2000" dirty="0" smtClean="0"/>
@@ -7781,4 +8318,324 @@
   </a:objectDefaults>
   <a:extraClrSchemeLst/>
 </a:theme>
+</file>
+
+<file path=ppt/theme/theme2.xml><?xml version="1.0" encoding="utf-8"?>
+<a:theme xmlns:a="http://schemas.openxmlformats.org/drawingml/2006/main" name="Office Theme">
+  <a:themeElements>
+    <a:clrScheme name="Office">
+      <a:dk1>
+        <a:sysClr val="windowText" lastClr="000000"/>
+      </a:dk1>
+      <a:lt1>
+        <a:sysClr val="window" lastClr="FFFFFF"/>
+      </a:lt1>
+      <a:dk2>
+        <a:srgbClr val="1F497D"/>
+      </a:dk2>
+      <a:lt2>
+        <a:srgbClr val="EEECE1"/>
+      </a:lt2>
+      <a:accent1>
+        <a:srgbClr val="4F81BD"/>
+      </a:accent1>
+      <a:accent2>
+        <a:srgbClr val="C0504D"/>
+      </a:accent2>
+      <a:accent3>
+        <a:srgbClr val="9BBB59"/>
+      </a:accent3>
+      <a:accent4>
+        <a:srgbClr val="8064A2"/>
+      </a:accent4>
+      <a:accent5>
+        <a:srgbClr val="4BACC6"/>
+      </a:accent5>
+      <a:accent6>
+        <a:srgbClr val="F79646"/>
+      </a:accent6>
+      <a:hlink>
+        <a:srgbClr val="0000FF"/>
+      </a:hlink>
+      <a:folHlink>
+        <a:srgbClr val="800080"/>
+      </a:folHlink>
+    </a:clrScheme>
+    <a:fontScheme name="Office">
+      <a:majorFont>
+        <a:latin typeface="Calibri"/>
+        <a:ea typeface=""/>
+        <a:cs typeface=""/>
+        <a:font script="Jpan" typeface="ＭＳ Ｐゴシック"/>
+        <a:font script="Hang" typeface="맑은 고딕"/>
+        <a:font script="Hans" typeface="宋体"/>
+        <a:font script="Hant" typeface="新細明體"/>
+        <a:font script="Arab" typeface="Times New Roman"/>
+        <a:font script="Hebr" typeface="Times New Roman"/>
+        <a:font script="Thai" typeface="Angsana New"/>
+        <a:font script="Ethi" typeface="Nyala"/>
+        <a:font script="Beng" typeface="Vrinda"/>
+        <a:font script="Gujr" typeface="Shruti"/>
+        <a:font script="Khmr" typeface="MoolBoran"/>
+        <a:font script="Knda" typeface="Tunga"/>
+        <a:font script="Guru" typeface="Raavi"/>
+        <a:font script="Cans" typeface="Euphemia"/>
+        <a:font script="Cher" typeface="Plantagenet Cherokee"/>
+        <a:font script="Yiii" typeface="Microsoft Yi Baiti"/>
+        <a:font script="Tibt" typeface="Microsoft Himalaya"/>
+        <a:font script="Thaa" typeface="MV Boli"/>
+        <a:font script="Deva" typeface="Mangal"/>
+        <a:font script="Telu" typeface="Gautami"/>
+        <a:font script="Taml" typeface="Latha"/>
+        <a:font script="Syrc" typeface="Estrangelo Edessa"/>
+        <a:font script="Orya" typeface="Kalinga"/>
+        <a:font script="Mlym" typeface="Kartika"/>
+        <a:font script="Laoo" typeface="DokChampa"/>
+        <a:font script="Sinh" typeface="Iskoola Pota"/>
+        <a:font script="Mong" typeface="Mongolian Baiti"/>
+        <a:font script="Viet" typeface="Times New Roman"/>
+        <a:font script="Uigh" typeface="Microsoft Uighur"/>
+        <a:font script="Geor" typeface="Sylfaen"/>
+      </a:majorFont>
+      <a:minorFont>
+        <a:latin typeface="Calibri"/>
+        <a:ea typeface=""/>
+        <a:cs typeface=""/>
+        <a:font script="Jpan" typeface="ＭＳ Ｐゴシック"/>
+        <a:font script="Hang" typeface="맑은 고딕"/>
+        <a:font script="Hans" typeface="宋体"/>
+        <a:font script="Hant" typeface="新細明體"/>
+        <a:font script="Arab" typeface="Arial"/>
+        <a:font script="Hebr" typeface="Arial"/>
+        <a:font script="Thai" typeface="Cordia New"/>
+        <a:font script="Ethi" typeface="Nyala"/>
+        <a:font script="Beng" typeface="Vrinda"/>
+        <a:font script="Gujr" typeface="Shruti"/>
+        <a:font script="Khmr" typeface="DaunPenh"/>
+        <a:font script="Knda" typeface="Tunga"/>
+        <a:font script="Guru" typeface="Raavi"/>
+        <a:font script="Cans" typeface="Euphemia"/>
+        <a:font script="Cher" typeface="Plantagenet Cherokee"/>
+        <a:font script="Yiii" typeface="Microsoft Yi Baiti"/>
+        <a:font script="Tibt" typeface="Microsoft Himalaya"/>
+        <a:font script="Thaa" typeface="MV Boli"/>
+        <a:font script="Deva" typeface="Mangal"/>
+        <a:font script="Telu" typeface="Gautami"/>
+        <a:font script="Taml" typeface="Latha"/>
+        <a:font script="Syrc" typeface="Estrangelo Edessa"/>
+        <a:font script="Orya" typeface="Kalinga"/>
+        <a:font script="Mlym" typeface="Kartika"/>
+        <a:font script="Laoo" typeface="DokChampa"/>
+        <a:font script="Sinh" typeface="Iskoola Pota"/>
+        <a:font script="Mong" typeface="Mongolian Baiti"/>
+        <a:font script="Viet" typeface="Arial"/>
+        <a:font script="Uigh" typeface="Microsoft Uighur"/>
+        <a:font script="Geor" typeface="Sylfaen"/>
+      </a:minorFont>
+    </a:fontScheme>
+    <a:fmtScheme name="Office">
+      <a:fillStyleLst>
+        <a:solidFill>
+          <a:schemeClr val="phClr"/>
+        </a:solidFill>
+        <a:gradFill rotWithShape="1">
+          <a:gsLst>
+            <a:gs pos="0">
+              <a:schemeClr val="phClr">
+                <a:tint val="50000"/>
+                <a:satMod val="300000"/>
+              </a:schemeClr>
+            </a:gs>
+            <a:gs pos="35000">
+              <a:schemeClr val="phClr">
+                <a:tint val="37000"/>
+                <a:satMod val="300000"/>
+              </a:schemeClr>
+            </a:gs>
+            <a:gs pos="100000">
+              <a:schemeClr val="phClr">
+                <a:tint val="15000"/>
+                <a:satMod val="350000"/>
+              </a:schemeClr>
+            </a:gs>
+          </a:gsLst>
+          <a:lin ang="16200000" scaled="1"/>
+        </a:gradFill>
+        <a:gradFill rotWithShape="1">
+          <a:gsLst>
+            <a:gs pos="0">
+              <a:schemeClr val="phClr">
+                <a:tint val="100000"/>
+                <a:shade val="100000"/>
+                <a:satMod val="130000"/>
+              </a:schemeClr>
+            </a:gs>
+            <a:gs pos="100000">
+              <a:schemeClr val="phClr">
+                <a:tint val="50000"/>
+                <a:shade val="100000"/>
+                <a:satMod val="350000"/>
+              </a:schemeClr>
+            </a:gs>
+          </a:gsLst>
+          <a:lin ang="16200000" scaled="0"/>
+        </a:gradFill>
+      </a:fillStyleLst>
+      <a:lnStyleLst>
+        <a:ln w="9525" cap="flat" cmpd="sng" algn="ctr">
+          <a:solidFill>
+            <a:schemeClr val="phClr">
+              <a:shade val="95000"/>
+              <a:satMod val="105000"/>
+            </a:schemeClr>
+          </a:solidFill>
+          <a:prstDash val="solid"/>
+        </a:ln>
+        <a:ln w="25400" cap="flat" cmpd="sng" algn="ctr">
+          <a:solidFill>
+            <a:schemeClr val="phClr"/>
+          </a:solidFill>
+          <a:prstDash val="solid"/>
+        </a:ln>
+        <a:ln w="38100" cap="flat" cmpd="sng" algn="ctr">
+          <a:solidFill>
+            <a:schemeClr val="phClr"/>
+          </a:solidFill>
+          <a:prstDash val="solid"/>
+        </a:ln>
+      </a:lnStyleLst>
+      <a:effectStyleLst>
+        <a:effectStyle>
+          <a:effectLst>
+            <a:outerShdw blurRad="40000" dist="20000" dir="5400000" rotWithShape="0">
+              <a:srgbClr val="000000">
+                <a:alpha val="38000"/>
+              </a:srgbClr>
+            </a:outerShdw>
+          </a:effectLst>
+        </a:effectStyle>
+        <a:effectStyle>
+          <a:effectLst>
+            <a:outerShdw blurRad="40000" dist="23000" dir="5400000" rotWithShape="0">
+              <a:srgbClr val="000000">
+                <a:alpha val="35000"/>
+              </a:srgbClr>
+            </a:outerShdw>
+          </a:effectLst>
+        </a:effectStyle>
+        <a:effectStyle>
+          <a:effectLst>
+            <a:outerShdw blurRad="40000" dist="23000" dir="5400000" rotWithShape="0">
+              <a:srgbClr val="000000">
+                <a:alpha val="35000"/>
+              </a:srgbClr>
+            </a:outerShdw>
+          </a:effectLst>
+          <a:scene3d>
+            <a:camera prst="orthographicFront">
+              <a:rot lat="0" lon="0" rev="0"/>
+            </a:camera>
+            <a:lightRig rig="threePt" dir="t">
+              <a:rot lat="0" lon="0" rev="1200000"/>
+            </a:lightRig>
+          </a:scene3d>
+          <a:sp3d>
+            <a:bevelT w="63500" h="25400"/>
+          </a:sp3d>
+        </a:effectStyle>
+      </a:effectStyleLst>
+      <a:bgFillStyleLst>
+        <a:solidFill>
+          <a:schemeClr val="phClr"/>
+        </a:solidFill>
+        <a:gradFill rotWithShape="1">
+          <a:gsLst>
+            <a:gs pos="0">
+              <a:schemeClr val="phClr">
+                <a:tint val="40000"/>
+                <a:satMod val="350000"/>
+              </a:schemeClr>
+            </a:gs>
+            <a:gs pos="40000">
+              <a:schemeClr val="phClr">
+                <a:tint val="45000"/>
+                <a:shade val="99000"/>
+                <a:satMod val="350000"/>
+              </a:schemeClr>
+            </a:gs>
+            <a:gs pos="100000">
+              <a:schemeClr val="phClr">
+                <a:shade val="20000"/>
+                <a:satMod val="255000"/>
+              </a:schemeClr>
+            </a:gs>
+          </a:gsLst>
+          <a:path path="circle">
+            <a:fillToRect l="50000" t="-80000" r="50000" b="180000"/>
+          </a:path>
+        </a:gradFill>
+        <a:gradFill rotWithShape="1">
+          <a:gsLst>
+            <a:gs pos="0">
+              <a:schemeClr val="phClr">
+                <a:tint val="80000"/>
+                <a:satMod val="300000"/>
+              </a:schemeClr>
+            </a:gs>
+            <a:gs pos="100000">
+              <a:schemeClr val="phClr">
+                <a:shade val="30000"/>
+                <a:satMod val="200000"/>
+              </a:schemeClr>
+            </a:gs>
+          </a:gsLst>
+          <a:path path="circle">
+            <a:fillToRect l="50000" t="50000" r="50000" b="50000"/>
+          </a:path>
+        </a:gradFill>
+      </a:bgFillStyleLst>
+    </a:fmtScheme>
+  </a:themeElements>
+  <a:objectDefaults>
+    <a:spDef>
+      <a:spPr/>
+      <a:bodyPr/>
+      <a:lstStyle/>
+      <a:style>
+        <a:lnRef idx="1">
+          <a:schemeClr val="accent1"/>
+        </a:lnRef>
+        <a:fillRef idx="3">
+          <a:schemeClr val="accent1"/>
+        </a:fillRef>
+        <a:effectRef idx="2">
+          <a:schemeClr val="accent1"/>
+        </a:effectRef>
+        <a:fontRef idx="minor">
+          <a:schemeClr val="lt1"/>
+        </a:fontRef>
+      </a:style>
+    </a:spDef>
+    <a:lnDef>
+      <a:spPr/>
+      <a:bodyPr/>
+      <a:lstStyle/>
+      <a:style>
+        <a:lnRef idx="2">
+          <a:schemeClr val="accent1"/>
+        </a:lnRef>
+        <a:fillRef idx="0">
+          <a:schemeClr val="accent1"/>
+        </a:fillRef>
+        <a:effectRef idx="1">
+          <a:schemeClr val="accent1"/>
+        </a:effectRef>
+        <a:fontRef idx="minor">
+          <a:schemeClr val="tx1"/>
+        </a:fontRef>
+      </a:style>
+    </a:lnDef>
+  </a:objectDefaults>
+  <a:extraClrSchemeLst/>
+</a:theme>
 </file>
--- a/spweb.pptx
+++ b/spweb.pptx
@@ -199,7 +199,7 @@
           <a:p>
             <a:fld id="{603278F2-9C20-A140-A666-4AD0FD86CB65}" type="datetimeFigureOut">
               <a:rPr lang="en-US" smtClean="0"/>
-              <a:t>3/4/14</a:t>
+              <a:t>3/11/14</a:t>
             </a:fld>
             <a:endParaRPr lang="en-US"/>
           </a:p>
@@ -732,7 +732,7 @@
           <a:p>
             <a:fld id="{9C2834C0-69BC-BF45-B020-B398A7196B8A}" type="datetimeFigureOut">
               <a:rPr lang="en-US" smtClean="0"/>
-              <a:t>3/4/14</a:t>
+              <a:t>3/11/14</a:t>
             </a:fld>
             <a:endParaRPr lang="en-US"/>
           </a:p>
@@ -902,7 +902,7 @@
           <a:p>
             <a:fld id="{9C2834C0-69BC-BF45-B020-B398A7196B8A}" type="datetimeFigureOut">
               <a:rPr lang="en-US" smtClean="0"/>
-              <a:t>3/4/14</a:t>
+              <a:t>3/11/14</a:t>
             </a:fld>
             <a:endParaRPr lang="en-US"/>
           </a:p>
@@ -1082,7 +1082,7 @@
           <a:p>
             <a:fld id="{9C2834C0-69BC-BF45-B020-B398A7196B8A}" type="datetimeFigureOut">
               <a:rPr lang="en-US" smtClean="0"/>
-              <a:t>3/4/14</a:t>
+              <a:t>3/11/14</a:t>
             </a:fld>
             <a:endParaRPr lang="en-US"/>
           </a:p>
@@ -1252,7 +1252,7 @@
           <a:p>
             <a:fld id="{9C2834C0-69BC-BF45-B020-B398A7196B8A}" type="datetimeFigureOut">
               <a:rPr lang="en-US" smtClean="0"/>
-              <a:t>3/4/14</a:t>
+              <a:t>3/11/14</a:t>
             </a:fld>
             <a:endParaRPr lang="en-US"/>
           </a:p>
@@ -1498,7 +1498,7 @@
           <a:p>
             <a:fld id="{9C2834C0-69BC-BF45-B020-B398A7196B8A}" type="datetimeFigureOut">
               <a:rPr lang="en-US" smtClean="0"/>
-              <a:t>3/4/14</a:t>
+              <a:t>3/11/14</a:t>
             </a:fld>
             <a:endParaRPr lang="en-US"/>
           </a:p>
@@ -1786,7 +1786,7 @@
           <a:p>
             <a:fld id="{9C2834C0-69BC-BF45-B020-B398A7196B8A}" type="datetimeFigureOut">
               <a:rPr lang="en-US" smtClean="0"/>
-              <a:t>3/4/14</a:t>
+              <a:t>3/11/14</a:t>
             </a:fld>
             <a:endParaRPr lang="en-US"/>
           </a:p>
@@ -2208,7 +2208,7 @@
           <a:p>
             <a:fld id="{9C2834C0-69BC-BF45-B020-B398A7196B8A}" type="datetimeFigureOut">
               <a:rPr lang="en-US" smtClean="0"/>
-              <a:t>3/4/14</a:t>
+              <a:t>3/11/14</a:t>
             </a:fld>
             <a:endParaRPr lang="en-US"/>
           </a:p>
@@ -2326,7 +2326,7 @@
           <a:p>
             <a:fld id="{9C2834C0-69BC-BF45-B020-B398A7196B8A}" type="datetimeFigureOut">
               <a:rPr lang="en-US" smtClean="0"/>
-              <a:t>3/4/14</a:t>
+              <a:t>3/11/14</a:t>
             </a:fld>
             <a:endParaRPr lang="en-US"/>
           </a:p>
@@ -2421,7 +2421,7 @@
           <a:p>
             <a:fld id="{9C2834C0-69BC-BF45-B020-B398A7196B8A}" type="datetimeFigureOut">
               <a:rPr lang="en-US" smtClean="0"/>
-              <a:t>3/4/14</a:t>
+              <a:t>3/11/14</a:t>
             </a:fld>
             <a:endParaRPr lang="en-US"/>
           </a:p>
@@ -2698,7 +2698,7 @@
           <a:p>
             <a:fld id="{9C2834C0-69BC-BF45-B020-B398A7196B8A}" type="datetimeFigureOut">
               <a:rPr lang="en-US" smtClean="0"/>
-              <a:t>3/4/14</a:t>
+              <a:t>3/11/14</a:t>
             </a:fld>
             <a:endParaRPr lang="en-US"/>
           </a:p>
@@ -2951,7 +2951,7 @@
           <a:p>
             <a:fld id="{9C2834C0-69BC-BF45-B020-B398A7196B8A}" type="datetimeFigureOut">
               <a:rPr lang="en-US" smtClean="0"/>
-              <a:t>3/4/14</a:t>
+              <a:t>3/11/14</a:t>
             </a:fld>
             <a:endParaRPr lang="en-US"/>
           </a:p>
@@ -3164,7 +3164,7 @@
           <a:p>
             <a:fld id="{9C2834C0-69BC-BF45-B020-B398A7196B8A}" type="datetimeFigureOut">
               <a:rPr lang="en-US" smtClean="0"/>
-              <a:t>3/4/14</a:t>
+              <a:t>3/11/14</a:t>
             </a:fld>
             <a:endParaRPr lang="en-US"/>
           </a:p>
